--- a/!Document/UI.pptx
+++ b/!Document/UI.pptx
@@ -9,6 +9,7 @@
     <p:sldId id="257" r:id="rId3"/>
     <p:sldId id="258" r:id="rId4"/>
     <p:sldId id="259" r:id="rId5"/>
+    <p:sldId id="260" r:id="rId6"/>
   </p:sldIdLst>
   <p:sldSz cx="12192000" cy="6858000"/>
   <p:notesSz cx="6858000" cy="9144000"/>
@@ -157,10 +158,9 @@
           </a:lstStyle>
           <a:p>
             <a:r>
-              <a:rPr lang="ko-KR" altLang="en-US" smtClean="0"/>
+              <a:rPr lang="ko-KR" altLang="en-US"/>
               <a:t>마스터 제목 스타일 편집</a:t>
             </a:r>
-            <a:endParaRPr lang="ko-KR" altLang="en-US"/>
           </a:p>
         </p:txBody>
       </p:sp>
@@ -222,10 +222,9 @@
           </a:lstStyle>
           <a:p>
             <a:r>
-              <a:rPr lang="ko-KR" altLang="en-US" smtClean="0"/>
+              <a:rPr lang="ko-KR" altLang="en-US"/>
               <a:t>클릭하여 마스터 부제목 스타일 편집</a:t>
             </a:r>
-            <a:endParaRPr lang="ko-KR" altLang="en-US"/>
           </a:p>
         </p:txBody>
       </p:sp>
@@ -246,7 +245,7 @@
           <a:p>
             <a:fld id="{A7952D43-EE1A-4612-8D08-436DC12AF464}" type="datetimeFigureOut">
               <a:rPr lang="ko-KR" altLang="en-US" smtClean="0"/>
-              <a:t>2016-07-22</a:t>
+              <a:t>2016-07-23</a:t>
             </a:fld>
             <a:endParaRPr lang="ko-KR" altLang="en-US"/>
           </a:p>
@@ -340,10 +339,9 @@
           <a:lstStyle/>
           <a:p>
             <a:r>
-              <a:rPr lang="ko-KR" altLang="en-US" smtClean="0"/>
+              <a:rPr lang="ko-KR" altLang="en-US"/>
               <a:t>마스터 제목 스타일 편집</a:t>
             </a:r>
-            <a:endParaRPr lang="ko-KR" altLang="en-US"/>
           </a:p>
         </p:txBody>
       </p:sp>
@@ -364,38 +362,37 @@
           <a:p>
             <a:pPr lvl="0"/>
             <a:r>
-              <a:rPr lang="ko-KR" altLang="en-US" smtClean="0"/>
+              <a:rPr lang="ko-KR" altLang="en-US"/>
               <a:t>마스터 텍스트 스타일 편집</a:t>
             </a:r>
           </a:p>
           <a:p>
             <a:pPr lvl="1"/>
             <a:r>
-              <a:rPr lang="ko-KR" altLang="en-US" smtClean="0"/>
+              <a:rPr lang="ko-KR" altLang="en-US"/>
               <a:t>둘째 수준</a:t>
             </a:r>
           </a:p>
           <a:p>
             <a:pPr lvl="2"/>
             <a:r>
-              <a:rPr lang="ko-KR" altLang="en-US" smtClean="0"/>
+              <a:rPr lang="ko-KR" altLang="en-US"/>
               <a:t>셋째 수준</a:t>
             </a:r>
           </a:p>
           <a:p>
             <a:pPr lvl="3"/>
             <a:r>
-              <a:rPr lang="ko-KR" altLang="en-US" smtClean="0"/>
+              <a:rPr lang="ko-KR" altLang="en-US"/>
               <a:t>넷째 수준</a:t>
             </a:r>
           </a:p>
           <a:p>
             <a:pPr lvl="4"/>
             <a:r>
-              <a:rPr lang="ko-KR" altLang="en-US" smtClean="0"/>
+              <a:rPr lang="ko-KR" altLang="en-US"/>
               <a:t>다섯째 수준</a:t>
             </a:r>
-            <a:endParaRPr lang="ko-KR" altLang="en-US"/>
           </a:p>
         </p:txBody>
       </p:sp>
@@ -416,7 +413,7 @@
           <a:p>
             <a:fld id="{A7952D43-EE1A-4612-8D08-436DC12AF464}" type="datetimeFigureOut">
               <a:rPr lang="ko-KR" altLang="en-US" smtClean="0"/>
-              <a:t>2016-07-22</a:t>
+              <a:t>2016-07-23</a:t>
             </a:fld>
             <a:endParaRPr lang="ko-KR" altLang="en-US"/>
           </a:p>
@@ -515,10 +512,9 @@
           <a:lstStyle/>
           <a:p>
             <a:r>
-              <a:rPr lang="ko-KR" altLang="en-US" smtClean="0"/>
+              <a:rPr lang="ko-KR" altLang="en-US"/>
               <a:t>마스터 제목 스타일 편집</a:t>
             </a:r>
-            <a:endParaRPr lang="ko-KR" altLang="en-US"/>
           </a:p>
         </p:txBody>
       </p:sp>
@@ -544,38 +540,37 @@
           <a:p>
             <a:pPr lvl="0"/>
             <a:r>
-              <a:rPr lang="ko-KR" altLang="en-US" smtClean="0"/>
+              <a:rPr lang="ko-KR" altLang="en-US"/>
               <a:t>마스터 텍스트 스타일 편집</a:t>
             </a:r>
           </a:p>
           <a:p>
             <a:pPr lvl="1"/>
             <a:r>
-              <a:rPr lang="ko-KR" altLang="en-US" smtClean="0"/>
+              <a:rPr lang="ko-KR" altLang="en-US"/>
               <a:t>둘째 수준</a:t>
             </a:r>
           </a:p>
           <a:p>
             <a:pPr lvl="2"/>
             <a:r>
-              <a:rPr lang="ko-KR" altLang="en-US" smtClean="0"/>
+              <a:rPr lang="ko-KR" altLang="en-US"/>
               <a:t>셋째 수준</a:t>
             </a:r>
           </a:p>
           <a:p>
             <a:pPr lvl="3"/>
             <a:r>
-              <a:rPr lang="ko-KR" altLang="en-US" smtClean="0"/>
+              <a:rPr lang="ko-KR" altLang="en-US"/>
               <a:t>넷째 수준</a:t>
             </a:r>
           </a:p>
           <a:p>
             <a:pPr lvl="4"/>
             <a:r>
-              <a:rPr lang="ko-KR" altLang="en-US" smtClean="0"/>
+              <a:rPr lang="ko-KR" altLang="en-US"/>
               <a:t>다섯째 수준</a:t>
             </a:r>
-            <a:endParaRPr lang="ko-KR" altLang="en-US"/>
           </a:p>
         </p:txBody>
       </p:sp>
@@ -596,7 +591,7 @@
           <a:p>
             <a:fld id="{A7952D43-EE1A-4612-8D08-436DC12AF464}" type="datetimeFigureOut">
               <a:rPr lang="ko-KR" altLang="en-US" smtClean="0"/>
-              <a:t>2016-07-22</a:t>
+              <a:t>2016-07-23</a:t>
             </a:fld>
             <a:endParaRPr lang="ko-KR" altLang="en-US"/>
           </a:p>
@@ -690,10 +685,9 @@
           <a:lstStyle/>
           <a:p>
             <a:r>
-              <a:rPr lang="ko-KR" altLang="en-US" smtClean="0"/>
+              <a:rPr lang="ko-KR" altLang="en-US"/>
               <a:t>마스터 제목 스타일 편집</a:t>
             </a:r>
-            <a:endParaRPr lang="ko-KR" altLang="en-US"/>
           </a:p>
         </p:txBody>
       </p:sp>
@@ -714,38 +708,37 @@
           <a:p>
             <a:pPr lvl="0"/>
             <a:r>
-              <a:rPr lang="ko-KR" altLang="en-US" smtClean="0"/>
+              <a:rPr lang="ko-KR" altLang="en-US"/>
               <a:t>마스터 텍스트 스타일 편집</a:t>
             </a:r>
           </a:p>
           <a:p>
             <a:pPr lvl="1"/>
             <a:r>
-              <a:rPr lang="ko-KR" altLang="en-US" smtClean="0"/>
+              <a:rPr lang="ko-KR" altLang="en-US"/>
               <a:t>둘째 수준</a:t>
             </a:r>
           </a:p>
           <a:p>
             <a:pPr lvl="2"/>
             <a:r>
-              <a:rPr lang="ko-KR" altLang="en-US" smtClean="0"/>
+              <a:rPr lang="ko-KR" altLang="en-US"/>
               <a:t>셋째 수준</a:t>
             </a:r>
           </a:p>
           <a:p>
             <a:pPr lvl="3"/>
             <a:r>
-              <a:rPr lang="ko-KR" altLang="en-US" smtClean="0"/>
+              <a:rPr lang="ko-KR" altLang="en-US"/>
               <a:t>넷째 수준</a:t>
             </a:r>
           </a:p>
           <a:p>
             <a:pPr lvl="4"/>
             <a:r>
-              <a:rPr lang="ko-KR" altLang="en-US" smtClean="0"/>
+              <a:rPr lang="ko-KR" altLang="en-US"/>
               <a:t>다섯째 수준</a:t>
             </a:r>
-            <a:endParaRPr lang="ko-KR" altLang="en-US"/>
           </a:p>
         </p:txBody>
       </p:sp>
@@ -766,7 +759,7 @@
           <a:p>
             <a:fld id="{A7952D43-EE1A-4612-8D08-436DC12AF464}" type="datetimeFigureOut">
               <a:rPr lang="ko-KR" altLang="en-US" smtClean="0"/>
-              <a:t>2016-07-22</a:t>
+              <a:t>2016-07-23</a:t>
             </a:fld>
             <a:endParaRPr lang="ko-KR" altLang="en-US"/>
           </a:p>
@@ -869,10 +862,9 @@
           </a:lstStyle>
           <a:p>
             <a:r>
-              <a:rPr lang="ko-KR" altLang="en-US" smtClean="0"/>
+              <a:rPr lang="ko-KR" altLang="en-US"/>
               <a:t>마스터 제목 스타일 편집</a:t>
             </a:r>
-            <a:endParaRPr lang="ko-KR" altLang="en-US"/>
           </a:p>
         </p:txBody>
       </p:sp>
@@ -989,7 +981,7 @@
           <a:p>
             <a:pPr lvl="0"/>
             <a:r>
-              <a:rPr lang="ko-KR" altLang="en-US" smtClean="0"/>
+              <a:rPr lang="ko-KR" altLang="en-US"/>
               <a:t>마스터 텍스트 스타일 편집</a:t>
             </a:r>
           </a:p>
@@ -1012,7 +1004,7 @@
           <a:p>
             <a:fld id="{A7952D43-EE1A-4612-8D08-436DC12AF464}" type="datetimeFigureOut">
               <a:rPr lang="ko-KR" altLang="en-US" smtClean="0"/>
-              <a:t>2016-07-22</a:t>
+              <a:t>2016-07-23</a:t>
             </a:fld>
             <a:endParaRPr lang="ko-KR" altLang="en-US"/>
           </a:p>
@@ -1106,10 +1098,9 @@
           <a:lstStyle/>
           <a:p>
             <a:r>
-              <a:rPr lang="ko-KR" altLang="en-US" smtClean="0"/>
+              <a:rPr lang="ko-KR" altLang="en-US"/>
               <a:t>마스터 제목 스타일 편집</a:t>
             </a:r>
-            <a:endParaRPr lang="ko-KR" altLang="en-US"/>
           </a:p>
         </p:txBody>
       </p:sp>
@@ -1135,38 +1126,37 @@
           <a:p>
             <a:pPr lvl="0"/>
             <a:r>
-              <a:rPr lang="ko-KR" altLang="en-US" smtClean="0"/>
+              <a:rPr lang="ko-KR" altLang="en-US"/>
               <a:t>마스터 텍스트 스타일 편집</a:t>
             </a:r>
           </a:p>
           <a:p>
             <a:pPr lvl="1"/>
             <a:r>
-              <a:rPr lang="ko-KR" altLang="en-US" smtClean="0"/>
+              <a:rPr lang="ko-KR" altLang="en-US"/>
               <a:t>둘째 수준</a:t>
             </a:r>
           </a:p>
           <a:p>
             <a:pPr lvl="2"/>
             <a:r>
-              <a:rPr lang="ko-KR" altLang="en-US" smtClean="0"/>
+              <a:rPr lang="ko-KR" altLang="en-US"/>
               <a:t>셋째 수준</a:t>
             </a:r>
           </a:p>
           <a:p>
             <a:pPr lvl="3"/>
             <a:r>
-              <a:rPr lang="ko-KR" altLang="en-US" smtClean="0"/>
+              <a:rPr lang="ko-KR" altLang="en-US"/>
               <a:t>넷째 수준</a:t>
             </a:r>
           </a:p>
           <a:p>
             <a:pPr lvl="4"/>
             <a:r>
-              <a:rPr lang="ko-KR" altLang="en-US" smtClean="0"/>
+              <a:rPr lang="ko-KR" altLang="en-US"/>
               <a:t>다섯째 수준</a:t>
             </a:r>
-            <a:endParaRPr lang="ko-KR" altLang="en-US"/>
           </a:p>
         </p:txBody>
       </p:sp>
@@ -1192,38 +1182,37 @@
           <a:p>
             <a:pPr lvl="0"/>
             <a:r>
-              <a:rPr lang="ko-KR" altLang="en-US" smtClean="0"/>
+              <a:rPr lang="ko-KR" altLang="en-US"/>
               <a:t>마스터 텍스트 스타일 편집</a:t>
             </a:r>
           </a:p>
           <a:p>
             <a:pPr lvl="1"/>
             <a:r>
-              <a:rPr lang="ko-KR" altLang="en-US" smtClean="0"/>
+              <a:rPr lang="ko-KR" altLang="en-US"/>
               <a:t>둘째 수준</a:t>
             </a:r>
           </a:p>
           <a:p>
             <a:pPr lvl="2"/>
             <a:r>
-              <a:rPr lang="ko-KR" altLang="en-US" smtClean="0"/>
+              <a:rPr lang="ko-KR" altLang="en-US"/>
               <a:t>셋째 수준</a:t>
             </a:r>
           </a:p>
           <a:p>
             <a:pPr lvl="3"/>
             <a:r>
-              <a:rPr lang="ko-KR" altLang="en-US" smtClean="0"/>
+              <a:rPr lang="ko-KR" altLang="en-US"/>
               <a:t>넷째 수준</a:t>
             </a:r>
           </a:p>
           <a:p>
             <a:pPr lvl="4"/>
             <a:r>
-              <a:rPr lang="ko-KR" altLang="en-US" smtClean="0"/>
+              <a:rPr lang="ko-KR" altLang="en-US"/>
               <a:t>다섯째 수준</a:t>
             </a:r>
-            <a:endParaRPr lang="ko-KR" altLang="en-US"/>
           </a:p>
         </p:txBody>
       </p:sp>
@@ -1244,7 +1233,7 @@
           <a:p>
             <a:fld id="{A7952D43-EE1A-4612-8D08-436DC12AF464}" type="datetimeFigureOut">
               <a:rPr lang="ko-KR" altLang="en-US" smtClean="0"/>
-              <a:t>2016-07-22</a:t>
+              <a:t>2016-07-23</a:t>
             </a:fld>
             <a:endParaRPr lang="ko-KR" altLang="en-US"/>
           </a:p>
@@ -1343,10 +1332,9 @@
           <a:lstStyle/>
           <a:p>
             <a:r>
-              <a:rPr lang="ko-KR" altLang="en-US" smtClean="0"/>
+              <a:rPr lang="ko-KR" altLang="en-US"/>
               <a:t>마스터 제목 스타일 편집</a:t>
             </a:r>
-            <a:endParaRPr lang="ko-KR" altLang="en-US"/>
           </a:p>
         </p:txBody>
       </p:sp>
@@ -1409,7 +1397,7 @@
           <a:p>
             <a:pPr lvl="0"/>
             <a:r>
-              <a:rPr lang="ko-KR" altLang="en-US" smtClean="0"/>
+              <a:rPr lang="ko-KR" altLang="en-US"/>
               <a:t>마스터 텍스트 스타일 편집</a:t>
             </a:r>
           </a:p>
@@ -1437,38 +1425,37 @@
           <a:p>
             <a:pPr lvl="0"/>
             <a:r>
-              <a:rPr lang="ko-KR" altLang="en-US" smtClean="0"/>
+              <a:rPr lang="ko-KR" altLang="en-US"/>
               <a:t>마스터 텍스트 스타일 편집</a:t>
             </a:r>
           </a:p>
           <a:p>
             <a:pPr lvl="1"/>
             <a:r>
-              <a:rPr lang="ko-KR" altLang="en-US" smtClean="0"/>
+              <a:rPr lang="ko-KR" altLang="en-US"/>
               <a:t>둘째 수준</a:t>
             </a:r>
           </a:p>
           <a:p>
             <a:pPr lvl="2"/>
             <a:r>
-              <a:rPr lang="ko-KR" altLang="en-US" smtClean="0"/>
+              <a:rPr lang="ko-KR" altLang="en-US"/>
               <a:t>셋째 수준</a:t>
             </a:r>
           </a:p>
           <a:p>
             <a:pPr lvl="3"/>
             <a:r>
-              <a:rPr lang="ko-KR" altLang="en-US" smtClean="0"/>
+              <a:rPr lang="ko-KR" altLang="en-US"/>
               <a:t>넷째 수준</a:t>
             </a:r>
           </a:p>
           <a:p>
             <a:pPr lvl="4"/>
             <a:r>
-              <a:rPr lang="ko-KR" altLang="en-US" smtClean="0"/>
+              <a:rPr lang="ko-KR" altLang="en-US"/>
               <a:t>다섯째 수준</a:t>
             </a:r>
-            <a:endParaRPr lang="ko-KR" altLang="en-US"/>
           </a:p>
         </p:txBody>
       </p:sp>
@@ -1531,7 +1518,7 @@
           <a:p>
             <a:pPr lvl="0"/>
             <a:r>
-              <a:rPr lang="ko-KR" altLang="en-US" smtClean="0"/>
+              <a:rPr lang="ko-KR" altLang="en-US"/>
               <a:t>마스터 텍스트 스타일 편집</a:t>
             </a:r>
           </a:p>
@@ -1559,38 +1546,37 @@
           <a:p>
             <a:pPr lvl="0"/>
             <a:r>
-              <a:rPr lang="ko-KR" altLang="en-US" smtClean="0"/>
+              <a:rPr lang="ko-KR" altLang="en-US"/>
               <a:t>마스터 텍스트 스타일 편집</a:t>
             </a:r>
           </a:p>
           <a:p>
             <a:pPr lvl="1"/>
             <a:r>
-              <a:rPr lang="ko-KR" altLang="en-US" smtClean="0"/>
+              <a:rPr lang="ko-KR" altLang="en-US"/>
               <a:t>둘째 수준</a:t>
             </a:r>
           </a:p>
           <a:p>
             <a:pPr lvl="2"/>
             <a:r>
-              <a:rPr lang="ko-KR" altLang="en-US" smtClean="0"/>
+              <a:rPr lang="ko-KR" altLang="en-US"/>
               <a:t>셋째 수준</a:t>
             </a:r>
           </a:p>
           <a:p>
             <a:pPr lvl="3"/>
             <a:r>
-              <a:rPr lang="ko-KR" altLang="en-US" smtClean="0"/>
+              <a:rPr lang="ko-KR" altLang="en-US"/>
               <a:t>넷째 수준</a:t>
             </a:r>
           </a:p>
           <a:p>
             <a:pPr lvl="4"/>
             <a:r>
-              <a:rPr lang="ko-KR" altLang="en-US" smtClean="0"/>
+              <a:rPr lang="ko-KR" altLang="en-US"/>
               <a:t>다섯째 수준</a:t>
             </a:r>
-            <a:endParaRPr lang="ko-KR" altLang="en-US"/>
           </a:p>
         </p:txBody>
       </p:sp>
@@ -1611,7 +1597,7 @@
           <a:p>
             <a:fld id="{A7952D43-EE1A-4612-8D08-436DC12AF464}" type="datetimeFigureOut">
               <a:rPr lang="ko-KR" altLang="en-US" smtClean="0"/>
-              <a:t>2016-07-22</a:t>
+              <a:t>2016-07-23</a:t>
             </a:fld>
             <a:endParaRPr lang="ko-KR" altLang="en-US"/>
           </a:p>
@@ -1705,10 +1691,9 @@
           <a:lstStyle/>
           <a:p>
             <a:r>
-              <a:rPr lang="ko-KR" altLang="en-US" smtClean="0"/>
+              <a:rPr lang="ko-KR" altLang="en-US"/>
               <a:t>마스터 제목 스타일 편집</a:t>
             </a:r>
-            <a:endParaRPr lang="ko-KR" altLang="en-US"/>
           </a:p>
         </p:txBody>
       </p:sp>
@@ -1729,7 +1714,7 @@
           <a:p>
             <a:fld id="{A7952D43-EE1A-4612-8D08-436DC12AF464}" type="datetimeFigureOut">
               <a:rPr lang="ko-KR" altLang="en-US" smtClean="0"/>
-              <a:t>2016-07-22</a:t>
+              <a:t>2016-07-23</a:t>
             </a:fld>
             <a:endParaRPr lang="ko-KR" altLang="en-US"/>
           </a:p>
@@ -1824,7 +1809,7 @@
           <a:p>
             <a:fld id="{A7952D43-EE1A-4612-8D08-436DC12AF464}" type="datetimeFigureOut">
               <a:rPr lang="ko-KR" altLang="en-US" smtClean="0"/>
-              <a:t>2016-07-22</a:t>
+              <a:t>2016-07-23</a:t>
             </a:fld>
             <a:endParaRPr lang="ko-KR" altLang="en-US"/>
           </a:p>
@@ -1927,10 +1912,9 @@
           </a:lstStyle>
           <a:p>
             <a:r>
-              <a:rPr lang="ko-KR" altLang="en-US" smtClean="0"/>
+              <a:rPr lang="ko-KR" altLang="en-US"/>
               <a:t>마스터 제목 스타일 편집</a:t>
             </a:r>
-            <a:endParaRPr lang="ko-KR" altLang="en-US"/>
           </a:p>
         </p:txBody>
       </p:sp>
@@ -1984,38 +1968,37 @@
           <a:p>
             <a:pPr lvl="0"/>
             <a:r>
-              <a:rPr lang="ko-KR" altLang="en-US" smtClean="0"/>
+              <a:rPr lang="ko-KR" altLang="en-US"/>
               <a:t>마스터 텍스트 스타일 편집</a:t>
             </a:r>
           </a:p>
           <a:p>
             <a:pPr lvl="1"/>
             <a:r>
-              <a:rPr lang="ko-KR" altLang="en-US" smtClean="0"/>
+              <a:rPr lang="ko-KR" altLang="en-US"/>
               <a:t>둘째 수준</a:t>
             </a:r>
           </a:p>
           <a:p>
             <a:pPr lvl="2"/>
             <a:r>
-              <a:rPr lang="ko-KR" altLang="en-US" smtClean="0"/>
+              <a:rPr lang="ko-KR" altLang="en-US"/>
               <a:t>셋째 수준</a:t>
             </a:r>
           </a:p>
           <a:p>
             <a:pPr lvl="3"/>
             <a:r>
-              <a:rPr lang="ko-KR" altLang="en-US" smtClean="0"/>
+              <a:rPr lang="ko-KR" altLang="en-US"/>
               <a:t>넷째 수준</a:t>
             </a:r>
           </a:p>
           <a:p>
             <a:pPr lvl="4"/>
             <a:r>
-              <a:rPr lang="ko-KR" altLang="en-US" smtClean="0"/>
+              <a:rPr lang="ko-KR" altLang="en-US"/>
               <a:t>다섯째 수준</a:t>
             </a:r>
-            <a:endParaRPr lang="ko-KR" altLang="en-US"/>
           </a:p>
         </p:txBody>
       </p:sp>
@@ -2078,7 +2061,7 @@
           <a:p>
             <a:pPr lvl="0"/>
             <a:r>
-              <a:rPr lang="ko-KR" altLang="en-US" smtClean="0"/>
+              <a:rPr lang="ko-KR" altLang="en-US"/>
               <a:t>마스터 텍스트 스타일 편집</a:t>
             </a:r>
           </a:p>
@@ -2101,7 +2084,7 @@
           <a:p>
             <a:fld id="{A7952D43-EE1A-4612-8D08-436DC12AF464}" type="datetimeFigureOut">
               <a:rPr lang="ko-KR" altLang="en-US" smtClean="0"/>
-              <a:t>2016-07-22</a:t>
+              <a:t>2016-07-23</a:t>
             </a:fld>
             <a:endParaRPr lang="ko-KR" altLang="en-US"/>
           </a:p>
@@ -2204,10 +2187,9 @@
           </a:lstStyle>
           <a:p>
             <a:r>
-              <a:rPr lang="ko-KR" altLang="en-US" smtClean="0"/>
+              <a:rPr lang="ko-KR" altLang="en-US"/>
               <a:t>마스터 제목 스타일 편집</a:t>
             </a:r>
-            <a:endParaRPr lang="ko-KR" altLang="en-US"/>
           </a:p>
         </p:txBody>
       </p:sp>
@@ -2331,7 +2313,7 @@
           <a:p>
             <a:pPr lvl="0"/>
             <a:r>
-              <a:rPr lang="ko-KR" altLang="en-US" smtClean="0"/>
+              <a:rPr lang="ko-KR" altLang="en-US"/>
               <a:t>마스터 텍스트 스타일 편집</a:t>
             </a:r>
           </a:p>
@@ -2354,7 +2336,7 @@
           <a:p>
             <a:fld id="{A7952D43-EE1A-4612-8D08-436DC12AF464}" type="datetimeFigureOut">
               <a:rPr lang="ko-KR" altLang="en-US" smtClean="0"/>
-              <a:t>2016-07-22</a:t>
+              <a:t>2016-07-23</a:t>
             </a:fld>
             <a:endParaRPr lang="ko-KR" altLang="en-US"/>
           </a:p>
@@ -2463,10 +2445,9 @@
           <a:lstStyle/>
           <a:p>
             <a:r>
-              <a:rPr lang="ko-KR" altLang="en-US" smtClean="0"/>
+              <a:rPr lang="ko-KR" altLang="en-US"/>
               <a:t>마스터 제목 스타일 편집</a:t>
             </a:r>
-            <a:endParaRPr lang="ko-KR" altLang="en-US"/>
           </a:p>
         </p:txBody>
       </p:sp>
@@ -2497,38 +2478,37 @@
           <a:p>
             <a:pPr lvl="0"/>
             <a:r>
-              <a:rPr lang="ko-KR" altLang="en-US" smtClean="0"/>
+              <a:rPr lang="ko-KR" altLang="en-US"/>
               <a:t>마스터 텍스트 스타일 편집</a:t>
             </a:r>
           </a:p>
           <a:p>
             <a:pPr lvl="1"/>
             <a:r>
-              <a:rPr lang="ko-KR" altLang="en-US" smtClean="0"/>
+              <a:rPr lang="ko-KR" altLang="en-US"/>
               <a:t>둘째 수준</a:t>
             </a:r>
           </a:p>
           <a:p>
             <a:pPr lvl="2"/>
             <a:r>
-              <a:rPr lang="ko-KR" altLang="en-US" smtClean="0"/>
+              <a:rPr lang="ko-KR" altLang="en-US"/>
               <a:t>셋째 수준</a:t>
             </a:r>
           </a:p>
           <a:p>
             <a:pPr lvl="3"/>
             <a:r>
-              <a:rPr lang="ko-KR" altLang="en-US" smtClean="0"/>
+              <a:rPr lang="ko-KR" altLang="en-US"/>
               <a:t>넷째 수준</a:t>
             </a:r>
           </a:p>
           <a:p>
             <a:pPr lvl="4"/>
             <a:r>
-              <a:rPr lang="ko-KR" altLang="en-US" smtClean="0"/>
+              <a:rPr lang="ko-KR" altLang="en-US"/>
               <a:t>다섯째 수준</a:t>
             </a:r>
-            <a:endParaRPr lang="ko-KR" altLang="en-US"/>
           </a:p>
         </p:txBody>
       </p:sp>
@@ -2567,7 +2547,7 @@
           <a:p>
             <a:fld id="{A7952D43-EE1A-4612-8D08-436DC12AF464}" type="datetimeFigureOut">
               <a:rPr lang="ko-KR" altLang="en-US" smtClean="0"/>
-              <a:t>2016-07-22</a:t>
+              <a:t>2016-07-23</a:t>
             </a:fld>
             <a:endParaRPr lang="ko-KR" altLang="en-US"/>
           </a:p>
@@ -3084,7 +3064,7 @@
           <a:lstStyle/>
           <a:p>
             <a:r>
-              <a:rPr lang="en-US" altLang="ko-KR" dirty="0" err="1" smtClean="0">
+              <a:rPr lang="en-US" altLang="ko-KR" dirty="0" err="1">
                 <a:solidFill>
                   <a:schemeClr val="bg1">
                     <a:lumMod val="85000"/>
@@ -3174,7 +3154,7 @@
           <a:lstStyle/>
           <a:p>
             <a:r>
-              <a:rPr lang="ko-KR" altLang="en-US" sz="1300" dirty="0" smtClean="0">
+              <a:rPr lang="ko-KR" altLang="en-US" sz="1300" dirty="0">
                 <a:solidFill>
                   <a:schemeClr val="bg1">
                     <a:lumMod val="85000"/>
@@ -3183,13 +3163,6 @@
               </a:rPr>
               <a:t>홍길동</a:t>
             </a:r>
-            <a:endParaRPr lang="ko-KR" altLang="en-US" sz="1300" dirty="0">
-              <a:solidFill>
-                <a:schemeClr val="bg1">
-                  <a:lumMod val="85000"/>
-                </a:schemeClr>
-              </a:solidFill>
-            </a:endParaRPr>
           </a:p>
         </p:txBody>
       </p:sp>
@@ -3404,7 +3377,7 @@
                     <a:p>
                       <a:pPr algn="ctr"/>
                       <a:r>
-                        <a:rPr lang="en-US" altLang="ko-KR" dirty="0" smtClean="0"/>
+                        <a:rPr lang="en-US" altLang="ko-KR" dirty="0"/>
                         <a:t>1</a:t>
                       </a:r>
                     </a:p>
@@ -3458,7 +3431,6 @@
                         <a:rPr lang="en-US" altLang="ko-KR" dirty="0"/>
                         <a:t>2</a:t>
                       </a:r>
-                      <a:endParaRPr lang="en-US" altLang="ko-KR" dirty="0" smtClean="0"/>
                     </a:p>
                   </p:txBody>
                 </p:sp>
@@ -3507,7 +3479,7 @@
                     <a:p>
                       <a:pPr algn="ctr"/>
                       <a:r>
-                        <a:rPr lang="en-US" altLang="ko-KR" dirty="0" smtClean="0"/>
+                        <a:rPr lang="en-US" altLang="ko-KR" dirty="0"/>
                         <a:t>3</a:t>
                       </a:r>
                     </a:p>
@@ -3561,7 +3533,6 @@
                         <a:rPr lang="en-US" altLang="ko-KR" dirty="0"/>
                         <a:t>4</a:t>
                       </a:r>
-                      <a:endParaRPr lang="en-US" altLang="ko-KR" dirty="0" smtClean="0"/>
                     </a:p>
                   </p:txBody>
                 </p:sp>
@@ -3610,7 +3581,7 @@
                     <a:p>
                       <a:pPr algn="ctr"/>
                       <a:r>
-                        <a:rPr lang="en-US" altLang="ko-KR" dirty="0" smtClean="0"/>
+                        <a:rPr lang="en-US" altLang="ko-KR" dirty="0"/>
                         <a:t>5</a:t>
                       </a:r>
                     </a:p>
@@ -3676,7 +3647,7 @@
                     <a:p>
                       <a:pPr algn="dist"/>
                       <a:r>
-                        <a:rPr lang="en-US" altLang="ko-KR" spc="-150" dirty="0" smtClean="0"/>
+                        <a:rPr lang="en-US" altLang="ko-KR" spc="-150" dirty="0"/>
                         <a:t>4.8</a:t>
                       </a:r>
                       <a:endParaRPr lang="ko-KR" altLang="en-US" spc="-150" dirty="0"/>
@@ -3728,7 +3699,7 @@
                     <a:p>
                       <a:pPr algn="dist"/>
                       <a:r>
-                        <a:rPr lang="en-US" altLang="ko-KR" spc="-150" dirty="0" smtClean="0"/>
+                        <a:rPr lang="en-US" altLang="ko-KR" spc="-150" dirty="0"/>
                         <a:t>4.1</a:t>
                       </a:r>
                       <a:endParaRPr lang="ko-KR" altLang="en-US" spc="-150" dirty="0"/>
@@ -3780,7 +3751,7 @@
                     <a:p>
                       <a:pPr algn="dist"/>
                       <a:r>
-                        <a:rPr lang="en-US" altLang="ko-KR" spc="-150" dirty="0" smtClean="0"/>
+                        <a:rPr lang="en-US" altLang="ko-KR" spc="-150" dirty="0"/>
                         <a:t>3.9</a:t>
                       </a:r>
                       <a:endParaRPr lang="ko-KR" altLang="en-US" spc="-150" dirty="0"/>
@@ -3832,7 +3803,7 @@
                     <a:p>
                       <a:pPr algn="dist"/>
                       <a:r>
-                        <a:rPr lang="en-US" altLang="ko-KR" spc="-150" dirty="0" smtClean="0"/>
+                        <a:rPr lang="en-US" altLang="ko-KR" spc="-150" dirty="0"/>
                         <a:t>3.7</a:t>
                       </a:r>
                       <a:endParaRPr lang="ko-KR" altLang="en-US" spc="-150" dirty="0"/>
@@ -3884,7 +3855,7 @@
                     <a:p>
                       <a:pPr algn="dist"/>
                       <a:r>
-                        <a:rPr lang="en-US" altLang="ko-KR" spc="-150" dirty="0" smtClean="0"/>
+                        <a:rPr lang="en-US" altLang="ko-KR" spc="-150" dirty="0"/>
                         <a:t>3.5</a:t>
                       </a:r>
                       <a:endParaRPr lang="ko-KR" altLang="en-US" spc="-150" dirty="0"/>
@@ -4027,7 +3998,7 @@
                   <a:p>
                     <a:pPr algn="ctr"/>
                     <a:r>
-                      <a:rPr lang="ko-KR" altLang="en-US" sz="1400" dirty="0" smtClean="0">
+                      <a:rPr lang="ko-KR" altLang="en-US" sz="1400" dirty="0">
                         <a:solidFill>
                           <a:schemeClr val="bg1">
                             <a:lumMod val="85000"/>
@@ -4036,13 +4007,6 @@
                       </a:rPr>
                       <a:t>당신의 취향</a:t>
                     </a:r>
-                    <a:endParaRPr lang="ko-KR" altLang="en-US" sz="1400" dirty="0">
-                      <a:solidFill>
-                        <a:schemeClr val="bg1">
-                          <a:lumMod val="85000"/>
-                        </a:schemeClr>
-                      </a:solidFill>
-                    </a:endParaRPr>
                   </a:p>
                 </p:txBody>
               </p:sp>
@@ -4069,7 +4033,7 @@
                   <a:lstStyle/>
                   <a:p>
                     <a:r>
-                      <a:rPr lang="ko-KR" altLang="en-US" sz="1000" dirty="0" smtClean="0">
+                      <a:rPr lang="ko-KR" altLang="en-US" sz="1000" dirty="0">
                         <a:solidFill>
                           <a:schemeClr val="bg1">
                             <a:lumMod val="85000"/>
@@ -4078,13 +4042,6 @@
                       </a:rPr>
                       <a:t>격투</a:t>
                     </a:r>
-                    <a:endParaRPr lang="ko-KR" altLang="en-US" sz="1000" dirty="0">
-                      <a:solidFill>
-                        <a:schemeClr val="bg1">
-                          <a:lumMod val="85000"/>
-                        </a:schemeClr>
-                      </a:solidFill>
-                    </a:endParaRPr>
                   </a:p>
                 </p:txBody>
               </p:sp>
@@ -4112,7 +4069,7 @@
                   <a:p>
                     <a:pPr algn="ctr"/>
                     <a:r>
-                      <a:rPr lang="en-US" altLang="ko-KR" sz="2400" dirty="0" smtClean="0">
+                      <a:rPr lang="en-US" altLang="ko-KR" sz="2400" dirty="0">
                         <a:solidFill>
                           <a:schemeClr val="bg1">
                             <a:lumMod val="85000"/>
@@ -4154,7 +4111,7 @@
                   <a:lstStyle/>
                   <a:p>
                     <a:r>
-                      <a:rPr lang="ko-KR" altLang="en-US" sz="1000" dirty="0" smtClean="0">
+                      <a:rPr lang="ko-KR" altLang="en-US" sz="1000" dirty="0">
                         <a:solidFill>
                           <a:schemeClr val="bg1">
                             <a:lumMod val="85000"/>
@@ -4163,13 +4120,6 @@
                       </a:rPr>
                       <a:t>리듬</a:t>
                     </a:r>
-                    <a:endParaRPr lang="ko-KR" altLang="en-US" sz="1000" dirty="0">
-                      <a:solidFill>
-                        <a:schemeClr val="bg1">
-                          <a:lumMod val="85000"/>
-                        </a:schemeClr>
-                      </a:solidFill>
-                    </a:endParaRPr>
                   </a:p>
                 </p:txBody>
               </p:sp>
@@ -4196,7 +4146,7 @@
                   <a:lstStyle/>
                   <a:p>
                     <a:r>
-                      <a:rPr lang="ko-KR" altLang="en-US" sz="1400" dirty="0" err="1" smtClean="0">
+                      <a:rPr lang="ko-KR" altLang="en-US" sz="1400" dirty="0" err="1">
                         <a:solidFill>
                           <a:schemeClr val="bg1">
                             <a:lumMod val="85000"/>
@@ -4239,7 +4189,7 @@
                   <a:p>
                     <a:pPr algn="ctr"/>
                     <a:r>
-                      <a:rPr lang="en-US" altLang="ko-KR" sz="1000" dirty="0" smtClean="0">
+                      <a:rPr lang="en-US" altLang="ko-KR" sz="1000" dirty="0">
                         <a:solidFill>
                           <a:schemeClr val="bg1">
                             <a:lumMod val="85000"/>
@@ -4281,7 +4231,7 @@
                   <a:lstStyle/>
                   <a:p>
                     <a:r>
-                      <a:rPr lang="ko-KR" altLang="en-US" sz="1400" dirty="0" smtClean="0">
+                      <a:rPr lang="ko-KR" altLang="en-US" sz="1400" dirty="0">
                         <a:solidFill>
                           <a:schemeClr val="bg1">
                             <a:lumMod val="85000"/>
@@ -4290,13 +4240,6 @@
                       </a:rPr>
                       <a:t>멀티</a:t>
                     </a:r>
-                    <a:endParaRPr lang="ko-KR" altLang="en-US" sz="1400" dirty="0">
-                      <a:solidFill>
-                        <a:schemeClr val="bg1">
-                          <a:lumMod val="85000"/>
-                        </a:schemeClr>
-                      </a:solidFill>
-                    </a:endParaRPr>
                   </a:p>
                 </p:txBody>
               </p:sp>
@@ -4353,10 +4296,9 @@
                 <a:p>
                   <a:pPr algn="ctr"/>
                   <a:r>
-                    <a:rPr lang="ko-KR" altLang="en-US" sz="1000" dirty="0" smtClean="0"/>
+                    <a:rPr lang="ko-KR" altLang="en-US" sz="1000" dirty="0"/>
                     <a:t>취향 랭킹</a:t>
                   </a:r>
-                  <a:endParaRPr lang="ko-KR" altLang="en-US" sz="1000" dirty="0"/>
                 </a:p>
               </p:txBody>
             </p:sp>
@@ -4403,10 +4345,9 @@
                 <a:p>
                   <a:pPr algn="ctr"/>
                   <a:r>
-                    <a:rPr lang="ko-KR" altLang="en-US" sz="1000" dirty="0" smtClean="0"/>
+                    <a:rPr lang="ko-KR" altLang="en-US" sz="1000" dirty="0"/>
                     <a:t>전체 랭킹</a:t>
                   </a:r>
-                  <a:endParaRPr lang="ko-KR" altLang="en-US" sz="1000" dirty="0"/>
                 </a:p>
               </p:txBody>
             </p:sp>
@@ -4451,7 +4392,7 @@
             <a:p>
               <a:pPr algn="ctr"/>
               <a:r>
-                <a:rPr lang="ko-KR" altLang="en-US" sz="1400" dirty="0" smtClean="0">
+                <a:rPr lang="ko-KR" altLang="en-US" sz="1400" dirty="0">
                   <a:solidFill>
                     <a:schemeClr val="bg1">
                       <a:lumMod val="85000"/>
@@ -4460,13 +4401,6 @@
                 </a:rPr>
                 <a:t>당신의 평가 그래프</a:t>
               </a:r>
-              <a:endParaRPr lang="ko-KR" altLang="en-US" sz="1400" dirty="0">
-                <a:solidFill>
-                  <a:schemeClr val="bg1">
-                    <a:lumMod val="85000"/>
-                  </a:schemeClr>
-                </a:solidFill>
-              </a:endParaRPr>
             </a:p>
           </p:txBody>
         </p:sp>
@@ -4506,17 +4440,7 @@
                     </a:schemeClr>
                   </a:solidFill>
                 </a:rPr>
-                <a:t>3</a:t>
-              </a:r>
-              <a:r>
-                <a:rPr lang="en-US" altLang="ko-KR" dirty="0" smtClean="0">
-                  <a:solidFill>
-                    <a:schemeClr val="bg1">
-                      <a:lumMod val="85000"/>
-                    </a:schemeClr>
-                  </a:solidFill>
-                </a:rPr>
-                <a:t>.7</a:t>
+                <a:t>3.7</a:t>
               </a:r>
               <a:endParaRPr lang="ko-KR" altLang="en-US" dirty="0">
                 <a:solidFill>
@@ -4980,7 +4904,7 @@
           <a:lstStyle/>
           <a:p>
             <a:r>
-              <a:rPr lang="en-US" altLang="ko-KR" dirty="0" err="1" smtClean="0">
+              <a:rPr lang="en-US" altLang="ko-KR" dirty="0" err="1">
                 <a:solidFill>
                   <a:schemeClr val="bg1">
                     <a:lumMod val="85000"/>
@@ -5070,7 +4994,7 @@
           <a:lstStyle/>
           <a:p>
             <a:r>
-              <a:rPr lang="ko-KR" altLang="en-US" sz="1300" dirty="0" smtClean="0">
+              <a:rPr lang="ko-KR" altLang="en-US" sz="1300" dirty="0">
                 <a:solidFill>
                   <a:schemeClr val="bg1">
                     <a:lumMod val="85000"/>
@@ -5079,13 +5003,6 @@
               </a:rPr>
               <a:t>홍길동</a:t>
             </a:r>
-            <a:endParaRPr lang="ko-KR" altLang="en-US" sz="1300" dirty="0">
-              <a:solidFill>
-                <a:schemeClr val="bg1">
-                  <a:lumMod val="85000"/>
-                </a:schemeClr>
-              </a:solidFill>
-            </a:endParaRPr>
           </a:p>
         </p:txBody>
       </p:sp>
@@ -5113,7 +5030,7 @@
           <a:p>
             <a:pPr algn="ctr"/>
             <a:r>
-              <a:rPr lang="ko-KR" altLang="en-US" sz="3000" b="1" spc="-150" dirty="0" smtClean="0">
+              <a:rPr lang="ko-KR" altLang="en-US" sz="3000" b="1" spc="-150" dirty="0">
                 <a:solidFill>
                   <a:schemeClr val="bg1">
                     <a:lumMod val="85000"/>
@@ -5122,13 +5039,6 @@
               </a:rPr>
               <a:t>홍길동 님께서 해보신 게임을 평가해 주세요</a:t>
             </a:r>
-            <a:endParaRPr lang="ko-KR" altLang="en-US" sz="3000" b="1" spc="-150" dirty="0">
-              <a:solidFill>
-                <a:schemeClr val="bg1">
-                  <a:lumMod val="85000"/>
-                </a:schemeClr>
-              </a:solidFill>
-            </a:endParaRPr>
           </a:p>
         </p:txBody>
       </p:sp>
@@ -5188,7 +5098,7 @@
             <a:lstStyle/>
             <a:p>
               <a:r>
-                <a:rPr lang="en-US" altLang="ko-KR" sz="1200" dirty="0" err="1" smtClean="0">
+                <a:rPr lang="en-US" altLang="ko-KR" sz="1200" dirty="0" err="1">
                   <a:solidFill>
                     <a:schemeClr val="bg1">
                       <a:lumMod val="85000"/>
@@ -5250,7 +5160,7 @@
             <a:p>
               <a:pPr algn="ctr"/>
               <a:r>
-                <a:rPr lang="ko-KR" altLang="en-US" b="1" dirty="0" smtClean="0">
+                <a:rPr lang="ko-KR" altLang="en-US" b="1" dirty="0">
                   <a:solidFill>
                     <a:schemeClr val="bg1">
                       <a:lumMod val="85000"/>
@@ -5259,13 +5169,6 @@
                 </a:rPr>
                 <a:t>검색</a:t>
               </a:r>
-              <a:endParaRPr lang="ko-KR" altLang="en-US" b="1" dirty="0">
-                <a:solidFill>
-                  <a:schemeClr val="bg1">
-                    <a:lumMod val="85000"/>
-                  </a:schemeClr>
-                </a:solidFill>
-              </a:endParaRPr>
             </a:p>
           </p:txBody>
         </p:sp>
@@ -6048,7 +5951,7 @@
           <a:p>
             <a:pPr algn="ctr"/>
             <a:r>
-              <a:rPr lang="en-US" altLang="ko-KR" b="1" dirty="0" smtClean="0">
+              <a:rPr lang="en-US" altLang="ko-KR" b="1" dirty="0">
                 <a:solidFill>
                   <a:schemeClr val="bg1">
                     <a:lumMod val="85000"/>
@@ -6091,7 +5994,7 @@
           <a:p>
             <a:pPr algn="ctr"/>
             <a:r>
-              <a:rPr lang="en-US" altLang="ko-KR" b="1" dirty="0" smtClean="0">
+              <a:rPr lang="en-US" altLang="ko-KR" b="1" dirty="0">
                 <a:solidFill>
                   <a:schemeClr val="bg1">
                     <a:lumMod val="85000"/>
@@ -6180,7 +6083,7 @@
           <a:p>
             <a:pPr algn="ctr"/>
             <a:r>
-              <a:rPr lang="en-US" altLang="ko-KR" b="1" dirty="0" smtClean="0">
+              <a:rPr lang="en-US" altLang="ko-KR" b="1" dirty="0">
                 <a:solidFill>
                   <a:schemeClr val="bg1">
                     <a:lumMod val="85000"/>
@@ -6223,7 +6126,7 @@
           <a:p>
             <a:pPr algn="ctr"/>
             <a:r>
-              <a:rPr lang="ko-KR" altLang="en-US" sz="3000" b="1" spc="-150" dirty="0" smtClean="0">
+              <a:rPr lang="ko-KR" altLang="en-US" sz="3000" b="1" spc="-150" dirty="0">
                 <a:solidFill>
                   <a:schemeClr val="bg1">
                     <a:lumMod val="85000"/>
@@ -6233,7 +6136,7 @@
               <a:t>더 이상 기억이 안 나시나요</a:t>
             </a:r>
             <a:r>
-              <a:rPr lang="en-US" altLang="ko-KR" sz="3000" b="1" spc="-150" dirty="0" smtClean="0">
+              <a:rPr lang="en-US" altLang="ko-KR" sz="3000" b="1" spc="-150" dirty="0">
                 <a:solidFill>
                   <a:schemeClr val="bg1">
                     <a:lumMod val="85000"/>
@@ -6295,7 +6198,7 @@
           <a:p>
             <a:pPr algn="ctr"/>
             <a:r>
-              <a:rPr lang="ko-KR" altLang="en-US" b="1" dirty="0" smtClean="0">
+              <a:rPr lang="ko-KR" altLang="en-US" b="1" dirty="0">
                 <a:solidFill>
                   <a:schemeClr val="bg1">
                     <a:lumMod val="85000"/>
@@ -6304,13 +6207,6 @@
               </a:rPr>
               <a:t>건너뛰기</a:t>
             </a:r>
-            <a:endParaRPr lang="ko-KR" altLang="en-US" b="1" dirty="0">
-              <a:solidFill>
-                <a:schemeClr val="bg1">
-                  <a:lumMod val="85000"/>
-                </a:schemeClr>
-              </a:solidFill>
-            </a:endParaRPr>
           </a:p>
         </p:txBody>
       </p:sp>
@@ -6357,7 +6253,7 @@
           <a:p>
             <a:pPr algn="ctr"/>
             <a:r>
-              <a:rPr lang="ko-KR" altLang="en-US" b="1" dirty="0" smtClean="0">
+              <a:rPr lang="ko-KR" altLang="en-US" b="1" dirty="0">
                 <a:solidFill>
                   <a:schemeClr val="bg1">
                     <a:lumMod val="85000"/>
@@ -6366,13 +6262,6 @@
               </a:rPr>
               <a:t>더 찾아보기</a:t>
             </a:r>
-            <a:endParaRPr lang="ko-KR" altLang="en-US" b="1" dirty="0">
-              <a:solidFill>
-                <a:schemeClr val="bg1">
-                  <a:lumMod val="85000"/>
-                </a:schemeClr>
-              </a:solidFill>
-            </a:endParaRPr>
           </a:p>
         </p:txBody>
       </p:sp>
@@ -6621,7 +6510,7 @@
           <a:lstStyle/>
           <a:p>
             <a:r>
-              <a:rPr lang="en-US" altLang="ko-KR" dirty="0" err="1" smtClean="0">
+              <a:rPr lang="en-US" altLang="ko-KR" dirty="0" err="1">
                 <a:solidFill>
                   <a:schemeClr val="bg1">
                     <a:lumMod val="85000"/>
@@ -6711,7 +6600,7 @@
           <a:lstStyle/>
           <a:p>
             <a:r>
-              <a:rPr lang="ko-KR" altLang="en-US" sz="1300" dirty="0" smtClean="0">
+              <a:rPr lang="ko-KR" altLang="en-US" sz="1300" dirty="0">
                 <a:solidFill>
                   <a:schemeClr val="bg1">
                     <a:lumMod val="85000"/>
@@ -6720,13 +6609,6 @@
               </a:rPr>
               <a:t>홍길동</a:t>
             </a:r>
-            <a:endParaRPr lang="ko-KR" altLang="en-US" sz="1300" dirty="0">
-              <a:solidFill>
-                <a:schemeClr val="bg1">
-                  <a:lumMod val="85000"/>
-                </a:schemeClr>
-              </a:solidFill>
-            </a:endParaRPr>
           </a:p>
         </p:txBody>
       </p:sp>
@@ -6754,7 +6636,7 @@
           <a:p>
             <a:pPr algn="ctr"/>
             <a:r>
-              <a:rPr lang="ko-KR" altLang="en-US" sz="3000" b="1" spc="-150" dirty="0" smtClean="0">
+              <a:rPr lang="ko-KR" altLang="en-US" sz="3000" b="1" spc="-150" dirty="0">
                 <a:solidFill>
                   <a:schemeClr val="bg1">
                     <a:lumMod val="85000"/>
@@ -6763,13 +6645,6 @@
               </a:rPr>
               <a:t>홍길동 님께서 해보신 게임을 평가해 주세요</a:t>
             </a:r>
-            <a:endParaRPr lang="ko-KR" altLang="en-US" sz="3000" b="1" spc="-150" dirty="0">
-              <a:solidFill>
-                <a:schemeClr val="bg1">
-                  <a:lumMod val="85000"/>
-                </a:schemeClr>
-              </a:solidFill>
-            </a:endParaRPr>
           </a:p>
         </p:txBody>
       </p:sp>
@@ -6843,7 +6718,7 @@
           <a:p>
             <a:pPr algn="ctr"/>
             <a:r>
-              <a:rPr lang="en-US" altLang="ko-KR" b="1" dirty="0" smtClean="0">
+              <a:rPr lang="en-US" altLang="ko-KR" b="1" dirty="0">
                 <a:solidFill>
                   <a:schemeClr val="bg1">
                     <a:lumMod val="85000"/>
@@ -6886,7 +6761,7 @@
           <a:p>
             <a:pPr algn="ctr"/>
             <a:r>
-              <a:rPr lang="en-US" altLang="ko-KR" b="1" dirty="0" smtClean="0">
+              <a:rPr lang="en-US" altLang="ko-KR" b="1" dirty="0">
                 <a:solidFill>
                   <a:schemeClr val="bg1">
                     <a:lumMod val="85000"/>
@@ -6953,76 +6828,14 @@
       </p:sp>
       <p:sp>
         <p:nvSpPr>
-          <p:cNvPr id="224" name="직사각형 223"/>
-          <p:cNvSpPr/>
-          <p:nvPr/>
-        </p:nvSpPr>
-        <p:spPr>
-          <a:xfrm>
-            <a:off x="7276691" y="1599301"/>
-            <a:ext cx="1185822" cy="347435"/>
-          </a:xfrm>
-          <a:prstGeom prst="rect">
-            <a:avLst/>
-          </a:prstGeom>
-          <a:solidFill>
-            <a:srgbClr val="182D42"/>
-          </a:solidFill>
-          <a:ln>
-            <a:noFill/>
-          </a:ln>
-        </p:spPr>
-        <p:style>
-          <a:lnRef idx="2">
-            <a:schemeClr val="accent1">
-              <a:shade val="50000"/>
-            </a:schemeClr>
-          </a:lnRef>
-          <a:fillRef idx="1">
-            <a:schemeClr val="accent1"/>
-          </a:fillRef>
-          <a:effectRef idx="0">
-            <a:schemeClr val="accent1"/>
-          </a:effectRef>
-          <a:fontRef idx="minor">
-            <a:schemeClr val="lt1"/>
-          </a:fontRef>
-        </p:style>
-        <p:txBody>
-          <a:bodyPr rtlCol="0" anchor="ctr"/>
-          <a:lstStyle/>
-          <a:p>
-            <a:pPr algn="ctr"/>
-            <a:r>
-              <a:rPr lang="ko-KR" altLang="en-US" b="1" dirty="0" smtClean="0">
-                <a:solidFill>
-                  <a:schemeClr val="bg1">
-                    <a:lumMod val="85000"/>
-                  </a:schemeClr>
-                </a:solidFill>
-              </a:rPr>
-              <a:t>건너뛰기</a:t>
-            </a:r>
-            <a:endParaRPr lang="ko-KR" altLang="en-US" b="1" dirty="0">
-              <a:solidFill>
-                <a:schemeClr val="bg1">
-                  <a:lumMod val="85000"/>
-                </a:schemeClr>
-              </a:solidFill>
-            </a:endParaRPr>
-          </a:p>
-        </p:txBody>
-      </p:sp>
-      <p:sp>
-        <p:nvSpPr>
           <p:cNvPr id="42" name="직사각형 41"/>
           <p:cNvSpPr/>
           <p:nvPr/>
         </p:nvSpPr>
         <p:spPr>
           <a:xfrm>
-            <a:off x="8565013" y="1599301"/>
-            <a:ext cx="1185822" cy="347435"/>
+            <a:off x="5585406" y="1489515"/>
+            <a:ext cx="1620920" cy="421824"/>
           </a:xfrm>
           <a:prstGeom prst="rect">
             <a:avLst/>
@@ -7058,22 +6871,15 @@
           <a:p>
             <a:pPr algn="ctr"/>
             <a:r>
-              <a:rPr lang="ko-KR" altLang="en-US" b="1" dirty="0" err="1" smtClean="0">
+              <a:rPr lang="ko-KR" altLang="en-US" b="1" dirty="0">
                 <a:solidFill>
                   <a:schemeClr val="bg1">
                     <a:lumMod val="85000"/>
                   </a:schemeClr>
                 </a:solidFill>
               </a:rPr>
-              <a:t>추천받기</a:t>
+              <a:t>평가완료</a:t>
             </a:r>
-            <a:endParaRPr lang="ko-KR" altLang="en-US" b="1" dirty="0">
-              <a:solidFill>
-                <a:schemeClr val="bg1">
-                  <a:lumMod val="85000"/>
-                </a:schemeClr>
-              </a:solidFill>
-            </a:endParaRPr>
           </a:p>
         </p:txBody>
       </p:sp>
@@ -10575,8 +10381,8 @@
         </p:nvSpPr>
         <p:spPr>
           <a:xfrm>
-            <a:off x="872823" y="5511786"/>
-            <a:ext cx="1336220" cy="369332"/>
+            <a:off x="762244" y="5524128"/>
+            <a:ext cx="1704837" cy="369332"/>
           </a:xfrm>
           <a:prstGeom prst="rect">
             <a:avLst/>
@@ -10598,7 +10404,7 @@
                   <a:schemeClr val="bg1"/>
                 </a:solidFill>
               </a:rPr>
-              <a:t>USER</a:t>
+              <a:t>Similar User</a:t>
             </a:r>
             <a:endParaRPr lang="ko-KR" altLang="en-US" b="1" dirty="0">
               <a:solidFill>
@@ -10608,30 +10414,6 @@
           </a:p>
         </p:txBody>
       </p:sp>
-      <p:pic>
-        <p:nvPicPr>
-          <p:cNvPr id="15" name="그림 14"/>
-          <p:cNvPicPr>
-            <a:picLocks noChangeAspect="1"/>
-          </p:cNvPicPr>
-          <p:nvPr/>
-        </p:nvPicPr>
-        <p:blipFill>
-          <a:blip r:embed="rId3"/>
-          <a:stretch>
-            <a:fillRect/>
-          </a:stretch>
-        </p:blipFill>
-        <p:spPr>
-          <a:xfrm>
-            <a:off x="2776235" y="5500640"/>
-            <a:ext cx="2076450" cy="457200"/>
-          </a:xfrm>
-          <a:prstGeom prst="rect">
-            <a:avLst/>
-          </a:prstGeom>
-        </p:spPr>
-      </p:pic>
       <p:sp>
         <p:nvSpPr>
           <p:cNvPr id="28" name="TextBox 27"/>
@@ -11318,10 +11100,3897 @@
           </a:p>
         </p:txBody>
       </p:sp>
+      <p:sp>
+        <p:nvSpPr>
+          <p:cNvPr id="44" name="TextBox 43"/>
+          <p:cNvSpPr txBox="1"/>
+          <p:nvPr/>
+        </p:nvSpPr>
+        <p:spPr>
+          <a:xfrm>
+            <a:off x="3008685" y="5529823"/>
+            <a:ext cx="1635013" cy="369332"/>
+          </a:xfrm>
+          <a:prstGeom prst="rect">
+            <a:avLst/>
+          </a:prstGeom>
+          <a:solidFill>
+            <a:schemeClr val="tx1"/>
+          </a:solidFill>
+        </p:spPr>
+        <p:txBody>
+          <a:bodyPr wrap="square" rtlCol="0">
+            <a:spAutoFit/>
+          </a:bodyPr>
+          <a:lstStyle/>
+          <a:p>
+            <a:pPr algn="ctr"/>
+            <a:r>
+              <a:rPr lang="en-US" altLang="ko-KR" b="1" dirty="0">
+                <a:solidFill>
+                  <a:schemeClr val="bg1"/>
+                </a:solidFill>
+              </a:rPr>
+              <a:t>Total User</a:t>
+            </a:r>
+            <a:endParaRPr lang="ko-KR" altLang="en-US" b="1" dirty="0">
+              <a:solidFill>
+                <a:schemeClr val="bg1"/>
+              </a:solidFill>
+            </a:endParaRPr>
+          </a:p>
+        </p:txBody>
+      </p:sp>
     </p:spTree>
     <p:extLst>
       <p:ext uri="{BB962C8B-B14F-4D97-AF65-F5344CB8AC3E}">
         <p14:creationId xmlns:p14="http://schemas.microsoft.com/office/powerpoint/2010/main" val="3065027115"/>
+      </p:ext>
+    </p:extLst>
+  </p:cSld>
+  <p:clrMapOvr>
+    <a:masterClrMapping/>
+  </p:clrMapOvr>
+</p:sld>
+</file>
+
+<file path=ppt/slides/slide5.xml><?xml version="1.0" encoding="utf-8"?>
+<p:sld xmlns:a="http://schemas.openxmlformats.org/drawingml/2006/main" xmlns:r="http://schemas.openxmlformats.org/officeDocument/2006/relationships" xmlns:p="http://schemas.openxmlformats.org/presentationml/2006/main">
+  <p:cSld>
+    <p:spTree>
+      <p:nvGrpSpPr>
+        <p:cNvPr id="1" name=""/>
+        <p:cNvGrpSpPr/>
+        <p:nvPr/>
+      </p:nvGrpSpPr>
+      <p:grpSpPr>
+        <a:xfrm>
+          <a:off x="0" y="0"/>
+          <a:ext cx="0" cy="0"/>
+          <a:chOff x="0" y="0"/>
+          <a:chExt cx="0" cy="0"/>
+        </a:xfrm>
+      </p:grpSpPr>
+      <p:sp>
+        <p:nvSpPr>
+          <p:cNvPr id="10" name="직사각형 9"/>
+          <p:cNvSpPr/>
+          <p:nvPr/>
+        </p:nvSpPr>
+        <p:spPr>
+          <a:xfrm>
+            <a:off x="2540000" y="1219345"/>
+            <a:ext cx="2574699" cy="539837"/>
+          </a:xfrm>
+          <a:prstGeom prst="rect">
+            <a:avLst/>
+          </a:prstGeom>
+        </p:spPr>
+        <p:style>
+          <a:lnRef idx="2">
+            <a:schemeClr val="accent1">
+              <a:shade val="50000"/>
+            </a:schemeClr>
+          </a:lnRef>
+          <a:fillRef idx="1">
+            <a:schemeClr val="accent1"/>
+          </a:fillRef>
+          <a:effectRef idx="0">
+            <a:schemeClr val="accent1"/>
+          </a:effectRef>
+          <a:fontRef idx="minor">
+            <a:schemeClr val="lt1"/>
+          </a:fontRef>
+        </p:style>
+        <p:txBody>
+          <a:bodyPr rtlCol="0" anchor="ctr"/>
+          <a:lstStyle/>
+          <a:p>
+            <a:pPr algn="ctr"/>
+            <a:endParaRPr lang="ko-KR" altLang="en-US"/>
+          </a:p>
+        </p:txBody>
+      </p:sp>
+      <p:sp>
+        <p:nvSpPr>
+          <p:cNvPr id="13" name="직사각형 12"/>
+          <p:cNvSpPr/>
+          <p:nvPr/>
+        </p:nvSpPr>
+        <p:spPr>
+          <a:xfrm>
+            <a:off x="0" y="5094"/>
+            <a:ext cx="12192000" cy="6858000"/>
+          </a:xfrm>
+          <a:prstGeom prst="rect">
+            <a:avLst/>
+          </a:prstGeom>
+          <a:solidFill>
+            <a:srgbClr val="182D42"/>
+          </a:solidFill>
+          <a:ln>
+            <a:noFill/>
+          </a:ln>
+        </p:spPr>
+        <p:style>
+          <a:lnRef idx="2">
+            <a:schemeClr val="accent1">
+              <a:shade val="50000"/>
+            </a:schemeClr>
+          </a:lnRef>
+          <a:fillRef idx="1">
+            <a:schemeClr val="accent1"/>
+          </a:fillRef>
+          <a:effectRef idx="0">
+            <a:schemeClr val="accent1"/>
+          </a:effectRef>
+          <a:fontRef idx="minor">
+            <a:schemeClr val="lt1"/>
+          </a:fontRef>
+        </p:style>
+        <p:txBody>
+          <a:bodyPr rtlCol="0" anchor="ctr"/>
+          <a:lstStyle/>
+          <a:p>
+            <a:pPr algn="ctr"/>
+            <a:endParaRPr lang="ko-KR" altLang="en-US"/>
+          </a:p>
+        </p:txBody>
+      </p:sp>
+      <p:sp>
+        <p:nvSpPr>
+          <p:cNvPr id="6" name="직사각형 5"/>
+          <p:cNvSpPr/>
+          <p:nvPr/>
+        </p:nvSpPr>
+        <p:spPr>
+          <a:xfrm>
+            <a:off x="0" y="0"/>
+            <a:ext cx="12192000" cy="571499"/>
+          </a:xfrm>
+          <a:prstGeom prst="rect">
+            <a:avLst/>
+          </a:prstGeom>
+          <a:solidFill>
+            <a:srgbClr val="171A21"/>
+          </a:solidFill>
+        </p:spPr>
+        <p:style>
+          <a:lnRef idx="2">
+            <a:schemeClr val="accent1">
+              <a:shade val="50000"/>
+            </a:schemeClr>
+          </a:lnRef>
+          <a:fillRef idx="1">
+            <a:schemeClr val="accent1"/>
+          </a:fillRef>
+          <a:effectRef idx="0">
+            <a:schemeClr val="accent1"/>
+          </a:effectRef>
+          <a:fontRef idx="minor">
+            <a:schemeClr val="lt1"/>
+          </a:fontRef>
+        </p:style>
+        <p:txBody>
+          <a:bodyPr rtlCol="0" anchor="ctr"/>
+          <a:lstStyle/>
+          <a:p>
+            <a:pPr algn="ctr"/>
+            <a:endParaRPr lang="ko-KR" altLang="en-US"/>
+          </a:p>
+        </p:txBody>
+      </p:sp>
+      <p:sp>
+        <p:nvSpPr>
+          <p:cNvPr id="7" name="TextBox 6"/>
+          <p:cNvSpPr txBox="1"/>
+          <p:nvPr/>
+        </p:nvSpPr>
+        <p:spPr>
+          <a:xfrm>
+            <a:off x="95250" y="71437"/>
+            <a:ext cx="4219575" cy="369332"/>
+          </a:xfrm>
+          <a:prstGeom prst="rect">
+            <a:avLst/>
+          </a:prstGeom>
+          <a:noFill/>
+        </p:spPr>
+        <p:txBody>
+          <a:bodyPr wrap="square" rtlCol="0">
+            <a:spAutoFit/>
+          </a:bodyPr>
+          <a:lstStyle/>
+          <a:p>
+            <a:r>
+              <a:rPr lang="en-US" altLang="ko-KR" dirty="0" err="1">
+                <a:solidFill>
+                  <a:schemeClr val="bg1">
+                    <a:lumMod val="85000"/>
+                  </a:schemeClr>
+                </a:solidFill>
+              </a:rPr>
+              <a:t>SourGrape</a:t>
+            </a:r>
+            <a:endParaRPr lang="ko-KR" altLang="en-US" dirty="0">
+              <a:solidFill>
+                <a:schemeClr val="bg1">
+                  <a:lumMod val="85000"/>
+                </a:schemeClr>
+              </a:solidFill>
+            </a:endParaRPr>
+          </a:p>
+        </p:txBody>
+      </p:sp>
+      <p:sp>
+        <p:nvSpPr>
+          <p:cNvPr id="8" name="타원 7"/>
+          <p:cNvSpPr/>
+          <p:nvPr/>
+        </p:nvSpPr>
+        <p:spPr>
+          <a:xfrm>
+            <a:off x="10496550" y="101083"/>
+            <a:ext cx="369332" cy="369332"/>
+          </a:xfrm>
+          <a:prstGeom prst="ellipse">
+            <a:avLst/>
+          </a:prstGeom>
+          <a:solidFill>
+            <a:srgbClr val="FF0000"/>
+          </a:solidFill>
+          <a:ln>
+            <a:solidFill>
+              <a:schemeClr val="tx1"/>
+            </a:solidFill>
+          </a:ln>
+        </p:spPr>
+        <p:style>
+          <a:lnRef idx="2">
+            <a:schemeClr val="accent1">
+              <a:shade val="50000"/>
+            </a:schemeClr>
+          </a:lnRef>
+          <a:fillRef idx="1">
+            <a:schemeClr val="accent1"/>
+          </a:fillRef>
+          <a:effectRef idx="0">
+            <a:schemeClr val="accent1"/>
+          </a:effectRef>
+          <a:fontRef idx="minor">
+            <a:schemeClr val="lt1"/>
+          </a:fontRef>
+        </p:style>
+        <p:txBody>
+          <a:bodyPr rtlCol="0" anchor="ctr"/>
+          <a:lstStyle/>
+          <a:p>
+            <a:pPr algn="ctr"/>
+            <a:endParaRPr lang="ko-KR" altLang="en-US"/>
+          </a:p>
+        </p:txBody>
+      </p:sp>
+      <p:sp>
+        <p:nvSpPr>
+          <p:cNvPr id="9" name="TextBox 8"/>
+          <p:cNvSpPr txBox="1"/>
+          <p:nvPr/>
+        </p:nvSpPr>
+        <p:spPr>
+          <a:xfrm>
+            <a:off x="10951607" y="129658"/>
+            <a:ext cx="1107043" cy="292388"/>
+          </a:xfrm>
+          <a:prstGeom prst="rect">
+            <a:avLst/>
+          </a:prstGeom>
+          <a:noFill/>
+        </p:spPr>
+        <p:txBody>
+          <a:bodyPr wrap="square" rtlCol="0">
+            <a:spAutoFit/>
+          </a:bodyPr>
+          <a:lstStyle/>
+          <a:p>
+            <a:r>
+              <a:rPr lang="ko-KR" altLang="en-US" sz="1300" dirty="0">
+                <a:solidFill>
+                  <a:schemeClr val="bg1">
+                    <a:lumMod val="85000"/>
+                  </a:schemeClr>
+                </a:solidFill>
+              </a:rPr>
+              <a:t>홍길동</a:t>
+            </a:r>
+          </a:p>
+        </p:txBody>
+      </p:sp>
+      <p:sp>
+        <p:nvSpPr>
+          <p:cNvPr id="2" name="직사각형 1"/>
+          <p:cNvSpPr/>
+          <p:nvPr/>
+        </p:nvSpPr>
+        <p:spPr>
+          <a:xfrm>
+            <a:off x="10305143" y="0"/>
+            <a:ext cx="1480457" cy="571499"/>
+          </a:xfrm>
+          <a:prstGeom prst="rect">
+            <a:avLst/>
+          </a:prstGeom>
+          <a:noFill/>
+          <a:ln w="50800">
+            <a:solidFill>
+              <a:srgbClr val="FF0000"/>
+            </a:solidFill>
+          </a:ln>
+        </p:spPr>
+        <p:style>
+          <a:lnRef idx="2">
+            <a:schemeClr val="accent1">
+              <a:shade val="50000"/>
+            </a:schemeClr>
+          </a:lnRef>
+          <a:fillRef idx="1">
+            <a:schemeClr val="accent1"/>
+          </a:fillRef>
+          <a:effectRef idx="0">
+            <a:schemeClr val="accent1"/>
+          </a:effectRef>
+          <a:fontRef idx="minor">
+            <a:schemeClr val="lt1"/>
+          </a:fontRef>
+        </p:style>
+        <p:txBody>
+          <a:bodyPr rtlCol="0" anchor="ctr"/>
+          <a:lstStyle/>
+          <a:p>
+            <a:pPr algn="ctr"/>
+            <a:endParaRPr lang="ko-KR" altLang="en-US"/>
+          </a:p>
+        </p:txBody>
+      </p:sp>
+      <p:sp>
+        <p:nvSpPr>
+          <p:cNvPr id="3" name="TextBox 2"/>
+          <p:cNvSpPr txBox="1"/>
+          <p:nvPr/>
+        </p:nvSpPr>
+        <p:spPr>
+          <a:xfrm>
+            <a:off x="9524030" y="129658"/>
+            <a:ext cx="749425" cy="369332"/>
+          </a:xfrm>
+          <a:prstGeom prst="rect">
+            <a:avLst/>
+          </a:prstGeom>
+          <a:noFill/>
+        </p:spPr>
+        <p:txBody>
+          <a:bodyPr wrap="square" rtlCol="0">
+            <a:spAutoFit/>
+          </a:bodyPr>
+          <a:lstStyle/>
+          <a:p>
+            <a:r>
+              <a:rPr lang="en-US" altLang="ko-KR" dirty="0">
+                <a:solidFill>
+                  <a:schemeClr val="bg1"/>
+                </a:solidFill>
+              </a:rPr>
+              <a:t>Click!</a:t>
+            </a:r>
+            <a:endParaRPr lang="ko-KR" altLang="en-US" dirty="0">
+              <a:solidFill>
+                <a:schemeClr val="bg1"/>
+              </a:solidFill>
+            </a:endParaRPr>
+          </a:p>
+        </p:txBody>
+      </p:sp>
+      <p:sp>
+        <p:nvSpPr>
+          <p:cNvPr id="53" name="직사각형 52"/>
+          <p:cNvSpPr/>
+          <p:nvPr/>
+        </p:nvSpPr>
+        <p:spPr>
+          <a:xfrm>
+            <a:off x="2371725" y="560692"/>
+            <a:ext cx="7696199" cy="6276327"/>
+          </a:xfrm>
+          <a:prstGeom prst="rect">
+            <a:avLst/>
+          </a:prstGeom>
+          <a:solidFill>
+            <a:srgbClr val="132536"/>
+          </a:solidFill>
+          <a:ln>
+            <a:noFill/>
+          </a:ln>
+        </p:spPr>
+        <p:style>
+          <a:lnRef idx="2">
+            <a:schemeClr val="accent1">
+              <a:shade val="50000"/>
+            </a:schemeClr>
+          </a:lnRef>
+          <a:fillRef idx="1">
+            <a:schemeClr val="accent1"/>
+          </a:fillRef>
+          <a:effectRef idx="0">
+            <a:schemeClr val="accent1"/>
+          </a:effectRef>
+          <a:fontRef idx="minor">
+            <a:schemeClr val="lt1"/>
+          </a:fontRef>
+        </p:style>
+        <p:txBody>
+          <a:bodyPr rtlCol="0" anchor="ctr"/>
+          <a:lstStyle/>
+          <a:p>
+            <a:pPr algn="ctr"/>
+            <a:endParaRPr lang="ko-KR" altLang="en-US"/>
+          </a:p>
+        </p:txBody>
+      </p:sp>
+      <p:sp>
+        <p:nvSpPr>
+          <p:cNvPr id="54" name="TextBox 53"/>
+          <p:cNvSpPr txBox="1"/>
+          <p:nvPr/>
+        </p:nvSpPr>
+        <p:spPr>
+          <a:xfrm>
+            <a:off x="2371726" y="571499"/>
+            <a:ext cx="3085646" cy="553998"/>
+          </a:xfrm>
+          <a:prstGeom prst="rect">
+            <a:avLst/>
+          </a:prstGeom>
+          <a:noFill/>
+        </p:spPr>
+        <p:txBody>
+          <a:bodyPr wrap="square" rtlCol="0">
+            <a:spAutoFit/>
+          </a:bodyPr>
+          <a:lstStyle/>
+          <a:p>
+            <a:pPr algn="ctr"/>
+            <a:r>
+              <a:rPr lang="ko-KR" altLang="en-US" sz="3000" b="1" spc="-150" dirty="0">
+                <a:solidFill>
+                  <a:schemeClr val="bg1">
+                    <a:lumMod val="85000"/>
+                  </a:schemeClr>
+                </a:solidFill>
+              </a:rPr>
+              <a:t>내가 평가한 게임</a:t>
+            </a:r>
+          </a:p>
+        </p:txBody>
+      </p:sp>
+      <p:pic>
+        <p:nvPicPr>
+          <p:cNvPr id="62" name="그림 61"/>
+          <p:cNvPicPr>
+            <a:picLocks noChangeAspect="1"/>
+          </p:cNvPicPr>
+          <p:nvPr/>
+        </p:nvPicPr>
+        <p:blipFill>
+          <a:blip r:embed="rId2"/>
+          <a:stretch>
+            <a:fillRect/>
+          </a:stretch>
+        </p:blipFill>
+        <p:spPr>
+          <a:xfrm>
+            <a:off x="3128962" y="1364621"/>
+            <a:ext cx="5934075" cy="4705350"/>
+          </a:xfrm>
+          <a:prstGeom prst="rect">
+            <a:avLst/>
+          </a:prstGeom>
+        </p:spPr>
+      </p:pic>
+      <p:grpSp>
+        <p:nvGrpSpPr>
+          <p:cNvPr id="255" name="그룹 254"/>
+          <p:cNvGrpSpPr/>
+          <p:nvPr/>
+        </p:nvGrpSpPr>
+        <p:grpSpPr>
+          <a:xfrm>
+            <a:off x="3343495" y="2011230"/>
+            <a:ext cx="1459936" cy="243077"/>
+            <a:chOff x="7409744" y="2344551"/>
+            <a:chExt cx="1573209" cy="261937"/>
+          </a:xfrm>
+        </p:grpSpPr>
+        <p:sp>
+          <p:nvSpPr>
+            <p:cNvPr id="256" name="타원 255"/>
+            <p:cNvSpPr/>
+            <p:nvPr/>
+          </p:nvSpPr>
+          <p:spPr>
+            <a:xfrm>
+              <a:off x="7409744" y="2349313"/>
+              <a:ext cx="257175" cy="257175"/>
+            </a:xfrm>
+            <a:prstGeom prst="ellipse">
+              <a:avLst/>
+            </a:prstGeom>
+            <a:solidFill>
+              <a:srgbClr val="182D42"/>
+            </a:solidFill>
+          </p:spPr>
+          <p:style>
+            <a:lnRef idx="2">
+              <a:schemeClr val="accent1">
+                <a:shade val="50000"/>
+              </a:schemeClr>
+            </a:lnRef>
+            <a:fillRef idx="1">
+              <a:schemeClr val="accent1"/>
+            </a:fillRef>
+            <a:effectRef idx="0">
+              <a:schemeClr val="accent1"/>
+            </a:effectRef>
+            <a:fontRef idx="minor">
+              <a:schemeClr val="lt1"/>
+            </a:fontRef>
+          </p:style>
+          <p:txBody>
+            <a:bodyPr rtlCol="0" anchor="ctr"/>
+            <a:lstStyle/>
+            <a:p>
+              <a:pPr algn="ctr"/>
+              <a:endParaRPr lang="ko-KR" altLang="en-US"/>
+            </a:p>
+          </p:txBody>
+        </p:sp>
+        <p:sp>
+          <p:nvSpPr>
+            <p:cNvPr id="257" name="타원 256"/>
+            <p:cNvSpPr/>
+            <p:nvPr/>
+          </p:nvSpPr>
+          <p:spPr>
+            <a:xfrm>
+              <a:off x="7738356" y="2349312"/>
+              <a:ext cx="257175" cy="257175"/>
+            </a:xfrm>
+            <a:prstGeom prst="ellipse">
+              <a:avLst/>
+            </a:prstGeom>
+            <a:solidFill>
+              <a:srgbClr val="182D42"/>
+            </a:solidFill>
+          </p:spPr>
+          <p:style>
+            <a:lnRef idx="2">
+              <a:schemeClr val="accent1">
+                <a:shade val="50000"/>
+              </a:schemeClr>
+            </a:lnRef>
+            <a:fillRef idx="1">
+              <a:schemeClr val="accent1"/>
+            </a:fillRef>
+            <a:effectRef idx="0">
+              <a:schemeClr val="accent1"/>
+            </a:effectRef>
+            <a:fontRef idx="minor">
+              <a:schemeClr val="lt1"/>
+            </a:fontRef>
+          </p:style>
+          <p:txBody>
+            <a:bodyPr rtlCol="0" anchor="ctr"/>
+            <a:lstStyle/>
+            <a:p>
+              <a:pPr algn="ctr"/>
+              <a:endParaRPr lang="ko-KR" altLang="en-US"/>
+            </a:p>
+          </p:txBody>
+        </p:sp>
+        <p:sp>
+          <p:nvSpPr>
+            <p:cNvPr id="258" name="타원 257"/>
+            <p:cNvSpPr/>
+            <p:nvPr/>
+          </p:nvSpPr>
+          <p:spPr>
+            <a:xfrm>
+              <a:off x="8068554" y="2344551"/>
+              <a:ext cx="257175" cy="257175"/>
+            </a:xfrm>
+            <a:prstGeom prst="ellipse">
+              <a:avLst/>
+            </a:prstGeom>
+            <a:solidFill>
+              <a:srgbClr val="182D42"/>
+            </a:solidFill>
+          </p:spPr>
+          <p:style>
+            <a:lnRef idx="2">
+              <a:schemeClr val="accent1">
+                <a:shade val="50000"/>
+              </a:schemeClr>
+            </a:lnRef>
+            <a:fillRef idx="1">
+              <a:schemeClr val="accent1"/>
+            </a:fillRef>
+            <a:effectRef idx="0">
+              <a:schemeClr val="accent1"/>
+            </a:effectRef>
+            <a:fontRef idx="minor">
+              <a:schemeClr val="lt1"/>
+            </a:fontRef>
+          </p:style>
+          <p:txBody>
+            <a:bodyPr rtlCol="0" anchor="ctr"/>
+            <a:lstStyle/>
+            <a:p>
+              <a:pPr algn="ctr"/>
+              <a:endParaRPr lang="ko-KR" altLang="en-US"/>
+            </a:p>
+          </p:txBody>
+        </p:sp>
+        <p:sp>
+          <p:nvSpPr>
+            <p:cNvPr id="259" name="타원 258"/>
+            <p:cNvSpPr/>
+            <p:nvPr/>
+          </p:nvSpPr>
+          <p:spPr>
+            <a:xfrm>
+              <a:off x="8397166" y="2344551"/>
+              <a:ext cx="257175" cy="257175"/>
+            </a:xfrm>
+            <a:prstGeom prst="ellipse">
+              <a:avLst/>
+            </a:prstGeom>
+            <a:solidFill>
+              <a:srgbClr val="182D42"/>
+            </a:solidFill>
+          </p:spPr>
+          <p:style>
+            <a:lnRef idx="2">
+              <a:schemeClr val="accent1">
+                <a:shade val="50000"/>
+              </a:schemeClr>
+            </a:lnRef>
+            <a:fillRef idx="1">
+              <a:schemeClr val="accent1"/>
+            </a:fillRef>
+            <a:effectRef idx="0">
+              <a:schemeClr val="accent1"/>
+            </a:effectRef>
+            <a:fontRef idx="minor">
+              <a:schemeClr val="lt1"/>
+            </a:fontRef>
+          </p:style>
+          <p:txBody>
+            <a:bodyPr rtlCol="0" anchor="ctr"/>
+            <a:lstStyle/>
+            <a:p>
+              <a:pPr algn="ctr"/>
+              <a:endParaRPr lang="ko-KR" altLang="en-US"/>
+            </a:p>
+          </p:txBody>
+        </p:sp>
+        <p:sp>
+          <p:nvSpPr>
+            <p:cNvPr id="260" name="타원 259"/>
+            <p:cNvSpPr/>
+            <p:nvPr/>
+          </p:nvSpPr>
+          <p:spPr>
+            <a:xfrm>
+              <a:off x="8725778" y="2344551"/>
+              <a:ext cx="257175" cy="257175"/>
+            </a:xfrm>
+            <a:prstGeom prst="ellipse">
+              <a:avLst/>
+            </a:prstGeom>
+          </p:spPr>
+          <p:style>
+            <a:lnRef idx="2">
+              <a:schemeClr val="accent1">
+                <a:shade val="50000"/>
+              </a:schemeClr>
+            </a:lnRef>
+            <a:fillRef idx="1">
+              <a:schemeClr val="accent1"/>
+            </a:fillRef>
+            <a:effectRef idx="0">
+              <a:schemeClr val="accent1"/>
+            </a:effectRef>
+            <a:fontRef idx="minor">
+              <a:schemeClr val="lt1"/>
+            </a:fontRef>
+          </p:style>
+          <p:txBody>
+            <a:bodyPr rtlCol="0" anchor="ctr"/>
+            <a:lstStyle/>
+            <a:p>
+              <a:pPr algn="ctr"/>
+              <a:endParaRPr lang="ko-KR" altLang="en-US"/>
+            </a:p>
+          </p:txBody>
+        </p:sp>
+      </p:grpSp>
+      <p:grpSp>
+        <p:nvGrpSpPr>
+          <p:cNvPr id="261" name="그룹 260"/>
+          <p:cNvGrpSpPr/>
+          <p:nvPr/>
+        </p:nvGrpSpPr>
+        <p:grpSpPr>
+          <a:xfrm>
+            <a:off x="3343495" y="2992377"/>
+            <a:ext cx="1459936" cy="243077"/>
+            <a:chOff x="7409744" y="2344551"/>
+            <a:chExt cx="1573209" cy="261937"/>
+          </a:xfrm>
+        </p:grpSpPr>
+        <p:sp>
+          <p:nvSpPr>
+            <p:cNvPr id="262" name="타원 261"/>
+            <p:cNvSpPr/>
+            <p:nvPr/>
+          </p:nvSpPr>
+          <p:spPr>
+            <a:xfrm>
+              <a:off x="7409744" y="2349313"/>
+              <a:ext cx="257175" cy="257175"/>
+            </a:xfrm>
+            <a:prstGeom prst="ellipse">
+              <a:avLst/>
+            </a:prstGeom>
+            <a:solidFill>
+              <a:srgbClr val="182D42"/>
+            </a:solidFill>
+          </p:spPr>
+          <p:style>
+            <a:lnRef idx="2">
+              <a:schemeClr val="accent1">
+                <a:shade val="50000"/>
+              </a:schemeClr>
+            </a:lnRef>
+            <a:fillRef idx="1">
+              <a:schemeClr val="accent1"/>
+            </a:fillRef>
+            <a:effectRef idx="0">
+              <a:schemeClr val="accent1"/>
+            </a:effectRef>
+            <a:fontRef idx="minor">
+              <a:schemeClr val="lt1"/>
+            </a:fontRef>
+          </p:style>
+          <p:txBody>
+            <a:bodyPr rtlCol="0" anchor="ctr"/>
+            <a:lstStyle/>
+            <a:p>
+              <a:pPr algn="ctr"/>
+              <a:endParaRPr lang="ko-KR" altLang="en-US"/>
+            </a:p>
+          </p:txBody>
+        </p:sp>
+        <p:sp>
+          <p:nvSpPr>
+            <p:cNvPr id="263" name="타원 262"/>
+            <p:cNvSpPr/>
+            <p:nvPr/>
+          </p:nvSpPr>
+          <p:spPr>
+            <a:xfrm>
+              <a:off x="7738356" y="2349312"/>
+              <a:ext cx="257175" cy="257175"/>
+            </a:xfrm>
+            <a:prstGeom prst="ellipse">
+              <a:avLst/>
+            </a:prstGeom>
+            <a:solidFill>
+              <a:srgbClr val="182D42"/>
+            </a:solidFill>
+          </p:spPr>
+          <p:style>
+            <a:lnRef idx="2">
+              <a:schemeClr val="accent1">
+                <a:shade val="50000"/>
+              </a:schemeClr>
+            </a:lnRef>
+            <a:fillRef idx="1">
+              <a:schemeClr val="accent1"/>
+            </a:fillRef>
+            <a:effectRef idx="0">
+              <a:schemeClr val="accent1"/>
+            </a:effectRef>
+            <a:fontRef idx="minor">
+              <a:schemeClr val="lt1"/>
+            </a:fontRef>
+          </p:style>
+          <p:txBody>
+            <a:bodyPr rtlCol="0" anchor="ctr"/>
+            <a:lstStyle/>
+            <a:p>
+              <a:pPr algn="ctr"/>
+              <a:endParaRPr lang="ko-KR" altLang="en-US"/>
+            </a:p>
+          </p:txBody>
+        </p:sp>
+        <p:sp>
+          <p:nvSpPr>
+            <p:cNvPr id="264" name="타원 263"/>
+            <p:cNvSpPr/>
+            <p:nvPr/>
+          </p:nvSpPr>
+          <p:spPr>
+            <a:xfrm>
+              <a:off x="8068554" y="2344551"/>
+              <a:ext cx="257175" cy="257175"/>
+            </a:xfrm>
+            <a:prstGeom prst="ellipse">
+              <a:avLst/>
+            </a:prstGeom>
+            <a:solidFill>
+              <a:srgbClr val="5B9BD5"/>
+            </a:solidFill>
+          </p:spPr>
+          <p:style>
+            <a:lnRef idx="2">
+              <a:schemeClr val="accent1">
+                <a:shade val="50000"/>
+              </a:schemeClr>
+            </a:lnRef>
+            <a:fillRef idx="1">
+              <a:schemeClr val="accent1"/>
+            </a:fillRef>
+            <a:effectRef idx="0">
+              <a:schemeClr val="accent1"/>
+            </a:effectRef>
+            <a:fontRef idx="minor">
+              <a:schemeClr val="lt1"/>
+            </a:fontRef>
+          </p:style>
+          <p:txBody>
+            <a:bodyPr rtlCol="0" anchor="ctr"/>
+            <a:lstStyle/>
+            <a:p>
+              <a:pPr algn="ctr"/>
+              <a:endParaRPr lang="ko-KR" altLang="en-US"/>
+            </a:p>
+          </p:txBody>
+        </p:sp>
+        <p:sp>
+          <p:nvSpPr>
+            <p:cNvPr id="265" name="타원 264"/>
+            <p:cNvSpPr/>
+            <p:nvPr/>
+          </p:nvSpPr>
+          <p:spPr>
+            <a:xfrm>
+              <a:off x="8397166" y="2344551"/>
+              <a:ext cx="257175" cy="257175"/>
+            </a:xfrm>
+            <a:prstGeom prst="ellipse">
+              <a:avLst/>
+            </a:prstGeom>
+          </p:spPr>
+          <p:style>
+            <a:lnRef idx="2">
+              <a:schemeClr val="accent1">
+                <a:shade val="50000"/>
+              </a:schemeClr>
+            </a:lnRef>
+            <a:fillRef idx="1">
+              <a:schemeClr val="accent1"/>
+            </a:fillRef>
+            <a:effectRef idx="0">
+              <a:schemeClr val="accent1"/>
+            </a:effectRef>
+            <a:fontRef idx="minor">
+              <a:schemeClr val="lt1"/>
+            </a:fontRef>
+          </p:style>
+          <p:txBody>
+            <a:bodyPr rtlCol="0" anchor="ctr"/>
+            <a:lstStyle/>
+            <a:p>
+              <a:pPr algn="ctr"/>
+              <a:endParaRPr lang="ko-KR" altLang="en-US"/>
+            </a:p>
+          </p:txBody>
+        </p:sp>
+        <p:sp>
+          <p:nvSpPr>
+            <p:cNvPr id="266" name="타원 265"/>
+            <p:cNvSpPr/>
+            <p:nvPr/>
+          </p:nvSpPr>
+          <p:spPr>
+            <a:xfrm>
+              <a:off x="8725778" y="2344551"/>
+              <a:ext cx="257175" cy="257175"/>
+            </a:xfrm>
+            <a:prstGeom prst="ellipse">
+              <a:avLst/>
+            </a:prstGeom>
+          </p:spPr>
+          <p:style>
+            <a:lnRef idx="2">
+              <a:schemeClr val="accent1">
+                <a:shade val="50000"/>
+              </a:schemeClr>
+            </a:lnRef>
+            <a:fillRef idx="1">
+              <a:schemeClr val="accent1"/>
+            </a:fillRef>
+            <a:effectRef idx="0">
+              <a:schemeClr val="accent1"/>
+            </a:effectRef>
+            <a:fontRef idx="minor">
+              <a:schemeClr val="lt1"/>
+            </a:fontRef>
+          </p:style>
+          <p:txBody>
+            <a:bodyPr rtlCol="0" anchor="ctr"/>
+            <a:lstStyle/>
+            <a:p>
+              <a:pPr algn="ctr"/>
+              <a:endParaRPr lang="ko-KR" altLang="en-US"/>
+            </a:p>
+          </p:txBody>
+        </p:sp>
+      </p:grpSp>
+      <p:grpSp>
+        <p:nvGrpSpPr>
+          <p:cNvPr id="267" name="그룹 266"/>
+          <p:cNvGrpSpPr/>
+          <p:nvPr/>
+        </p:nvGrpSpPr>
+        <p:grpSpPr>
+          <a:xfrm>
+            <a:off x="3343495" y="3996357"/>
+            <a:ext cx="1459936" cy="243077"/>
+            <a:chOff x="7409744" y="2344551"/>
+            <a:chExt cx="1573209" cy="261937"/>
+          </a:xfrm>
+        </p:grpSpPr>
+        <p:sp>
+          <p:nvSpPr>
+            <p:cNvPr id="268" name="타원 267"/>
+            <p:cNvSpPr/>
+            <p:nvPr/>
+          </p:nvSpPr>
+          <p:spPr>
+            <a:xfrm>
+              <a:off x="7409744" y="2349313"/>
+              <a:ext cx="257175" cy="257175"/>
+            </a:xfrm>
+            <a:prstGeom prst="ellipse">
+              <a:avLst/>
+            </a:prstGeom>
+            <a:solidFill>
+              <a:srgbClr val="182D42"/>
+            </a:solidFill>
+          </p:spPr>
+          <p:style>
+            <a:lnRef idx="2">
+              <a:schemeClr val="accent1">
+                <a:shade val="50000"/>
+              </a:schemeClr>
+            </a:lnRef>
+            <a:fillRef idx="1">
+              <a:schemeClr val="accent1"/>
+            </a:fillRef>
+            <a:effectRef idx="0">
+              <a:schemeClr val="accent1"/>
+            </a:effectRef>
+            <a:fontRef idx="minor">
+              <a:schemeClr val="lt1"/>
+            </a:fontRef>
+          </p:style>
+          <p:txBody>
+            <a:bodyPr rtlCol="0" anchor="ctr"/>
+            <a:lstStyle/>
+            <a:p>
+              <a:pPr algn="ctr"/>
+              <a:endParaRPr lang="ko-KR" altLang="en-US"/>
+            </a:p>
+          </p:txBody>
+        </p:sp>
+        <p:sp>
+          <p:nvSpPr>
+            <p:cNvPr id="269" name="타원 268"/>
+            <p:cNvSpPr/>
+            <p:nvPr/>
+          </p:nvSpPr>
+          <p:spPr>
+            <a:xfrm>
+              <a:off x="7738356" y="2349312"/>
+              <a:ext cx="257175" cy="257175"/>
+            </a:xfrm>
+            <a:prstGeom prst="ellipse">
+              <a:avLst/>
+            </a:prstGeom>
+            <a:solidFill>
+              <a:srgbClr val="5B9BD5"/>
+            </a:solidFill>
+          </p:spPr>
+          <p:style>
+            <a:lnRef idx="2">
+              <a:schemeClr val="accent1">
+                <a:shade val="50000"/>
+              </a:schemeClr>
+            </a:lnRef>
+            <a:fillRef idx="1">
+              <a:schemeClr val="accent1"/>
+            </a:fillRef>
+            <a:effectRef idx="0">
+              <a:schemeClr val="accent1"/>
+            </a:effectRef>
+            <a:fontRef idx="minor">
+              <a:schemeClr val="lt1"/>
+            </a:fontRef>
+          </p:style>
+          <p:txBody>
+            <a:bodyPr rtlCol="0" anchor="ctr"/>
+            <a:lstStyle/>
+            <a:p>
+              <a:pPr algn="ctr"/>
+              <a:endParaRPr lang="ko-KR" altLang="en-US"/>
+            </a:p>
+          </p:txBody>
+        </p:sp>
+        <p:sp>
+          <p:nvSpPr>
+            <p:cNvPr id="270" name="타원 269"/>
+            <p:cNvSpPr/>
+            <p:nvPr/>
+          </p:nvSpPr>
+          <p:spPr>
+            <a:xfrm>
+              <a:off x="8068554" y="2344551"/>
+              <a:ext cx="257175" cy="257175"/>
+            </a:xfrm>
+            <a:prstGeom prst="ellipse">
+              <a:avLst/>
+            </a:prstGeom>
+            <a:solidFill>
+              <a:srgbClr val="5B9BD5"/>
+            </a:solidFill>
+          </p:spPr>
+          <p:style>
+            <a:lnRef idx="2">
+              <a:schemeClr val="accent1">
+                <a:shade val="50000"/>
+              </a:schemeClr>
+            </a:lnRef>
+            <a:fillRef idx="1">
+              <a:schemeClr val="accent1"/>
+            </a:fillRef>
+            <a:effectRef idx="0">
+              <a:schemeClr val="accent1"/>
+            </a:effectRef>
+            <a:fontRef idx="minor">
+              <a:schemeClr val="lt1"/>
+            </a:fontRef>
+          </p:style>
+          <p:txBody>
+            <a:bodyPr rtlCol="0" anchor="ctr"/>
+            <a:lstStyle/>
+            <a:p>
+              <a:pPr algn="ctr"/>
+              <a:endParaRPr lang="ko-KR" altLang="en-US"/>
+            </a:p>
+          </p:txBody>
+        </p:sp>
+        <p:sp>
+          <p:nvSpPr>
+            <p:cNvPr id="271" name="타원 270"/>
+            <p:cNvSpPr/>
+            <p:nvPr/>
+          </p:nvSpPr>
+          <p:spPr>
+            <a:xfrm>
+              <a:off x="8397166" y="2344551"/>
+              <a:ext cx="257175" cy="257175"/>
+            </a:xfrm>
+            <a:prstGeom prst="ellipse">
+              <a:avLst/>
+            </a:prstGeom>
+          </p:spPr>
+          <p:style>
+            <a:lnRef idx="2">
+              <a:schemeClr val="accent1">
+                <a:shade val="50000"/>
+              </a:schemeClr>
+            </a:lnRef>
+            <a:fillRef idx="1">
+              <a:schemeClr val="accent1"/>
+            </a:fillRef>
+            <a:effectRef idx="0">
+              <a:schemeClr val="accent1"/>
+            </a:effectRef>
+            <a:fontRef idx="minor">
+              <a:schemeClr val="lt1"/>
+            </a:fontRef>
+          </p:style>
+          <p:txBody>
+            <a:bodyPr rtlCol="0" anchor="ctr"/>
+            <a:lstStyle/>
+            <a:p>
+              <a:pPr algn="ctr"/>
+              <a:endParaRPr lang="ko-KR" altLang="en-US"/>
+            </a:p>
+          </p:txBody>
+        </p:sp>
+        <p:sp>
+          <p:nvSpPr>
+            <p:cNvPr id="272" name="타원 271"/>
+            <p:cNvSpPr/>
+            <p:nvPr/>
+          </p:nvSpPr>
+          <p:spPr>
+            <a:xfrm>
+              <a:off x="8725778" y="2344551"/>
+              <a:ext cx="257175" cy="257175"/>
+            </a:xfrm>
+            <a:prstGeom prst="ellipse">
+              <a:avLst/>
+            </a:prstGeom>
+          </p:spPr>
+          <p:style>
+            <a:lnRef idx="2">
+              <a:schemeClr val="accent1">
+                <a:shade val="50000"/>
+              </a:schemeClr>
+            </a:lnRef>
+            <a:fillRef idx="1">
+              <a:schemeClr val="accent1"/>
+            </a:fillRef>
+            <a:effectRef idx="0">
+              <a:schemeClr val="accent1"/>
+            </a:effectRef>
+            <a:fontRef idx="minor">
+              <a:schemeClr val="lt1"/>
+            </a:fontRef>
+          </p:style>
+          <p:txBody>
+            <a:bodyPr rtlCol="0" anchor="ctr"/>
+            <a:lstStyle/>
+            <a:p>
+              <a:pPr algn="ctr"/>
+              <a:endParaRPr lang="ko-KR" altLang="en-US"/>
+            </a:p>
+          </p:txBody>
+        </p:sp>
+      </p:grpSp>
+      <p:grpSp>
+        <p:nvGrpSpPr>
+          <p:cNvPr id="273" name="그룹 272"/>
+          <p:cNvGrpSpPr/>
+          <p:nvPr/>
+        </p:nvGrpSpPr>
+        <p:grpSpPr>
+          <a:xfrm>
+            <a:off x="3343495" y="5000337"/>
+            <a:ext cx="1459936" cy="243077"/>
+            <a:chOff x="7409744" y="2344551"/>
+            <a:chExt cx="1573209" cy="261937"/>
+          </a:xfrm>
+        </p:grpSpPr>
+        <p:sp>
+          <p:nvSpPr>
+            <p:cNvPr id="274" name="타원 273"/>
+            <p:cNvSpPr/>
+            <p:nvPr/>
+          </p:nvSpPr>
+          <p:spPr>
+            <a:xfrm>
+              <a:off x="7409744" y="2349313"/>
+              <a:ext cx="257175" cy="257175"/>
+            </a:xfrm>
+            <a:prstGeom prst="ellipse">
+              <a:avLst/>
+            </a:prstGeom>
+            <a:solidFill>
+              <a:srgbClr val="182D42"/>
+            </a:solidFill>
+          </p:spPr>
+          <p:style>
+            <a:lnRef idx="2">
+              <a:schemeClr val="accent1">
+                <a:shade val="50000"/>
+              </a:schemeClr>
+            </a:lnRef>
+            <a:fillRef idx="1">
+              <a:schemeClr val="accent1"/>
+            </a:fillRef>
+            <a:effectRef idx="0">
+              <a:schemeClr val="accent1"/>
+            </a:effectRef>
+            <a:fontRef idx="minor">
+              <a:schemeClr val="lt1"/>
+            </a:fontRef>
+          </p:style>
+          <p:txBody>
+            <a:bodyPr rtlCol="0" anchor="ctr"/>
+            <a:lstStyle/>
+            <a:p>
+              <a:pPr algn="ctr"/>
+              <a:endParaRPr lang="ko-KR" altLang="en-US"/>
+            </a:p>
+          </p:txBody>
+        </p:sp>
+        <p:sp>
+          <p:nvSpPr>
+            <p:cNvPr id="275" name="타원 274"/>
+            <p:cNvSpPr/>
+            <p:nvPr/>
+          </p:nvSpPr>
+          <p:spPr>
+            <a:xfrm>
+              <a:off x="7738356" y="2349312"/>
+              <a:ext cx="257175" cy="257175"/>
+            </a:xfrm>
+            <a:prstGeom prst="ellipse">
+              <a:avLst/>
+            </a:prstGeom>
+            <a:solidFill>
+              <a:srgbClr val="182D42"/>
+            </a:solidFill>
+          </p:spPr>
+          <p:style>
+            <a:lnRef idx="2">
+              <a:schemeClr val="accent1">
+                <a:shade val="50000"/>
+              </a:schemeClr>
+            </a:lnRef>
+            <a:fillRef idx="1">
+              <a:schemeClr val="accent1"/>
+            </a:fillRef>
+            <a:effectRef idx="0">
+              <a:schemeClr val="accent1"/>
+            </a:effectRef>
+            <a:fontRef idx="minor">
+              <a:schemeClr val="lt1"/>
+            </a:fontRef>
+          </p:style>
+          <p:txBody>
+            <a:bodyPr rtlCol="0" anchor="ctr"/>
+            <a:lstStyle/>
+            <a:p>
+              <a:pPr algn="ctr"/>
+              <a:endParaRPr lang="ko-KR" altLang="en-US"/>
+            </a:p>
+          </p:txBody>
+        </p:sp>
+        <p:sp>
+          <p:nvSpPr>
+            <p:cNvPr id="276" name="타원 275"/>
+            <p:cNvSpPr/>
+            <p:nvPr/>
+          </p:nvSpPr>
+          <p:spPr>
+            <a:xfrm>
+              <a:off x="8068554" y="2344551"/>
+              <a:ext cx="257175" cy="257175"/>
+            </a:xfrm>
+            <a:prstGeom prst="ellipse">
+              <a:avLst/>
+            </a:prstGeom>
+            <a:solidFill>
+              <a:srgbClr val="182D42"/>
+            </a:solidFill>
+          </p:spPr>
+          <p:style>
+            <a:lnRef idx="2">
+              <a:schemeClr val="accent1">
+                <a:shade val="50000"/>
+              </a:schemeClr>
+            </a:lnRef>
+            <a:fillRef idx="1">
+              <a:schemeClr val="accent1"/>
+            </a:fillRef>
+            <a:effectRef idx="0">
+              <a:schemeClr val="accent1"/>
+            </a:effectRef>
+            <a:fontRef idx="minor">
+              <a:schemeClr val="lt1"/>
+            </a:fontRef>
+          </p:style>
+          <p:txBody>
+            <a:bodyPr rtlCol="0" anchor="ctr"/>
+            <a:lstStyle/>
+            <a:p>
+              <a:pPr algn="ctr"/>
+              <a:endParaRPr lang="ko-KR" altLang="en-US"/>
+            </a:p>
+          </p:txBody>
+        </p:sp>
+        <p:sp>
+          <p:nvSpPr>
+            <p:cNvPr id="277" name="타원 276"/>
+            <p:cNvSpPr/>
+            <p:nvPr/>
+          </p:nvSpPr>
+          <p:spPr>
+            <a:xfrm>
+              <a:off x="8397166" y="2344551"/>
+              <a:ext cx="257175" cy="257175"/>
+            </a:xfrm>
+            <a:prstGeom prst="ellipse">
+              <a:avLst/>
+            </a:prstGeom>
+          </p:spPr>
+          <p:style>
+            <a:lnRef idx="2">
+              <a:schemeClr val="accent1">
+                <a:shade val="50000"/>
+              </a:schemeClr>
+            </a:lnRef>
+            <a:fillRef idx="1">
+              <a:schemeClr val="accent1"/>
+            </a:fillRef>
+            <a:effectRef idx="0">
+              <a:schemeClr val="accent1"/>
+            </a:effectRef>
+            <a:fontRef idx="minor">
+              <a:schemeClr val="lt1"/>
+            </a:fontRef>
+          </p:style>
+          <p:txBody>
+            <a:bodyPr rtlCol="0" anchor="ctr"/>
+            <a:lstStyle/>
+            <a:p>
+              <a:pPr algn="ctr"/>
+              <a:endParaRPr lang="ko-KR" altLang="en-US"/>
+            </a:p>
+          </p:txBody>
+        </p:sp>
+        <p:sp>
+          <p:nvSpPr>
+            <p:cNvPr id="278" name="타원 277"/>
+            <p:cNvSpPr/>
+            <p:nvPr/>
+          </p:nvSpPr>
+          <p:spPr>
+            <a:xfrm>
+              <a:off x="8725778" y="2344551"/>
+              <a:ext cx="257175" cy="257175"/>
+            </a:xfrm>
+            <a:prstGeom prst="ellipse">
+              <a:avLst/>
+            </a:prstGeom>
+          </p:spPr>
+          <p:style>
+            <a:lnRef idx="2">
+              <a:schemeClr val="accent1">
+                <a:shade val="50000"/>
+              </a:schemeClr>
+            </a:lnRef>
+            <a:fillRef idx="1">
+              <a:schemeClr val="accent1"/>
+            </a:fillRef>
+            <a:effectRef idx="0">
+              <a:schemeClr val="accent1"/>
+            </a:effectRef>
+            <a:fontRef idx="minor">
+              <a:schemeClr val="lt1"/>
+            </a:fontRef>
+          </p:style>
+          <p:txBody>
+            <a:bodyPr rtlCol="0" anchor="ctr"/>
+            <a:lstStyle/>
+            <a:p>
+              <a:pPr algn="ctr"/>
+              <a:endParaRPr lang="ko-KR" altLang="en-US"/>
+            </a:p>
+          </p:txBody>
+        </p:sp>
+      </p:grpSp>
+      <p:grpSp>
+        <p:nvGrpSpPr>
+          <p:cNvPr id="279" name="그룹 278"/>
+          <p:cNvGrpSpPr/>
+          <p:nvPr/>
+        </p:nvGrpSpPr>
+        <p:grpSpPr>
+          <a:xfrm>
+            <a:off x="5326503" y="1977978"/>
+            <a:ext cx="1459936" cy="243077"/>
+            <a:chOff x="7409744" y="2344551"/>
+            <a:chExt cx="1573209" cy="261937"/>
+          </a:xfrm>
+        </p:grpSpPr>
+        <p:sp>
+          <p:nvSpPr>
+            <p:cNvPr id="280" name="타원 279"/>
+            <p:cNvSpPr/>
+            <p:nvPr/>
+          </p:nvSpPr>
+          <p:spPr>
+            <a:xfrm>
+              <a:off x="7409744" y="2349313"/>
+              <a:ext cx="257175" cy="257175"/>
+            </a:xfrm>
+            <a:prstGeom prst="ellipse">
+              <a:avLst/>
+            </a:prstGeom>
+            <a:solidFill>
+              <a:srgbClr val="182D42"/>
+            </a:solidFill>
+          </p:spPr>
+          <p:style>
+            <a:lnRef idx="2">
+              <a:schemeClr val="accent1">
+                <a:shade val="50000"/>
+              </a:schemeClr>
+            </a:lnRef>
+            <a:fillRef idx="1">
+              <a:schemeClr val="accent1"/>
+            </a:fillRef>
+            <a:effectRef idx="0">
+              <a:schemeClr val="accent1"/>
+            </a:effectRef>
+            <a:fontRef idx="minor">
+              <a:schemeClr val="lt1"/>
+            </a:fontRef>
+          </p:style>
+          <p:txBody>
+            <a:bodyPr rtlCol="0" anchor="ctr"/>
+            <a:lstStyle/>
+            <a:p>
+              <a:pPr algn="ctr"/>
+              <a:endParaRPr lang="ko-KR" altLang="en-US"/>
+            </a:p>
+          </p:txBody>
+        </p:sp>
+        <p:sp>
+          <p:nvSpPr>
+            <p:cNvPr id="281" name="타원 280"/>
+            <p:cNvSpPr/>
+            <p:nvPr/>
+          </p:nvSpPr>
+          <p:spPr>
+            <a:xfrm>
+              <a:off x="7738356" y="2349312"/>
+              <a:ext cx="257175" cy="257175"/>
+            </a:xfrm>
+            <a:prstGeom prst="ellipse">
+              <a:avLst/>
+            </a:prstGeom>
+            <a:solidFill>
+              <a:srgbClr val="182D42"/>
+            </a:solidFill>
+          </p:spPr>
+          <p:style>
+            <a:lnRef idx="2">
+              <a:schemeClr val="accent1">
+                <a:shade val="50000"/>
+              </a:schemeClr>
+            </a:lnRef>
+            <a:fillRef idx="1">
+              <a:schemeClr val="accent1"/>
+            </a:fillRef>
+            <a:effectRef idx="0">
+              <a:schemeClr val="accent1"/>
+            </a:effectRef>
+            <a:fontRef idx="minor">
+              <a:schemeClr val="lt1"/>
+            </a:fontRef>
+          </p:style>
+          <p:txBody>
+            <a:bodyPr rtlCol="0" anchor="ctr"/>
+            <a:lstStyle/>
+            <a:p>
+              <a:pPr algn="ctr"/>
+              <a:endParaRPr lang="ko-KR" altLang="en-US"/>
+            </a:p>
+          </p:txBody>
+        </p:sp>
+        <p:sp>
+          <p:nvSpPr>
+            <p:cNvPr id="282" name="타원 281"/>
+            <p:cNvSpPr/>
+            <p:nvPr/>
+          </p:nvSpPr>
+          <p:spPr>
+            <a:xfrm>
+              <a:off x="8068554" y="2344551"/>
+              <a:ext cx="257175" cy="257175"/>
+            </a:xfrm>
+            <a:prstGeom prst="ellipse">
+              <a:avLst/>
+            </a:prstGeom>
+            <a:solidFill>
+              <a:srgbClr val="182D42"/>
+            </a:solidFill>
+          </p:spPr>
+          <p:style>
+            <a:lnRef idx="2">
+              <a:schemeClr val="accent1">
+                <a:shade val="50000"/>
+              </a:schemeClr>
+            </a:lnRef>
+            <a:fillRef idx="1">
+              <a:schemeClr val="accent1"/>
+            </a:fillRef>
+            <a:effectRef idx="0">
+              <a:schemeClr val="accent1"/>
+            </a:effectRef>
+            <a:fontRef idx="minor">
+              <a:schemeClr val="lt1"/>
+            </a:fontRef>
+          </p:style>
+          <p:txBody>
+            <a:bodyPr rtlCol="0" anchor="ctr"/>
+            <a:lstStyle/>
+            <a:p>
+              <a:pPr algn="ctr"/>
+              <a:endParaRPr lang="ko-KR" altLang="en-US"/>
+            </a:p>
+          </p:txBody>
+        </p:sp>
+        <p:sp>
+          <p:nvSpPr>
+            <p:cNvPr id="283" name="타원 282"/>
+            <p:cNvSpPr/>
+            <p:nvPr/>
+          </p:nvSpPr>
+          <p:spPr>
+            <a:xfrm>
+              <a:off x="8397166" y="2344551"/>
+              <a:ext cx="257175" cy="257175"/>
+            </a:xfrm>
+            <a:prstGeom prst="ellipse">
+              <a:avLst/>
+            </a:prstGeom>
+            <a:solidFill>
+              <a:srgbClr val="182D42"/>
+            </a:solidFill>
+          </p:spPr>
+          <p:style>
+            <a:lnRef idx="2">
+              <a:schemeClr val="accent1">
+                <a:shade val="50000"/>
+              </a:schemeClr>
+            </a:lnRef>
+            <a:fillRef idx="1">
+              <a:schemeClr val="accent1"/>
+            </a:fillRef>
+            <a:effectRef idx="0">
+              <a:schemeClr val="accent1"/>
+            </a:effectRef>
+            <a:fontRef idx="minor">
+              <a:schemeClr val="lt1"/>
+            </a:fontRef>
+          </p:style>
+          <p:txBody>
+            <a:bodyPr rtlCol="0" anchor="ctr"/>
+            <a:lstStyle/>
+            <a:p>
+              <a:pPr algn="ctr"/>
+              <a:endParaRPr lang="ko-KR" altLang="en-US"/>
+            </a:p>
+          </p:txBody>
+        </p:sp>
+        <p:sp>
+          <p:nvSpPr>
+            <p:cNvPr id="284" name="타원 283"/>
+            <p:cNvSpPr/>
+            <p:nvPr/>
+          </p:nvSpPr>
+          <p:spPr>
+            <a:xfrm>
+              <a:off x="8725778" y="2344551"/>
+              <a:ext cx="257175" cy="257175"/>
+            </a:xfrm>
+            <a:prstGeom prst="ellipse">
+              <a:avLst/>
+            </a:prstGeom>
+          </p:spPr>
+          <p:style>
+            <a:lnRef idx="2">
+              <a:schemeClr val="accent1">
+                <a:shade val="50000"/>
+              </a:schemeClr>
+            </a:lnRef>
+            <a:fillRef idx="1">
+              <a:schemeClr val="accent1"/>
+            </a:fillRef>
+            <a:effectRef idx="0">
+              <a:schemeClr val="accent1"/>
+            </a:effectRef>
+            <a:fontRef idx="minor">
+              <a:schemeClr val="lt1"/>
+            </a:fontRef>
+          </p:style>
+          <p:txBody>
+            <a:bodyPr rtlCol="0" anchor="ctr"/>
+            <a:lstStyle/>
+            <a:p>
+              <a:pPr algn="ctr"/>
+              <a:endParaRPr lang="ko-KR" altLang="en-US"/>
+            </a:p>
+          </p:txBody>
+        </p:sp>
+      </p:grpSp>
+      <p:grpSp>
+        <p:nvGrpSpPr>
+          <p:cNvPr id="285" name="그룹 284"/>
+          <p:cNvGrpSpPr/>
+          <p:nvPr/>
+        </p:nvGrpSpPr>
+        <p:grpSpPr>
+          <a:xfrm>
+            <a:off x="5326503" y="2975751"/>
+            <a:ext cx="1459936" cy="243077"/>
+            <a:chOff x="7409744" y="2344551"/>
+            <a:chExt cx="1573209" cy="261937"/>
+          </a:xfrm>
+        </p:grpSpPr>
+        <p:sp>
+          <p:nvSpPr>
+            <p:cNvPr id="286" name="타원 285"/>
+            <p:cNvSpPr/>
+            <p:nvPr/>
+          </p:nvSpPr>
+          <p:spPr>
+            <a:xfrm>
+              <a:off x="7409744" y="2349313"/>
+              <a:ext cx="257175" cy="257175"/>
+            </a:xfrm>
+            <a:prstGeom prst="ellipse">
+              <a:avLst/>
+            </a:prstGeom>
+            <a:solidFill>
+              <a:srgbClr val="182D42"/>
+            </a:solidFill>
+          </p:spPr>
+          <p:style>
+            <a:lnRef idx="2">
+              <a:schemeClr val="accent1">
+                <a:shade val="50000"/>
+              </a:schemeClr>
+            </a:lnRef>
+            <a:fillRef idx="1">
+              <a:schemeClr val="accent1"/>
+            </a:fillRef>
+            <a:effectRef idx="0">
+              <a:schemeClr val="accent1"/>
+            </a:effectRef>
+            <a:fontRef idx="minor">
+              <a:schemeClr val="lt1"/>
+            </a:fontRef>
+          </p:style>
+          <p:txBody>
+            <a:bodyPr rtlCol="0" anchor="ctr"/>
+            <a:lstStyle/>
+            <a:p>
+              <a:pPr algn="ctr"/>
+              <a:endParaRPr lang="ko-KR" altLang="en-US"/>
+            </a:p>
+          </p:txBody>
+        </p:sp>
+        <p:sp>
+          <p:nvSpPr>
+            <p:cNvPr id="287" name="타원 286"/>
+            <p:cNvSpPr/>
+            <p:nvPr/>
+          </p:nvSpPr>
+          <p:spPr>
+            <a:xfrm>
+              <a:off x="7738356" y="2349312"/>
+              <a:ext cx="257175" cy="257175"/>
+            </a:xfrm>
+            <a:prstGeom prst="ellipse">
+              <a:avLst/>
+            </a:prstGeom>
+            <a:solidFill>
+              <a:srgbClr val="182D42"/>
+            </a:solidFill>
+          </p:spPr>
+          <p:style>
+            <a:lnRef idx="2">
+              <a:schemeClr val="accent1">
+                <a:shade val="50000"/>
+              </a:schemeClr>
+            </a:lnRef>
+            <a:fillRef idx="1">
+              <a:schemeClr val="accent1"/>
+            </a:fillRef>
+            <a:effectRef idx="0">
+              <a:schemeClr val="accent1"/>
+            </a:effectRef>
+            <a:fontRef idx="minor">
+              <a:schemeClr val="lt1"/>
+            </a:fontRef>
+          </p:style>
+          <p:txBody>
+            <a:bodyPr rtlCol="0" anchor="ctr"/>
+            <a:lstStyle/>
+            <a:p>
+              <a:pPr algn="ctr"/>
+              <a:endParaRPr lang="ko-KR" altLang="en-US"/>
+            </a:p>
+          </p:txBody>
+        </p:sp>
+        <p:sp>
+          <p:nvSpPr>
+            <p:cNvPr id="288" name="타원 287"/>
+            <p:cNvSpPr/>
+            <p:nvPr/>
+          </p:nvSpPr>
+          <p:spPr>
+            <a:xfrm>
+              <a:off x="8068554" y="2344551"/>
+              <a:ext cx="257175" cy="257175"/>
+            </a:xfrm>
+            <a:prstGeom prst="ellipse">
+              <a:avLst/>
+            </a:prstGeom>
+            <a:solidFill>
+              <a:srgbClr val="182D42"/>
+            </a:solidFill>
+          </p:spPr>
+          <p:style>
+            <a:lnRef idx="2">
+              <a:schemeClr val="accent1">
+                <a:shade val="50000"/>
+              </a:schemeClr>
+            </a:lnRef>
+            <a:fillRef idx="1">
+              <a:schemeClr val="accent1"/>
+            </a:fillRef>
+            <a:effectRef idx="0">
+              <a:schemeClr val="accent1"/>
+            </a:effectRef>
+            <a:fontRef idx="minor">
+              <a:schemeClr val="lt1"/>
+            </a:fontRef>
+          </p:style>
+          <p:txBody>
+            <a:bodyPr rtlCol="0" anchor="ctr"/>
+            <a:lstStyle/>
+            <a:p>
+              <a:pPr algn="ctr"/>
+              <a:endParaRPr lang="ko-KR" altLang="en-US"/>
+            </a:p>
+          </p:txBody>
+        </p:sp>
+        <p:sp>
+          <p:nvSpPr>
+            <p:cNvPr id="289" name="타원 288"/>
+            <p:cNvSpPr/>
+            <p:nvPr/>
+          </p:nvSpPr>
+          <p:spPr>
+            <a:xfrm>
+              <a:off x="8397166" y="2344551"/>
+              <a:ext cx="257175" cy="257175"/>
+            </a:xfrm>
+            <a:prstGeom prst="ellipse">
+              <a:avLst/>
+            </a:prstGeom>
+            <a:solidFill>
+              <a:srgbClr val="182D42"/>
+            </a:solidFill>
+          </p:spPr>
+          <p:style>
+            <a:lnRef idx="2">
+              <a:schemeClr val="accent1">
+                <a:shade val="50000"/>
+              </a:schemeClr>
+            </a:lnRef>
+            <a:fillRef idx="1">
+              <a:schemeClr val="accent1"/>
+            </a:fillRef>
+            <a:effectRef idx="0">
+              <a:schemeClr val="accent1"/>
+            </a:effectRef>
+            <a:fontRef idx="minor">
+              <a:schemeClr val="lt1"/>
+            </a:fontRef>
+          </p:style>
+          <p:txBody>
+            <a:bodyPr rtlCol="0" anchor="ctr"/>
+            <a:lstStyle/>
+            <a:p>
+              <a:pPr algn="ctr"/>
+              <a:endParaRPr lang="ko-KR" altLang="en-US"/>
+            </a:p>
+          </p:txBody>
+        </p:sp>
+        <p:sp>
+          <p:nvSpPr>
+            <p:cNvPr id="290" name="타원 289"/>
+            <p:cNvSpPr/>
+            <p:nvPr/>
+          </p:nvSpPr>
+          <p:spPr>
+            <a:xfrm>
+              <a:off x="8725778" y="2344551"/>
+              <a:ext cx="257175" cy="257175"/>
+            </a:xfrm>
+            <a:prstGeom prst="ellipse">
+              <a:avLst/>
+            </a:prstGeom>
+            <a:solidFill>
+              <a:srgbClr val="182D42"/>
+            </a:solidFill>
+          </p:spPr>
+          <p:style>
+            <a:lnRef idx="2">
+              <a:schemeClr val="accent1">
+                <a:shade val="50000"/>
+              </a:schemeClr>
+            </a:lnRef>
+            <a:fillRef idx="1">
+              <a:schemeClr val="accent1"/>
+            </a:fillRef>
+            <a:effectRef idx="0">
+              <a:schemeClr val="accent1"/>
+            </a:effectRef>
+            <a:fontRef idx="minor">
+              <a:schemeClr val="lt1"/>
+            </a:fontRef>
+          </p:style>
+          <p:txBody>
+            <a:bodyPr rtlCol="0" anchor="ctr"/>
+            <a:lstStyle/>
+            <a:p>
+              <a:pPr algn="ctr"/>
+              <a:endParaRPr lang="ko-KR" altLang="en-US"/>
+            </a:p>
+          </p:txBody>
+        </p:sp>
+      </p:grpSp>
+      <p:grpSp>
+        <p:nvGrpSpPr>
+          <p:cNvPr id="291" name="그룹 290"/>
+          <p:cNvGrpSpPr/>
+          <p:nvPr/>
+        </p:nvGrpSpPr>
+        <p:grpSpPr>
+          <a:xfrm>
+            <a:off x="5334816" y="4000251"/>
+            <a:ext cx="1459936" cy="243077"/>
+            <a:chOff x="7409744" y="2344551"/>
+            <a:chExt cx="1573209" cy="261937"/>
+          </a:xfrm>
+        </p:grpSpPr>
+        <p:sp>
+          <p:nvSpPr>
+            <p:cNvPr id="292" name="타원 291"/>
+            <p:cNvSpPr/>
+            <p:nvPr/>
+          </p:nvSpPr>
+          <p:spPr>
+            <a:xfrm>
+              <a:off x="7409744" y="2349313"/>
+              <a:ext cx="257175" cy="257175"/>
+            </a:xfrm>
+            <a:prstGeom prst="ellipse">
+              <a:avLst/>
+            </a:prstGeom>
+            <a:solidFill>
+              <a:srgbClr val="182D42"/>
+            </a:solidFill>
+          </p:spPr>
+          <p:style>
+            <a:lnRef idx="2">
+              <a:schemeClr val="accent1">
+                <a:shade val="50000"/>
+              </a:schemeClr>
+            </a:lnRef>
+            <a:fillRef idx="1">
+              <a:schemeClr val="accent1"/>
+            </a:fillRef>
+            <a:effectRef idx="0">
+              <a:schemeClr val="accent1"/>
+            </a:effectRef>
+            <a:fontRef idx="minor">
+              <a:schemeClr val="lt1"/>
+            </a:fontRef>
+          </p:style>
+          <p:txBody>
+            <a:bodyPr rtlCol="0" anchor="ctr"/>
+            <a:lstStyle/>
+            <a:p>
+              <a:pPr algn="ctr"/>
+              <a:endParaRPr lang="ko-KR" altLang="en-US"/>
+            </a:p>
+          </p:txBody>
+        </p:sp>
+        <p:sp>
+          <p:nvSpPr>
+            <p:cNvPr id="293" name="타원 292"/>
+            <p:cNvSpPr/>
+            <p:nvPr/>
+          </p:nvSpPr>
+          <p:spPr>
+            <a:xfrm>
+              <a:off x="7738356" y="2349312"/>
+              <a:ext cx="257175" cy="257175"/>
+            </a:xfrm>
+            <a:prstGeom prst="ellipse">
+              <a:avLst/>
+            </a:prstGeom>
+            <a:solidFill>
+              <a:srgbClr val="182D42"/>
+            </a:solidFill>
+          </p:spPr>
+          <p:style>
+            <a:lnRef idx="2">
+              <a:schemeClr val="accent1">
+                <a:shade val="50000"/>
+              </a:schemeClr>
+            </a:lnRef>
+            <a:fillRef idx="1">
+              <a:schemeClr val="accent1"/>
+            </a:fillRef>
+            <a:effectRef idx="0">
+              <a:schemeClr val="accent1"/>
+            </a:effectRef>
+            <a:fontRef idx="minor">
+              <a:schemeClr val="lt1"/>
+            </a:fontRef>
+          </p:style>
+          <p:txBody>
+            <a:bodyPr rtlCol="0" anchor="ctr"/>
+            <a:lstStyle/>
+            <a:p>
+              <a:pPr algn="ctr"/>
+              <a:endParaRPr lang="ko-KR" altLang="en-US"/>
+            </a:p>
+          </p:txBody>
+        </p:sp>
+        <p:sp>
+          <p:nvSpPr>
+            <p:cNvPr id="294" name="타원 293"/>
+            <p:cNvSpPr/>
+            <p:nvPr/>
+          </p:nvSpPr>
+          <p:spPr>
+            <a:xfrm>
+              <a:off x="8068554" y="2344551"/>
+              <a:ext cx="257175" cy="257175"/>
+            </a:xfrm>
+            <a:prstGeom prst="ellipse">
+              <a:avLst/>
+            </a:prstGeom>
+            <a:solidFill>
+              <a:srgbClr val="182D42"/>
+            </a:solidFill>
+          </p:spPr>
+          <p:style>
+            <a:lnRef idx="2">
+              <a:schemeClr val="accent1">
+                <a:shade val="50000"/>
+              </a:schemeClr>
+            </a:lnRef>
+            <a:fillRef idx="1">
+              <a:schemeClr val="accent1"/>
+            </a:fillRef>
+            <a:effectRef idx="0">
+              <a:schemeClr val="accent1"/>
+            </a:effectRef>
+            <a:fontRef idx="minor">
+              <a:schemeClr val="lt1"/>
+            </a:fontRef>
+          </p:style>
+          <p:txBody>
+            <a:bodyPr rtlCol="0" anchor="ctr"/>
+            <a:lstStyle/>
+            <a:p>
+              <a:pPr algn="ctr"/>
+              <a:endParaRPr lang="ko-KR" altLang="en-US"/>
+            </a:p>
+          </p:txBody>
+        </p:sp>
+        <p:sp>
+          <p:nvSpPr>
+            <p:cNvPr id="295" name="타원 294"/>
+            <p:cNvSpPr/>
+            <p:nvPr/>
+          </p:nvSpPr>
+          <p:spPr>
+            <a:xfrm>
+              <a:off x="8397166" y="2344551"/>
+              <a:ext cx="257175" cy="257175"/>
+            </a:xfrm>
+            <a:prstGeom prst="ellipse">
+              <a:avLst/>
+            </a:prstGeom>
+          </p:spPr>
+          <p:style>
+            <a:lnRef idx="2">
+              <a:schemeClr val="accent1">
+                <a:shade val="50000"/>
+              </a:schemeClr>
+            </a:lnRef>
+            <a:fillRef idx="1">
+              <a:schemeClr val="accent1"/>
+            </a:fillRef>
+            <a:effectRef idx="0">
+              <a:schemeClr val="accent1"/>
+            </a:effectRef>
+            <a:fontRef idx="minor">
+              <a:schemeClr val="lt1"/>
+            </a:fontRef>
+          </p:style>
+          <p:txBody>
+            <a:bodyPr rtlCol="0" anchor="ctr"/>
+            <a:lstStyle/>
+            <a:p>
+              <a:pPr algn="ctr"/>
+              <a:endParaRPr lang="ko-KR" altLang="en-US"/>
+            </a:p>
+          </p:txBody>
+        </p:sp>
+        <p:sp>
+          <p:nvSpPr>
+            <p:cNvPr id="296" name="타원 295"/>
+            <p:cNvSpPr/>
+            <p:nvPr/>
+          </p:nvSpPr>
+          <p:spPr>
+            <a:xfrm>
+              <a:off x="8725778" y="2344551"/>
+              <a:ext cx="257175" cy="257175"/>
+            </a:xfrm>
+            <a:prstGeom prst="ellipse">
+              <a:avLst/>
+            </a:prstGeom>
+          </p:spPr>
+          <p:style>
+            <a:lnRef idx="2">
+              <a:schemeClr val="accent1">
+                <a:shade val="50000"/>
+              </a:schemeClr>
+            </a:lnRef>
+            <a:fillRef idx="1">
+              <a:schemeClr val="accent1"/>
+            </a:fillRef>
+            <a:effectRef idx="0">
+              <a:schemeClr val="accent1"/>
+            </a:effectRef>
+            <a:fontRef idx="minor">
+              <a:schemeClr val="lt1"/>
+            </a:fontRef>
+          </p:style>
+          <p:txBody>
+            <a:bodyPr rtlCol="0" anchor="ctr"/>
+            <a:lstStyle/>
+            <a:p>
+              <a:pPr algn="ctr"/>
+              <a:endParaRPr lang="ko-KR" altLang="en-US"/>
+            </a:p>
+          </p:txBody>
+        </p:sp>
+      </p:grpSp>
+      <p:grpSp>
+        <p:nvGrpSpPr>
+          <p:cNvPr id="297" name="그룹 296"/>
+          <p:cNvGrpSpPr/>
+          <p:nvPr/>
+        </p:nvGrpSpPr>
+        <p:grpSpPr>
+          <a:xfrm>
+            <a:off x="5326503" y="4985408"/>
+            <a:ext cx="1459936" cy="243077"/>
+            <a:chOff x="7409744" y="2344551"/>
+            <a:chExt cx="1573209" cy="261937"/>
+          </a:xfrm>
+        </p:grpSpPr>
+        <p:sp>
+          <p:nvSpPr>
+            <p:cNvPr id="298" name="타원 297"/>
+            <p:cNvSpPr/>
+            <p:nvPr/>
+          </p:nvSpPr>
+          <p:spPr>
+            <a:xfrm>
+              <a:off x="7409744" y="2349313"/>
+              <a:ext cx="257175" cy="257175"/>
+            </a:xfrm>
+            <a:prstGeom prst="ellipse">
+              <a:avLst/>
+            </a:prstGeom>
+            <a:solidFill>
+              <a:srgbClr val="182D42"/>
+            </a:solidFill>
+          </p:spPr>
+          <p:style>
+            <a:lnRef idx="2">
+              <a:schemeClr val="accent1">
+                <a:shade val="50000"/>
+              </a:schemeClr>
+            </a:lnRef>
+            <a:fillRef idx="1">
+              <a:schemeClr val="accent1"/>
+            </a:fillRef>
+            <a:effectRef idx="0">
+              <a:schemeClr val="accent1"/>
+            </a:effectRef>
+            <a:fontRef idx="minor">
+              <a:schemeClr val="lt1"/>
+            </a:fontRef>
+          </p:style>
+          <p:txBody>
+            <a:bodyPr rtlCol="0" anchor="ctr"/>
+            <a:lstStyle/>
+            <a:p>
+              <a:pPr algn="ctr"/>
+              <a:endParaRPr lang="ko-KR" altLang="en-US"/>
+            </a:p>
+          </p:txBody>
+        </p:sp>
+        <p:sp>
+          <p:nvSpPr>
+            <p:cNvPr id="299" name="타원 298"/>
+            <p:cNvSpPr/>
+            <p:nvPr/>
+          </p:nvSpPr>
+          <p:spPr>
+            <a:xfrm>
+              <a:off x="7738356" y="2349312"/>
+              <a:ext cx="257175" cy="257175"/>
+            </a:xfrm>
+            <a:prstGeom prst="ellipse">
+              <a:avLst/>
+            </a:prstGeom>
+            <a:solidFill>
+              <a:srgbClr val="182D42"/>
+            </a:solidFill>
+          </p:spPr>
+          <p:style>
+            <a:lnRef idx="2">
+              <a:schemeClr val="accent1">
+                <a:shade val="50000"/>
+              </a:schemeClr>
+            </a:lnRef>
+            <a:fillRef idx="1">
+              <a:schemeClr val="accent1"/>
+            </a:fillRef>
+            <a:effectRef idx="0">
+              <a:schemeClr val="accent1"/>
+            </a:effectRef>
+            <a:fontRef idx="minor">
+              <a:schemeClr val="lt1"/>
+            </a:fontRef>
+          </p:style>
+          <p:txBody>
+            <a:bodyPr rtlCol="0" anchor="ctr"/>
+            <a:lstStyle/>
+            <a:p>
+              <a:pPr algn="ctr"/>
+              <a:endParaRPr lang="ko-KR" altLang="en-US"/>
+            </a:p>
+          </p:txBody>
+        </p:sp>
+        <p:sp>
+          <p:nvSpPr>
+            <p:cNvPr id="300" name="타원 299"/>
+            <p:cNvSpPr/>
+            <p:nvPr/>
+          </p:nvSpPr>
+          <p:spPr>
+            <a:xfrm>
+              <a:off x="8068554" y="2344551"/>
+              <a:ext cx="257175" cy="257175"/>
+            </a:xfrm>
+            <a:prstGeom prst="ellipse">
+              <a:avLst/>
+            </a:prstGeom>
+            <a:solidFill>
+              <a:srgbClr val="182D42"/>
+            </a:solidFill>
+          </p:spPr>
+          <p:style>
+            <a:lnRef idx="2">
+              <a:schemeClr val="accent1">
+                <a:shade val="50000"/>
+              </a:schemeClr>
+            </a:lnRef>
+            <a:fillRef idx="1">
+              <a:schemeClr val="accent1"/>
+            </a:fillRef>
+            <a:effectRef idx="0">
+              <a:schemeClr val="accent1"/>
+            </a:effectRef>
+            <a:fontRef idx="minor">
+              <a:schemeClr val="lt1"/>
+            </a:fontRef>
+          </p:style>
+          <p:txBody>
+            <a:bodyPr rtlCol="0" anchor="ctr"/>
+            <a:lstStyle/>
+            <a:p>
+              <a:pPr algn="ctr"/>
+              <a:endParaRPr lang="ko-KR" altLang="en-US"/>
+            </a:p>
+          </p:txBody>
+        </p:sp>
+        <p:sp>
+          <p:nvSpPr>
+            <p:cNvPr id="301" name="타원 300"/>
+            <p:cNvSpPr/>
+            <p:nvPr/>
+          </p:nvSpPr>
+          <p:spPr>
+            <a:xfrm>
+              <a:off x="8397166" y="2344551"/>
+              <a:ext cx="257175" cy="257175"/>
+            </a:xfrm>
+            <a:prstGeom prst="ellipse">
+              <a:avLst/>
+            </a:prstGeom>
+          </p:spPr>
+          <p:style>
+            <a:lnRef idx="2">
+              <a:schemeClr val="accent1">
+                <a:shade val="50000"/>
+              </a:schemeClr>
+            </a:lnRef>
+            <a:fillRef idx="1">
+              <a:schemeClr val="accent1"/>
+            </a:fillRef>
+            <a:effectRef idx="0">
+              <a:schemeClr val="accent1"/>
+            </a:effectRef>
+            <a:fontRef idx="minor">
+              <a:schemeClr val="lt1"/>
+            </a:fontRef>
+          </p:style>
+          <p:txBody>
+            <a:bodyPr rtlCol="0" anchor="ctr"/>
+            <a:lstStyle/>
+            <a:p>
+              <a:pPr algn="ctr"/>
+              <a:endParaRPr lang="ko-KR" altLang="en-US"/>
+            </a:p>
+          </p:txBody>
+        </p:sp>
+        <p:sp>
+          <p:nvSpPr>
+            <p:cNvPr id="302" name="타원 301"/>
+            <p:cNvSpPr/>
+            <p:nvPr/>
+          </p:nvSpPr>
+          <p:spPr>
+            <a:xfrm>
+              <a:off x="8725778" y="2344551"/>
+              <a:ext cx="257175" cy="257175"/>
+            </a:xfrm>
+            <a:prstGeom prst="ellipse">
+              <a:avLst/>
+            </a:prstGeom>
+          </p:spPr>
+          <p:style>
+            <a:lnRef idx="2">
+              <a:schemeClr val="accent1">
+                <a:shade val="50000"/>
+              </a:schemeClr>
+            </a:lnRef>
+            <a:fillRef idx="1">
+              <a:schemeClr val="accent1"/>
+            </a:fillRef>
+            <a:effectRef idx="0">
+              <a:schemeClr val="accent1"/>
+            </a:effectRef>
+            <a:fontRef idx="minor">
+              <a:schemeClr val="lt1"/>
+            </a:fontRef>
+          </p:style>
+          <p:txBody>
+            <a:bodyPr rtlCol="0" anchor="ctr"/>
+            <a:lstStyle/>
+            <a:p>
+              <a:pPr algn="ctr"/>
+              <a:endParaRPr lang="ko-KR" altLang="en-US"/>
+            </a:p>
+          </p:txBody>
+        </p:sp>
+      </p:grpSp>
+      <p:grpSp>
+        <p:nvGrpSpPr>
+          <p:cNvPr id="303" name="그룹 302"/>
+          <p:cNvGrpSpPr/>
+          <p:nvPr/>
+        </p:nvGrpSpPr>
+        <p:grpSpPr>
+          <a:xfrm>
+            <a:off x="7359160" y="1986291"/>
+            <a:ext cx="1459936" cy="243077"/>
+            <a:chOff x="7409744" y="2344551"/>
+            <a:chExt cx="1573209" cy="261937"/>
+          </a:xfrm>
+        </p:grpSpPr>
+        <p:sp>
+          <p:nvSpPr>
+            <p:cNvPr id="304" name="타원 303"/>
+            <p:cNvSpPr/>
+            <p:nvPr/>
+          </p:nvSpPr>
+          <p:spPr>
+            <a:xfrm>
+              <a:off x="7409744" y="2349313"/>
+              <a:ext cx="257175" cy="257175"/>
+            </a:xfrm>
+            <a:prstGeom prst="ellipse">
+              <a:avLst/>
+            </a:prstGeom>
+            <a:solidFill>
+              <a:srgbClr val="182D42"/>
+            </a:solidFill>
+          </p:spPr>
+          <p:style>
+            <a:lnRef idx="2">
+              <a:schemeClr val="accent1">
+                <a:shade val="50000"/>
+              </a:schemeClr>
+            </a:lnRef>
+            <a:fillRef idx="1">
+              <a:schemeClr val="accent1"/>
+            </a:fillRef>
+            <a:effectRef idx="0">
+              <a:schemeClr val="accent1"/>
+            </a:effectRef>
+            <a:fontRef idx="minor">
+              <a:schemeClr val="lt1"/>
+            </a:fontRef>
+          </p:style>
+          <p:txBody>
+            <a:bodyPr rtlCol="0" anchor="ctr"/>
+            <a:lstStyle/>
+            <a:p>
+              <a:pPr algn="ctr"/>
+              <a:endParaRPr lang="ko-KR" altLang="en-US"/>
+            </a:p>
+          </p:txBody>
+        </p:sp>
+        <p:sp>
+          <p:nvSpPr>
+            <p:cNvPr id="305" name="타원 304"/>
+            <p:cNvSpPr/>
+            <p:nvPr/>
+          </p:nvSpPr>
+          <p:spPr>
+            <a:xfrm>
+              <a:off x="7738356" y="2349312"/>
+              <a:ext cx="257175" cy="257175"/>
+            </a:xfrm>
+            <a:prstGeom prst="ellipse">
+              <a:avLst/>
+            </a:prstGeom>
+            <a:solidFill>
+              <a:srgbClr val="182D42"/>
+            </a:solidFill>
+          </p:spPr>
+          <p:style>
+            <a:lnRef idx="2">
+              <a:schemeClr val="accent1">
+                <a:shade val="50000"/>
+              </a:schemeClr>
+            </a:lnRef>
+            <a:fillRef idx="1">
+              <a:schemeClr val="accent1"/>
+            </a:fillRef>
+            <a:effectRef idx="0">
+              <a:schemeClr val="accent1"/>
+            </a:effectRef>
+            <a:fontRef idx="minor">
+              <a:schemeClr val="lt1"/>
+            </a:fontRef>
+          </p:style>
+          <p:txBody>
+            <a:bodyPr rtlCol="0" anchor="ctr"/>
+            <a:lstStyle/>
+            <a:p>
+              <a:pPr algn="ctr"/>
+              <a:endParaRPr lang="ko-KR" altLang="en-US"/>
+            </a:p>
+          </p:txBody>
+        </p:sp>
+        <p:sp>
+          <p:nvSpPr>
+            <p:cNvPr id="306" name="타원 305"/>
+            <p:cNvSpPr/>
+            <p:nvPr/>
+          </p:nvSpPr>
+          <p:spPr>
+            <a:xfrm>
+              <a:off x="8068554" y="2344551"/>
+              <a:ext cx="257175" cy="257175"/>
+            </a:xfrm>
+            <a:prstGeom prst="ellipse">
+              <a:avLst/>
+            </a:prstGeom>
+            <a:solidFill>
+              <a:srgbClr val="5B9BD5"/>
+            </a:solidFill>
+          </p:spPr>
+          <p:style>
+            <a:lnRef idx="2">
+              <a:schemeClr val="accent1">
+                <a:shade val="50000"/>
+              </a:schemeClr>
+            </a:lnRef>
+            <a:fillRef idx="1">
+              <a:schemeClr val="accent1"/>
+            </a:fillRef>
+            <a:effectRef idx="0">
+              <a:schemeClr val="accent1"/>
+            </a:effectRef>
+            <a:fontRef idx="minor">
+              <a:schemeClr val="lt1"/>
+            </a:fontRef>
+          </p:style>
+          <p:txBody>
+            <a:bodyPr rtlCol="0" anchor="ctr"/>
+            <a:lstStyle/>
+            <a:p>
+              <a:pPr algn="ctr"/>
+              <a:endParaRPr lang="ko-KR" altLang="en-US"/>
+            </a:p>
+          </p:txBody>
+        </p:sp>
+        <p:sp>
+          <p:nvSpPr>
+            <p:cNvPr id="307" name="타원 306"/>
+            <p:cNvSpPr/>
+            <p:nvPr/>
+          </p:nvSpPr>
+          <p:spPr>
+            <a:xfrm>
+              <a:off x="8397166" y="2344551"/>
+              <a:ext cx="257175" cy="257175"/>
+            </a:xfrm>
+            <a:prstGeom prst="ellipse">
+              <a:avLst/>
+            </a:prstGeom>
+          </p:spPr>
+          <p:style>
+            <a:lnRef idx="2">
+              <a:schemeClr val="accent1">
+                <a:shade val="50000"/>
+              </a:schemeClr>
+            </a:lnRef>
+            <a:fillRef idx="1">
+              <a:schemeClr val="accent1"/>
+            </a:fillRef>
+            <a:effectRef idx="0">
+              <a:schemeClr val="accent1"/>
+            </a:effectRef>
+            <a:fontRef idx="minor">
+              <a:schemeClr val="lt1"/>
+            </a:fontRef>
+          </p:style>
+          <p:txBody>
+            <a:bodyPr rtlCol="0" anchor="ctr"/>
+            <a:lstStyle/>
+            <a:p>
+              <a:pPr algn="ctr"/>
+              <a:endParaRPr lang="ko-KR" altLang="en-US"/>
+            </a:p>
+          </p:txBody>
+        </p:sp>
+        <p:sp>
+          <p:nvSpPr>
+            <p:cNvPr id="308" name="타원 307"/>
+            <p:cNvSpPr/>
+            <p:nvPr/>
+          </p:nvSpPr>
+          <p:spPr>
+            <a:xfrm>
+              <a:off x="8725778" y="2344551"/>
+              <a:ext cx="257175" cy="257175"/>
+            </a:xfrm>
+            <a:prstGeom prst="ellipse">
+              <a:avLst/>
+            </a:prstGeom>
+          </p:spPr>
+          <p:style>
+            <a:lnRef idx="2">
+              <a:schemeClr val="accent1">
+                <a:shade val="50000"/>
+              </a:schemeClr>
+            </a:lnRef>
+            <a:fillRef idx="1">
+              <a:schemeClr val="accent1"/>
+            </a:fillRef>
+            <a:effectRef idx="0">
+              <a:schemeClr val="accent1"/>
+            </a:effectRef>
+            <a:fontRef idx="minor">
+              <a:schemeClr val="lt1"/>
+            </a:fontRef>
+          </p:style>
+          <p:txBody>
+            <a:bodyPr rtlCol="0" anchor="ctr"/>
+            <a:lstStyle/>
+            <a:p>
+              <a:pPr algn="ctr"/>
+              <a:endParaRPr lang="ko-KR" altLang="en-US"/>
+            </a:p>
+          </p:txBody>
+        </p:sp>
+      </p:grpSp>
+      <p:grpSp>
+        <p:nvGrpSpPr>
+          <p:cNvPr id="309" name="그룹 308"/>
+          <p:cNvGrpSpPr/>
+          <p:nvPr/>
+        </p:nvGrpSpPr>
+        <p:grpSpPr>
+          <a:xfrm>
+            <a:off x="7359160" y="3000691"/>
+            <a:ext cx="1459936" cy="243077"/>
+            <a:chOff x="7409744" y="2344551"/>
+            <a:chExt cx="1573209" cy="261937"/>
+          </a:xfrm>
+        </p:grpSpPr>
+        <p:sp>
+          <p:nvSpPr>
+            <p:cNvPr id="310" name="타원 309"/>
+            <p:cNvSpPr/>
+            <p:nvPr/>
+          </p:nvSpPr>
+          <p:spPr>
+            <a:xfrm>
+              <a:off x="7409744" y="2349313"/>
+              <a:ext cx="257175" cy="257175"/>
+            </a:xfrm>
+            <a:prstGeom prst="ellipse">
+              <a:avLst/>
+            </a:prstGeom>
+            <a:solidFill>
+              <a:srgbClr val="182D42"/>
+            </a:solidFill>
+          </p:spPr>
+          <p:style>
+            <a:lnRef idx="2">
+              <a:schemeClr val="accent1">
+                <a:shade val="50000"/>
+              </a:schemeClr>
+            </a:lnRef>
+            <a:fillRef idx="1">
+              <a:schemeClr val="accent1"/>
+            </a:fillRef>
+            <a:effectRef idx="0">
+              <a:schemeClr val="accent1"/>
+            </a:effectRef>
+            <a:fontRef idx="minor">
+              <a:schemeClr val="lt1"/>
+            </a:fontRef>
+          </p:style>
+          <p:txBody>
+            <a:bodyPr rtlCol="0" anchor="ctr"/>
+            <a:lstStyle/>
+            <a:p>
+              <a:pPr algn="ctr"/>
+              <a:endParaRPr lang="ko-KR" altLang="en-US"/>
+            </a:p>
+          </p:txBody>
+        </p:sp>
+        <p:sp>
+          <p:nvSpPr>
+            <p:cNvPr id="311" name="타원 310"/>
+            <p:cNvSpPr/>
+            <p:nvPr/>
+          </p:nvSpPr>
+          <p:spPr>
+            <a:xfrm>
+              <a:off x="7738356" y="2349312"/>
+              <a:ext cx="257175" cy="257175"/>
+            </a:xfrm>
+            <a:prstGeom prst="ellipse">
+              <a:avLst/>
+            </a:prstGeom>
+            <a:solidFill>
+              <a:srgbClr val="182D42"/>
+            </a:solidFill>
+          </p:spPr>
+          <p:style>
+            <a:lnRef idx="2">
+              <a:schemeClr val="accent1">
+                <a:shade val="50000"/>
+              </a:schemeClr>
+            </a:lnRef>
+            <a:fillRef idx="1">
+              <a:schemeClr val="accent1"/>
+            </a:fillRef>
+            <a:effectRef idx="0">
+              <a:schemeClr val="accent1"/>
+            </a:effectRef>
+            <a:fontRef idx="minor">
+              <a:schemeClr val="lt1"/>
+            </a:fontRef>
+          </p:style>
+          <p:txBody>
+            <a:bodyPr rtlCol="0" anchor="ctr"/>
+            <a:lstStyle/>
+            <a:p>
+              <a:pPr algn="ctr"/>
+              <a:endParaRPr lang="ko-KR" altLang="en-US"/>
+            </a:p>
+          </p:txBody>
+        </p:sp>
+        <p:sp>
+          <p:nvSpPr>
+            <p:cNvPr id="312" name="타원 311"/>
+            <p:cNvSpPr/>
+            <p:nvPr/>
+          </p:nvSpPr>
+          <p:spPr>
+            <a:xfrm>
+              <a:off x="8068554" y="2344551"/>
+              <a:ext cx="257175" cy="257175"/>
+            </a:xfrm>
+            <a:prstGeom prst="ellipse">
+              <a:avLst/>
+            </a:prstGeom>
+            <a:solidFill>
+              <a:srgbClr val="182D42"/>
+            </a:solidFill>
+          </p:spPr>
+          <p:style>
+            <a:lnRef idx="2">
+              <a:schemeClr val="accent1">
+                <a:shade val="50000"/>
+              </a:schemeClr>
+            </a:lnRef>
+            <a:fillRef idx="1">
+              <a:schemeClr val="accent1"/>
+            </a:fillRef>
+            <a:effectRef idx="0">
+              <a:schemeClr val="accent1"/>
+            </a:effectRef>
+            <a:fontRef idx="minor">
+              <a:schemeClr val="lt1"/>
+            </a:fontRef>
+          </p:style>
+          <p:txBody>
+            <a:bodyPr rtlCol="0" anchor="ctr"/>
+            <a:lstStyle/>
+            <a:p>
+              <a:pPr algn="ctr"/>
+              <a:endParaRPr lang="ko-KR" altLang="en-US"/>
+            </a:p>
+          </p:txBody>
+        </p:sp>
+        <p:sp>
+          <p:nvSpPr>
+            <p:cNvPr id="313" name="타원 312"/>
+            <p:cNvSpPr/>
+            <p:nvPr/>
+          </p:nvSpPr>
+          <p:spPr>
+            <a:xfrm>
+              <a:off x="8397166" y="2344551"/>
+              <a:ext cx="257175" cy="257175"/>
+            </a:xfrm>
+            <a:prstGeom prst="ellipse">
+              <a:avLst/>
+            </a:prstGeom>
+          </p:spPr>
+          <p:style>
+            <a:lnRef idx="2">
+              <a:schemeClr val="accent1">
+                <a:shade val="50000"/>
+              </a:schemeClr>
+            </a:lnRef>
+            <a:fillRef idx="1">
+              <a:schemeClr val="accent1"/>
+            </a:fillRef>
+            <a:effectRef idx="0">
+              <a:schemeClr val="accent1"/>
+            </a:effectRef>
+            <a:fontRef idx="minor">
+              <a:schemeClr val="lt1"/>
+            </a:fontRef>
+          </p:style>
+          <p:txBody>
+            <a:bodyPr rtlCol="0" anchor="ctr"/>
+            <a:lstStyle/>
+            <a:p>
+              <a:pPr algn="ctr"/>
+              <a:endParaRPr lang="ko-KR" altLang="en-US"/>
+            </a:p>
+          </p:txBody>
+        </p:sp>
+        <p:sp>
+          <p:nvSpPr>
+            <p:cNvPr id="314" name="타원 313"/>
+            <p:cNvSpPr/>
+            <p:nvPr/>
+          </p:nvSpPr>
+          <p:spPr>
+            <a:xfrm>
+              <a:off x="8725778" y="2344551"/>
+              <a:ext cx="257175" cy="257175"/>
+            </a:xfrm>
+            <a:prstGeom prst="ellipse">
+              <a:avLst/>
+            </a:prstGeom>
+          </p:spPr>
+          <p:style>
+            <a:lnRef idx="2">
+              <a:schemeClr val="accent1">
+                <a:shade val="50000"/>
+              </a:schemeClr>
+            </a:lnRef>
+            <a:fillRef idx="1">
+              <a:schemeClr val="accent1"/>
+            </a:fillRef>
+            <a:effectRef idx="0">
+              <a:schemeClr val="accent1"/>
+            </a:effectRef>
+            <a:fontRef idx="minor">
+              <a:schemeClr val="lt1"/>
+            </a:fontRef>
+          </p:style>
+          <p:txBody>
+            <a:bodyPr rtlCol="0" anchor="ctr"/>
+            <a:lstStyle/>
+            <a:p>
+              <a:pPr algn="ctr"/>
+              <a:endParaRPr lang="ko-KR" altLang="en-US"/>
+            </a:p>
+          </p:txBody>
+        </p:sp>
+      </p:grpSp>
+      <p:grpSp>
+        <p:nvGrpSpPr>
+          <p:cNvPr id="315" name="그룹 314"/>
+          <p:cNvGrpSpPr/>
+          <p:nvPr/>
+        </p:nvGrpSpPr>
+        <p:grpSpPr>
+          <a:xfrm>
+            <a:off x="7359160" y="3996352"/>
+            <a:ext cx="1459936" cy="243077"/>
+            <a:chOff x="7409744" y="2344551"/>
+            <a:chExt cx="1573209" cy="261937"/>
+          </a:xfrm>
+        </p:grpSpPr>
+        <p:sp>
+          <p:nvSpPr>
+            <p:cNvPr id="316" name="타원 315"/>
+            <p:cNvSpPr/>
+            <p:nvPr/>
+          </p:nvSpPr>
+          <p:spPr>
+            <a:xfrm>
+              <a:off x="7409744" y="2349313"/>
+              <a:ext cx="257175" cy="257175"/>
+            </a:xfrm>
+            <a:prstGeom prst="ellipse">
+              <a:avLst/>
+            </a:prstGeom>
+            <a:solidFill>
+              <a:srgbClr val="182D42"/>
+            </a:solidFill>
+          </p:spPr>
+          <p:style>
+            <a:lnRef idx="2">
+              <a:schemeClr val="accent1">
+                <a:shade val="50000"/>
+              </a:schemeClr>
+            </a:lnRef>
+            <a:fillRef idx="1">
+              <a:schemeClr val="accent1"/>
+            </a:fillRef>
+            <a:effectRef idx="0">
+              <a:schemeClr val="accent1"/>
+            </a:effectRef>
+            <a:fontRef idx="minor">
+              <a:schemeClr val="lt1"/>
+            </a:fontRef>
+          </p:style>
+          <p:txBody>
+            <a:bodyPr rtlCol="0" anchor="ctr"/>
+            <a:lstStyle/>
+            <a:p>
+              <a:pPr algn="ctr"/>
+              <a:endParaRPr lang="ko-KR" altLang="en-US"/>
+            </a:p>
+          </p:txBody>
+        </p:sp>
+        <p:sp>
+          <p:nvSpPr>
+            <p:cNvPr id="317" name="타원 316"/>
+            <p:cNvSpPr/>
+            <p:nvPr/>
+          </p:nvSpPr>
+          <p:spPr>
+            <a:xfrm>
+              <a:off x="7738356" y="2349312"/>
+              <a:ext cx="257175" cy="257175"/>
+            </a:xfrm>
+            <a:prstGeom prst="ellipse">
+              <a:avLst/>
+            </a:prstGeom>
+            <a:solidFill>
+              <a:srgbClr val="182D42"/>
+            </a:solidFill>
+          </p:spPr>
+          <p:style>
+            <a:lnRef idx="2">
+              <a:schemeClr val="accent1">
+                <a:shade val="50000"/>
+              </a:schemeClr>
+            </a:lnRef>
+            <a:fillRef idx="1">
+              <a:schemeClr val="accent1"/>
+            </a:fillRef>
+            <a:effectRef idx="0">
+              <a:schemeClr val="accent1"/>
+            </a:effectRef>
+            <a:fontRef idx="minor">
+              <a:schemeClr val="lt1"/>
+            </a:fontRef>
+          </p:style>
+          <p:txBody>
+            <a:bodyPr rtlCol="0" anchor="ctr"/>
+            <a:lstStyle/>
+            <a:p>
+              <a:pPr algn="ctr"/>
+              <a:endParaRPr lang="ko-KR" altLang="en-US"/>
+            </a:p>
+          </p:txBody>
+        </p:sp>
+        <p:sp>
+          <p:nvSpPr>
+            <p:cNvPr id="318" name="타원 317"/>
+            <p:cNvSpPr/>
+            <p:nvPr/>
+          </p:nvSpPr>
+          <p:spPr>
+            <a:xfrm>
+              <a:off x="8068554" y="2344551"/>
+              <a:ext cx="257175" cy="257175"/>
+            </a:xfrm>
+            <a:prstGeom prst="ellipse">
+              <a:avLst/>
+            </a:prstGeom>
+            <a:solidFill>
+              <a:srgbClr val="182D42"/>
+            </a:solidFill>
+          </p:spPr>
+          <p:style>
+            <a:lnRef idx="2">
+              <a:schemeClr val="accent1">
+                <a:shade val="50000"/>
+              </a:schemeClr>
+            </a:lnRef>
+            <a:fillRef idx="1">
+              <a:schemeClr val="accent1"/>
+            </a:fillRef>
+            <a:effectRef idx="0">
+              <a:schemeClr val="accent1"/>
+            </a:effectRef>
+            <a:fontRef idx="minor">
+              <a:schemeClr val="lt1"/>
+            </a:fontRef>
+          </p:style>
+          <p:txBody>
+            <a:bodyPr rtlCol="0" anchor="ctr"/>
+            <a:lstStyle/>
+            <a:p>
+              <a:pPr algn="ctr"/>
+              <a:endParaRPr lang="ko-KR" altLang="en-US"/>
+            </a:p>
+          </p:txBody>
+        </p:sp>
+        <p:sp>
+          <p:nvSpPr>
+            <p:cNvPr id="319" name="타원 318"/>
+            <p:cNvSpPr/>
+            <p:nvPr/>
+          </p:nvSpPr>
+          <p:spPr>
+            <a:xfrm>
+              <a:off x="8397166" y="2344551"/>
+              <a:ext cx="257175" cy="257175"/>
+            </a:xfrm>
+            <a:prstGeom prst="ellipse">
+              <a:avLst/>
+            </a:prstGeom>
+          </p:spPr>
+          <p:style>
+            <a:lnRef idx="2">
+              <a:schemeClr val="accent1">
+                <a:shade val="50000"/>
+              </a:schemeClr>
+            </a:lnRef>
+            <a:fillRef idx="1">
+              <a:schemeClr val="accent1"/>
+            </a:fillRef>
+            <a:effectRef idx="0">
+              <a:schemeClr val="accent1"/>
+            </a:effectRef>
+            <a:fontRef idx="minor">
+              <a:schemeClr val="lt1"/>
+            </a:fontRef>
+          </p:style>
+          <p:txBody>
+            <a:bodyPr rtlCol="0" anchor="ctr"/>
+            <a:lstStyle/>
+            <a:p>
+              <a:pPr algn="ctr"/>
+              <a:endParaRPr lang="ko-KR" altLang="en-US"/>
+            </a:p>
+          </p:txBody>
+        </p:sp>
+        <p:sp>
+          <p:nvSpPr>
+            <p:cNvPr id="320" name="타원 319"/>
+            <p:cNvSpPr/>
+            <p:nvPr/>
+          </p:nvSpPr>
+          <p:spPr>
+            <a:xfrm>
+              <a:off x="8725778" y="2344551"/>
+              <a:ext cx="257175" cy="257175"/>
+            </a:xfrm>
+            <a:prstGeom prst="ellipse">
+              <a:avLst/>
+            </a:prstGeom>
+          </p:spPr>
+          <p:style>
+            <a:lnRef idx="2">
+              <a:schemeClr val="accent1">
+                <a:shade val="50000"/>
+              </a:schemeClr>
+            </a:lnRef>
+            <a:fillRef idx="1">
+              <a:schemeClr val="accent1"/>
+            </a:fillRef>
+            <a:effectRef idx="0">
+              <a:schemeClr val="accent1"/>
+            </a:effectRef>
+            <a:fontRef idx="minor">
+              <a:schemeClr val="lt1"/>
+            </a:fontRef>
+          </p:style>
+          <p:txBody>
+            <a:bodyPr rtlCol="0" anchor="ctr"/>
+            <a:lstStyle/>
+            <a:p>
+              <a:pPr algn="ctr"/>
+              <a:endParaRPr lang="ko-KR" altLang="en-US"/>
+            </a:p>
+          </p:txBody>
+        </p:sp>
+      </p:grpSp>
+      <p:grpSp>
+        <p:nvGrpSpPr>
+          <p:cNvPr id="321" name="그룹 320"/>
+          <p:cNvGrpSpPr/>
+          <p:nvPr/>
+        </p:nvGrpSpPr>
+        <p:grpSpPr>
+          <a:xfrm>
+            <a:off x="7359160" y="4985573"/>
+            <a:ext cx="1459936" cy="243077"/>
+            <a:chOff x="7409744" y="2344551"/>
+            <a:chExt cx="1573209" cy="261937"/>
+          </a:xfrm>
+        </p:grpSpPr>
+        <p:sp>
+          <p:nvSpPr>
+            <p:cNvPr id="322" name="타원 321"/>
+            <p:cNvSpPr/>
+            <p:nvPr/>
+          </p:nvSpPr>
+          <p:spPr>
+            <a:xfrm>
+              <a:off x="7409744" y="2349313"/>
+              <a:ext cx="257175" cy="257175"/>
+            </a:xfrm>
+            <a:prstGeom prst="ellipse">
+              <a:avLst/>
+            </a:prstGeom>
+            <a:solidFill>
+              <a:srgbClr val="182D42"/>
+            </a:solidFill>
+          </p:spPr>
+          <p:style>
+            <a:lnRef idx="2">
+              <a:schemeClr val="accent1">
+                <a:shade val="50000"/>
+              </a:schemeClr>
+            </a:lnRef>
+            <a:fillRef idx="1">
+              <a:schemeClr val="accent1"/>
+            </a:fillRef>
+            <a:effectRef idx="0">
+              <a:schemeClr val="accent1"/>
+            </a:effectRef>
+            <a:fontRef idx="minor">
+              <a:schemeClr val="lt1"/>
+            </a:fontRef>
+          </p:style>
+          <p:txBody>
+            <a:bodyPr rtlCol="0" anchor="ctr"/>
+            <a:lstStyle/>
+            <a:p>
+              <a:pPr algn="ctr"/>
+              <a:endParaRPr lang="ko-KR" altLang="en-US"/>
+            </a:p>
+          </p:txBody>
+        </p:sp>
+        <p:sp>
+          <p:nvSpPr>
+            <p:cNvPr id="323" name="타원 322"/>
+            <p:cNvSpPr/>
+            <p:nvPr/>
+          </p:nvSpPr>
+          <p:spPr>
+            <a:xfrm>
+              <a:off x="7738356" y="2349312"/>
+              <a:ext cx="257175" cy="257175"/>
+            </a:xfrm>
+            <a:prstGeom prst="ellipse">
+              <a:avLst/>
+            </a:prstGeom>
+            <a:solidFill>
+              <a:srgbClr val="5B9BD5"/>
+            </a:solidFill>
+          </p:spPr>
+          <p:style>
+            <a:lnRef idx="2">
+              <a:schemeClr val="accent1">
+                <a:shade val="50000"/>
+              </a:schemeClr>
+            </a:lnRef>
+            <a:fillRef idx="1">
+              <a:schemeClr val="accent1"/>
+            </a:fillRef>
+            <a:effectRef idx="0">
+              <a:schemeClr val="accent1"/>
+            </a:effectRef>
+            <a:fontRef idx="minor">
+              <a:schemeClr val="lt1"/>
+            </a:fontRef>
+          </p:style>
+          <p:txBody>
+            <a:bodyPr rtlCol="0" anchor="ctr"/>
+            <a:lstStyle/>
+            <a:p>
+              <a:pPr algn="ctr"/>
+              <a:endParaRPr lang="ko-KR" altLang="en-US"/>
+            </a:p>
+          </p:txBody>
+        </p:sp>
+        <p:sp>
+          <p:nvSpPr>
+            <p:cNvPr id="324" name="타원 323"/>
+            <p:cNvSpPr/>
+            <p:nvPr/>
+          </p:nvSpPr>
+          <p:spPr>
+            <a:xfrm>
+              <a:off x="8068554" y="2344551"/>
+              <a:ext cx="257175" cy="257175"/>
+            </a:xfrm>
+            <a:prstGeom prst="ellipse">
+              <a:avLst/>
+            </a:prstGeom>
+            <a:solidFill>
+              <a:srgbClr val="5B9BD5"/>
+            </a:solidFill>
+          </p:spPr>
+          <p:style>
+            <a:lnRef idx="2">
+              <a:schemeClr val="accent1">
+                <a:shade val="50000"/>
+              </a:schemeClr>
+            </a:lnRef>
+            <a:fillRef idx="1">
+              <a:schemeClr val="accent1"/>
+            </a:fillRef>
+            <a:effectRef idx="0">
+              <a:schemeClr val="accent1"/>
+            </a:effectRef>
+            <a:fontRef idx="minor">
+              <a:schemeClr val="lt1"/>
+            </a:fontRef>
+          </p:style>
+          <p:txBody>
+            <a:bodyPr rtlCol="0" anchor="ctr"/>
+            <a:lstStyle/>
+            <a:p>
+              <a:pPr algn="ctr"/>
+              <a:endParaRPr lang="ko-KR" altLang="en-US"/>
+            </a:p>
+          </p:txBody>
+        </p:sp>
+        <p:sp>
+          <p:nvSpPr>
+            <p:cNvPr id="325" name="타원 324"/>
+            <p:cNvSpPr/>
+            <p:nvPr/>
+          </p:nvSpPr>
+          <p:spPr>
+            <a:xfrm>
+              <a:off x="8397166" y="2344551"/>
+              <a:ext cx="257175" cy="257175"/>
+            </a:xfrm>
+            <a:prstGeom prst="ellipse">
+              <a:avLst/>
+            </a:prstGeom>
+          </p:spPr>
+          <p:style>
+            <a:lnRef idx="2">
+              <a:schemeClr val="accent1">
+                <a:shade val="50000"/>
+              </a:schemeClr>
+            </a:lnRef>
+            <a:fillRef idx="1">
+              <a:schemeClr val="accent1"/>
+            </a:fillRef>
+            <a:effectRef idx="0">
+              <a:schemeClr val="accent1"/>
+            </a:effectRef>
+            <a:fontRef idx="minor">
+              <a:schemeClr val="lt1"/>
+            </a:fontRef>
+          </p:style>
+          <p:txBody>
+            <a:bodyPr rtlCol="0" anchor="ctr"/>
+            <a:lstStyle/>
+            <a:p>
+              <a:pPr algn="ctr"/>
+              <a:endParaRPr lang="ko-KR" altLang="en-US"/>
+            </a:p>
+          </p:txBody>
+        </p:sp>
+        <p:sp>
+          <p:nvSpPr>
+            <p:cNvPr id="326" name="타원 325"/>
+            <p:cNvSpPr/>
+            <p:nvPr/>
+          </p:nvSpPr>
+          <p:spPr>
+            <a:xfrm>
+              <a:off x="8725778" y="2344551"/>
+              <a:ext cx="257175" cy="257175"/>
+            </a:xfrm>
+            <a:prstGeom prst="ellipse">
+              <a:avLst/>
+            </a:prstGeom>
+          </p:spPr>
+          <p:style>
+            <a:lnRef idx="2">
+              <a:schemeClr val="accent1">
+                <a:shade val="50000"/>
+              </a:schemeClr>
+            </a:lnRef>
+            <a:fillRef idx="1">
+              <a:schemeClr val="accent1"/>
+            </a:fillRef>
+            <a:effectRef idx="0">
+              <a:schemeClr val="accent1"/>
+            </a:effectRef>
+            <a:fontRef idx="minor">
+              <a:schemeClr val="lt1"/>
+            </a:fontRef>
+          </p:style>
+          <p:txBody>
+            <a:bodyPr rtlCol="0" anchor="ctr"/>
+            <a:lstStyle/>
+            <a:p>
+              <a:pPr algn="ctr"/>
+              <a:endParaRPr lang="ko-KR" altLang="en-US"/>
+            </a:p>
+          </p:txBody>
+        </p:sp>
+      </p:grpSp>
+      <p:grpSp>
+        <p:nvGrpSpPr>
+          <p:cNvPr id="327" name="그룹 326"/>
+          <p:cNvGrpSpPr/>
+          <p:nvPr/>
+        </p:nvGrpSpPr>
+        <p:grpSpPr>
+          <a:xfrm>
+            <a:off x="3327923" y="6111169"/>
+            <a:ext cx="1459936" cy="243077"/>
+            <a:chOff x="7409744" y="2344551"/>
+            <a:chExt cx="1573209" cy="261937"/>
+          </a:xfrm>
+        </p:grpSpPr>
+        <p:sp>
+          <p:nvSpPr>
+            <p:cNvPr id="328" name="타원 327"/>
+            <p:cNvSpPr/>
+            <p:nvPr/>
+          </p:nvSpPr>
+          <p:spPr>
+            <a:xfrm>
+              <a:off x="7409744" y="2349313"/>
+              <a:ext cx="257175" cy="257175"/>
+            </a:xfrm>
+            <a:prstGeom prst="ellipse">
+              <a:avLst/>
+            </a:prstGeom>
+            <a:solidFill>
+              <a:srgbClr val="182D42"/>
+            </a:solidFill>
+          </p:spPr>
+          <p:style>
+            <a:lnRef idx="2">
+              <a:schemeClr val="accent1">
+                <a:shade val="50000"/>
+              </a:schemeClr>
+            </a:lnRef>
+            <a:fillRef idx="1">
+              <a:schemeClr val="accent1"/>
+            </a:fillRef>
+            <a:effectRef idx="0">
+              <a:schemeClr val="accent1"/>
+            </a:effectRef>
+            <a:fontRef idx="minor">
+              <a:schemeClr val="lt1"/>
+            </a:fontRef>
+          </p:style>
+          <p:txBody>
+            <a:bodyPr rtlCol="0" anchor="ctr"/>
+            <a:lstStyle/>
+            <a:p>
+              <a:pPr algn="ctr"/>
+              <a:endParaRPr lang="ko-KR" altLang="en-US"/>
+            </a:p>
+          </p:txBody>
+        </p:sp>
+        <p:sp>
+          <p:nvSpPr>
+            <p:cNvPr id="329" name="타원 328"/>
+            <p:cNvSpPr/>
+            <p:nvPr/>
+          </p:nvSpPr>
+          <p:spPr>
+            <a:xfrm>
+              <a:off x="7738356" y="2349312"/>
+              <a:ext cx="257175" cy="257175"/>
+            </a:xfrm>
+            <a:prstGeom prst="ellipse">
+              <a:avLst/>
+            </a:prstGeom>
+            <a:solidFill>
+              <a:srgbClr val="182D42"/>
+            </a:solidFill>
+          </p:spPr>
+          <p:style>
+            <a:lnRef idx="2">
+              <a:schemeClr val="accent1">
+                <a:shade val="50000"/>
+              </a:schemeClr>
+            </a:lnRef>
+            <a:fillRef idx="1">
+              <a:schemeClr val="accent1"/>
+            </a:fillRef>
+            <a:effectRef idx="0">
+              <a:schemeClr val="accent1"/>
+            </a:effectRef>
+            <a:fontRef idx="minor">
+              <a:schemeClr val="lt1"/>
+            </a:fontRef>
+          </p:style>
+          <p:txBody>
+            <a:bodyPr rtlCol="0" anchor="ctr"/>
+            <a:lstStyle/>
+            <a:p>
+              <a:pPr algn="ctr"/>
+              <a:endParaRPr lang="ko-KR" altLang="en-US"/>
+            </a:p>
+          </p:txBody>
+        </p:sp>
+        <p:sp>
+          <p:nvSpPr>
+            <p:cNvPr id="330" name="타원 329"/>
+            <p:cNvSpPr/>
+            <p:nvPr/>
+          </p:nvSpPr>
+          <p:spPr>
+            <a:xfrm>
+              <a:off x="8068554" y="2344551"/>
+              <a:ext cx="257175" cy="257175"/>
+            </a:xfrm>
+            <a:prstGeom prst="ellipse">
+              <a:avLst/>
+            </a:prstGeom>
+            <a:solidFill>
+              <a:srgbClr val="182D42"/>
+            </a:solidFill>
+          </p:spPr>
+          <p:style>
+            <a:lnRef idx="2">
+              <a:schemeClr val="accent1">
+                <a:shade val="50000"/>
+              </a:schemeClr>
+            </a:lnRef>
+            <a:fillRef idx="1">
+              <a:schemeClr val="accent1"/>
+            </a:fillRef>
+            <a:effectRef idx="0">
+              <a:schemeClr val="accent1"/>
+            </a:effectRef>
+            <a:fontRef idx="minor">
+              <a:schemeClr val="lt1"/>
+            </a:fontRef>
+          </p:style>
+          <p:txBody>
+            <a:bodyPr rtlCol="0" anchor="ctr"/>
+            <a:lstStyle/>
+            <a:p>
+              <a:pPr algn="ctr"/>
+              <a:endParaRPr lang="ko-KR" altLang="en-US"/>
+            </a:p>
+          </p:txBody>
+        </p:sp>
+        <p:sp>
+          <p:nvSpPr>
+            <p:cNvPr id="331" name="타원 330"/>
+            <p:cNvSpPr/>
+            <p:nvPr/>
+          </p:nvSpPr>
+          <p:spPr>
+            <a:xfrm>
+              <a:off x="8397166" y="2344551"/>
+              <a:ext cx="257175" cy="257175"/>
+            </a:xfrm>
+            <a:prstGeom prst="ellipse">
+              <a:avLst/>
+            </a:prstGeom>
+          </p:spPr>
+          <p:style>
+            <a:lnRef idx="2">
+              <a:schemeClr val="accent1">
+                <a:shade val="50000"/>
+              </a:schemeClr>
+            </a:lnRef>
+            <a:fillRef idx="1">
+              <a:schemeClr val="accent1"/>
+            </a:fillRef>
+            <a:effectRef idx="0">
+              <a:schemeClr val="accent1"/>
+            </a:effectRef>
+            <a:fontRef idx="minor">
+              <a:schemeClr val="lt1"/>
+            </a:fontRef>
+          </p:style>
+          <p:txBody>
+            <a:bodyPr rtlCol="0" anchor="ctr"/>
+            <a:lstStyle/>
+            <a:p>
+              <a:pPr algn="ctr"/>
+              <a:endParaRPr lang="ko-KR" altLang="en-US"/>
+            </a:p>
+          </p:txBody>
+        </p:sp>
+        <p:sp>
+          <p:nvSpPr>
+            <p:cNvPr id="332" name="타원 331"/>
+            <p:cNvSpPr/>
+            <p:nvPr/>
+          </p:nvSpPr>
+          <p:spPr>
+            <a:xfrm>
+              <a:off x="8725778" y="2344551"/>
+              <a:ext cx="257175" cy="257175"/>
+            </a:xfrm>
+            <a:prstGeom prst="ellipse">
+              <a:avLst/>
+            </a:prstGeom>
+          </p:spPr>
+          <p:style>
+            <a:lnRef idx="2">
+              <a:schemeClr val="accent1">
+                <a:shade val="50000"/>
+              </a:schemeClr>
+            </a:lnRef>
+            <a:fillRef idx="1">
+              <a:schemeClr val="accent1"/>
+            </a:fillRef>
+            <a:effectRef idx="0">
+              <a:schemeClr val="accent1"/>
+            </a:effectRef>
+            <a:fontRef idx="minor">
+              <a:schemeClr val="lt1"/>
+            </a:fontRef>
+          </p:style>
+          <p:txBody>
+            <a:bodyPr rtlCol="0" anchor="ctr"/>
+            <a:lstStyle/>
+            <a:p>
+              <a:pPr algn="ctr"/>
+              <a:endParaRPr lang="ko-KR" altLang="en-US"/>
+            </a:p>
+          </p:txBody>
+        </p:sp>
+      </p:grpSp>
+      <p:grpSp>
+        <p:nvGrpSpPr>
+          <p:cNvPr id="333" name="그룹 332"/>
+          <p:cNvGrpSpPr/>
+          <p:nvPr/>
+        </p:nvGrpSpPr>
+        <p:grpSpPr>
+          <a:xfrm>
+            <a:off x="5310931" y="6096240"/>
+            <a:ext cx="1459936" cy="243077"/>
+            <a:chOff x="7409744" y="2344551"/>
+            <a:chExt cx="1573209" cy="261937"/>
+          </a:xfrm>
+        </p:grpSpPr>
+        <p:sp>
+          <p:nvSpPr>
+            <p:cNvPr id="334" name="타원 333"/>
+            <p:cNvSpPr/>
+            <p:nvPr/>
+          </p:nvSpPr>
+          <p:spPr>
+            <a:xfrm>
+              <a:off x="7409744" y="2349313"/>
+              <a:ext cx="257175" cy="257175"/>
+            </a:xfrm>
+            <a:prstGeom prst="ellipse">
+              <a:avLst/>
+            </a:prstGeom>
+            <a:solidFill>
+              <a:srgbClr val="182D42"/>
+            </a:solidFill>
+          </p:spPr>
+          <p:style>
+            <a:lnRef idx="2">
+              <a:schemeClr val="accent1">
+                <a:shade val="50000"/>
+              </a:schemeClr>
+            </a:lnRef>
+            <a:fillRef idx="1">
+              <a:schemeClr val="accent1"/>
+            </a:fillRef>
+            <a:effectRef idx="0">
+              <a:schemeClr val="accent1"/>
+            </a:effectRef>
+            <a:fontRef idx="minor">
+              <a:schemeClr val="lt1"/>
+            </a:fontRef>
+          </p:style>
+          <p:txBody>
+            <a:bodyPr rtlCol="0" anchor="ctr"/>
+            <a:lstStyle/>
+            <a:p>
+              <a:pPr algn="ctr"/>
+              <a:endParaRPr lang="ko-KR" altLang="en-US"/>
+            </a:p>
+          </p:txBody>
+        </p:sp>
+        <p:sp>
+          <p:nvSpPr>
+            <p:cNvPr id="335" name="타원 334"/>
+            <p:cNvSpPr/>
+            <p:nvPr/>
+          </p:nvSpPr>
+          <p:spPr>
+            <a:xfrm>
+              <a:off x="7738356" y="2349312"/>
+              <a:ext cx="257175" cy="257175"/>
+            </a:xfrm>
+            <a:prstGeom prst="ellipse">
+              <a:avLst/>
+            </a:prstGeom>
+            <a:solidFill>
+              <a:srgbClr val="182D42"/>
+            </a:solidFill>
+          </p:spPr>
+          <p:style>
+            <a:lnRef idx="2">
+              <a:schemeClr val="accent1">
+                <a:shade val="50000"/>
+              </a:schemeClr>
+            </a:lnRef>
+            <a:fillRef idx="1">
+              <a:schemeClr val="accent1"/>
+            </a:fillRef>
+            <a:effectRef idx="0">
+              <a:schemeClr val="accent1"/>
+            </a:effectRef>
+            <a:fontRef idx="minor">
+              <a:schemeClr val="lt1"/>
+            </a:fontRef>
+          </p:style>
+          <p:txBody>
+            <a:bodyPr rtlCol="0" anchor="ctr"/>
+            <a:lstStyle/>
+            <a:p>
+              <a:pPr algn="ctr"/>
+              <a:endParaRPr lang="ko-KR" altLang="en-US"/>
+            </a:p>
+          </p:txBody>
+        </p:sp>
+        <p:sp>
+          <p:nvSpPr>
+            <p:cNvPr id="336" name="타원 335"/>
+            <p:cNvSpPr/>
+            <p:nvPr/>
+          </p:nvSpPr>
+          <p:spPr>
+            <a:xfrm>
+              <a:off x="8068554" y="2344551"/>
+              <a:ext cx="257175" cy="257175"/>
+            </a:xfrm>
+            <a:prstGeom prst="ellipse">
+              <a:avLst/>
+            </a:prstGeom>
+            <a:solidFill>
+              <a:srgbClr val="182D42"/>
+            </a:solidFill>
+          </p:spPr>
+          <p:style>
+            <a:lnRef idx="2">
+              <a:schemeClr val="accent1">
+                <a:shade val="50000"/>
+              </a:schemeClr>
+            </a:lnRef>
+            <a:fillRef idx="1">
+              <a:schemeClr val="accent1"/>
+            </a:fillRef>
+            <a:effectRef idx="0">
+              <a:schemeClr val="accent1"/>
+            </a:effectRef>
+            <a:fontRef idx="minor">
+              <a:schemeClr val="lt1"/>
+            </a:fontRef>
+          </p:style>
+          <p:txBody>
+            <a:bodyPr rtlCol="0" anchor="ctr"/>
+            <a:lstStyle/>
+            <a:p>
+              <a:pPr algn="ctr"/>
+              <a:endParaRPr lang="ko-KR" altLang="en-US"/>
+            </a:p>
+          </p:txBody>
+        </p:sp>
+        <p:sp>
+          <p:nvSpPr>
+            <p:cNvPr id="337" name="타원 336"/>
+            <p:cNvSpPr/>
+            <p:nvPr/>
+          </p:nvSpPr>
+          <p:spPr>
+            <a:xfrm>
+              <a:off x="8397166" y="2344551"/>
+              <a:ext cx="257175" cy="257175"/>
+            </a:xfrm>
+            <a:prstGeom prst="ellipse">
+              <a:avLst/>
+            </a:prstGeom>
+          </p:spPr>
+          <p:style>
+            <a:lnRef idx="2">
+              <a:schemeClr val="accent1">
+                <a:shade val="50000"/>
+              </a:schemeClr>
+            </a:lnRef>
+            <a:fillRef idx="1">
+              <a:schemeClr val="accent1"/>
+            </a:fillRef>
+            <a:effectRef idx="0">
+              <a:schemeClr val="accent1"/>
+            </a:effectRef>
+            <a:fontRef idx="minor">
+              <a:schemeClr val="lt1"/>
+            </a:fontRef>
+          </p:style>
+          <p:txBody>
+            <a:bodyPr rtlCol="0" anchor="ctr"/>
+            <a:lstStyle/>
+            <a:p>
+              <a:pPr algn="ctr"/>
+              <a:endParaRPr lang="ko-KR" altLang="en-US"/>
+            </a:p>
+          </p:txBody>
+        </p:sp>
+        <p:sp>
+          <p:nvSpPr>
+            <p:cNvPr id="338" name="타원 337"/>
+            <p:cNvSpPr/>
+            <p:nvPr/>
+          </p:nvSpPr>
+          <p:spPr>
+            <a:xfrm>
+              <a:off x="8725778" y="2344551"/>
+              <a:ext cx="257175" cy="257175"/>
+            </a:xfrm>
+            <a:prstGeom prst="ellipse">
+              <a:avLst/>
+            </a:prstGeom>
+          </p:spPr>
+          <p:style>
+            <a:lnRef idx="2">
+              <a:schemeClr val="accent1">
+                <a:shade val="50000"/>
+              </a:schemeClr>
+            </a:lnRef>
+            <a:fillRef idx="1">
+              <a:schemeClr val="accent1"/>
+            </a:fillRef>
+            <a:effectRef idx="0">
+              <a:schemeClr val="accent1"/>
+            </a:effectRef>
+            <a:fontRef idx="minor">
+              <a:schemeClr val="lt1"/>
+            </a:fontRef>
+          </p:style>
+          <p:txBody>
+            <a:bodyPr rtlCol="0" anchor="ctr"/>
+            <a:lstStyle/>
+            <a:p>
+              <a:pPr algn="ctr"/>
+              <a:endParaRPr lang="ko-KR" altLang="en-US"/>
+            </a:p>
+          </p:txBody>
+        </p:sp>
+      </p:grpSp>
+      <p:grpSp>
+        <p:nvGrpSpPr>
+          <p:cNvPr id="339" name="그룹 338"/>
+          <p:cNvGrpSpPr/>
+          <p:nvPr/>
+        </p:nvGrpSpPr>
+        <p:grpSpPr>
+          <a:xfrm>
+            <a:off x="7343588" y="6096405"/>
+            <a:ext cx="1459936" cy="243077"/>
+            <a:chOff x="7409744" y="2344551"/>
+            <a:chExt cx="1573209" cy="261937"/>
+          </a:xfrm>
+        </p:grpSpPr>
+        <p:sp>
+          <p:nvSpPr>
+            <p:cNvPr id="340" name="타원 339"/>
+            <p:cNvSpPr/>
+            <p:nvPr/>
+          </p:nvSpPr>
+          <p:spPr>
+            <a:xfrm>
+              <a:off x="7409744" y="2349313"/>
+              <a:ext cx="257175" cy="257175"/>
+            </a:xfrm>
+            <a:prstGeom prst="ellipse">
+              <a:avLst/>
+            </a:prstGeom>
+            <a:solidFill>
+              <a:srgbClr val="182D42"/>
+            </a:solidFill>
+          </p:spPr>
+          <p:style>
+            <a:lnRef idx="2">
+              <a:schemeClr val="accent1">
+                <a:shade val="50000"/>
+              </a:schemeClr>
+            </a:lnRef>
+            <a:fillRef idx="1">
+              <a:schemeClr val="accent1"/>
+            </a:fillRef>
+            <a:effectRef idx="0">
+              <a:schemeClr val="accent1"/>
+            </a:effectRef>
+            <a:fontRef idx="minor">
+              <a:schemeClr val="lt1"/>
+            </a:fontRef>
+          </p:style>
+          <p:txBody>
+            <a:bodyPr rtlCol="0" anchor="ctr"/>
+            <a:lstStyle/>
+            <a:p>
+              <a:pPr algn="ctr"/>
+              <a:endParaRPr lang="ko-KR" altLang="en-US"/>
+            </a:p>
+          </p:txBody>
+        </p:sp>
+        <p:sp>
+          <p:nvSpPr>
+            <p:cNvPr id="341" name="타원 340"/>
+            <p:cNvSpPr/>
+            <p:nvPr/>
+          </p:nvSpPr>
+          <p:spPr>
+            <a:xfrm>
+              <a:off x="7738356" y="2349312"/>
+              <a:ext cx="257175" cy="257175"/>
+            </a:xfrm>
+            <a:prstGeom prst="ellipse">
+              <a:avLst/>
+            </a:prstGeom>
+            <a:solidFill>
+              <a:srgbClr val="5B9BD5"/>
+            </a:solidFill>
+          </p:spPr>
+          <p:style>
+            <a:lnRef idx="2">
+              <a:schemeClr val="accent1">
+                <a:shade val="50000"/>
+              </a:schemeClr>
+            </a:lnRef>
+            <a:fillRef idx="1">
+              <a:schemeClr val="accent1"/>
+            </a:fillRef>
+            <a:effectRef idx="0">
+              <a:schemeClr val="accent1"/>
+            </a:effectRef>
+            <a:fontRef idx="minor">
+              <a:schemeClr val="lt1"/>
+            </a:fontRef>
+          </p:style>
+          <p:txBody>
+            <a:bodyPr rtlCol="0" anchor="ctr"/>
+            <a:lstStyle/>
+            <a:p>
+              <a:pPr algn="ctr"/>
+              <a:endParaRPr lang="ko-KR" altLang="en-US"/>
+            </a:p>
+          </p:txBody>
+        </p:sp>
+        <p:sp>
+          <p:nvSpPr>
+            <p:cNvPr id="342" name="타원 341"/>
+            <p:cNvSpPr/>
+            <p:nvPr/>
+          </p:nvSpPr>
+          <p:spPr>
+            <a:xfrm>
+              <a:off x="8068554" y="2344551"/>
+              <a:ext cx="257175" cy="257175"/>
+            </a:xfrm>
+            <a:prstGeom prst="ellipse">
+              <a:avLst/>
+            </a:prstGeom>
+            <a:solidFill>
+              <a:srgbClr val="5B9BD5"/>
+            </a:solidFill>
+          </p:spPr>
+          <p:style>
+            <a:lnRef idx="2">
+              <a:schemeClr val="accent1">
+                <a:shade val="50000"/>
+              </a:schemeClr>
+            </a:lnRef>
+            <a:fillRef idx="1">
+              <a:schemeClr val="accent1"/>
+            </a:fillRef>
+            <a:effectRef idx="0">
+              <a:schemeClr val="accent1"/>
+            </a:effectRef>
+            <a:fontRef idx="minor">
+              <a:schemeClr val="lt1"/>
+            </a:fontRef>
+          </p:style>
+          <p:txBody>
+            <a:bodyPr rtlCol="0" anchor="ctr"/>
+            <a:lstStyle/>
+            <a:p>
+              <a:pPr algn="ctr"/>
+              <a:endParaRPr lang="ko-KR" altLang="en-US"/>
+            </a:p>
+          </p:txBody>
+        </p:sp>
+        <p:sp>
+          <p:nvSpPr>
+            <p:cNvPr id="343" name="타원 342"/>
+            <p:cNvSpPr/>
+            <p:nvPr/>
+          </p:nvSpPr>
+          <p:spPr>
+            <a:xfrm>
+              <a:off x="8397166" y="2344551"/>
+              <a:ext cx="257175" cy="257175"/>
+            </a:xfrm>
+            <a:prstGeom prst="ellipse">
+              <a:avLst/>
+            </a:prstGeom>
+          </p:spPr>
+          <p:style>
+            <a:lnRef idx="2">
+              <a:schemeClr val="accent1">
+                <a:shade val="50000"/>
+              </a:schemeClr>
+            </a:lnRef>
+            <a:fillRef idx="1">
+              <a:schemeClr val="accent1"/>
+            </a:fillRef>
+            <a:effectRef idx="0">
+              <a:schemeClr val="accent1"/>
+            </a:effectRef>
+            <a:fontRef idx="minor">
+              <a:schemeClr val="lt1"/>
+            </a:fontRef>
+          </p:style>
+          <p:txBody>
+            <a:bodyPr rtlCol="0" anchor="ctr"/>
+            <a:lstStyle/>
+            <a:p>
+              <a:pPr algn="ctr"/>
+              <a:endParaRPr lang="ko-KR" altLang="en-US"/>
+            </a:p>
+          </p:txBody>
+        </p:sp>
+        <p:sp>
+          <p:nvSpPr>
+            <p:cNvPr id="344" name="타원 343"/>
+            <p:cNvSpPr/>
+            <p:nvPr/>
+          </p:nvSpPr>
+          <p:spPr>
+            <a:xfrm>
+              <a:off x="8725778" y="2344551"/>
+              <a:ext cx="257175" cy="257175"/>
+            </a:xfrm>
+            <a:prstGeom prst="ellipse">
+              <a:avLst/>
+            </a:prstGeom>
+          </p:spPr>
+          <p:style>
+            <a:lnRef idx="2">
+              <a:schemeClr val="accent1">
+                <a:shade val="50000"/>
+              </a:schemeClr>
+            </a:lnRef>
+            <a:fillRef idx="1">
+              <a:schemeClr val="accent1"/>
+            </a:fillRef>
+            <a:effectRef idx="0">
+              <a:schemeClr val="accent1"/>
+            </a:effectRef>
+            <a:fontRef idx="minor">
+              <a:schemeClr val="lt1"/>
+            </a:fontRef>
+          </p:style>
+          <p:txBody>
+            <a:bodyPr rtlCol="0" anchor="ctr"/>
+            <a:lstStyle/>
+            <a:p>
+              <a:pPr algn="ctr"/>
+              <a:endParaRPr lang="ko-KR" altLang="en-US"/>
+            </a:p>
+          </p:txBody>
+        </p:sp>
+      </p:grpSp>
+    </p:spTree>
+    <p:extLst>
+      <p:ext uri="{BB962C8B-B14F-4D97-AF65-F5344CB8AC3E}">
+        <p14:creationId xmlns:p14="http://schemas.microsoft.com/office/powerpoint/2010/main" val="3656544263"/>
       </p:ext>
     </p:extLst>
   </p:cSld>

--- a/!Document/UI.pptx
+++ b/!Document/UI.pptx
@@ -10,6 +10,7 @@
     <p:sldId id="258" r:id="rId4"/>
     <p:sldId id="259" r:id="rId5"/>
     <p:sldId id="260" r:id="rId6"/>
+    <p:sldId id="262" r:id="rId7"/>
   </p:sldIdLst>
   <p:sldSz cx="12192000" cy="6858000"/>
   <p:notesSz cx="6858000" cy="9144000"/>
@@ -10399,12 +10400,12 @@
           <a:p>
             <a:pPr algn="ctr"/>
             <a:r>
-              <a:rPr lang="en-US" altLang="ko-KR" b="1" dirty="0">
+              <a:rPr lang="ko-KR" altLang="en-US" b="1" dirty="0" smtClean="0">
                 <a:solidFill>
                   <a:schemeClr val="bg1"/>
                 </a:solidFill>
               </a:rPr>
-              <a:t>Similar User</a:t>
+              <a:t>예상 평점</a:t>
             </a:r>
             <a:endParaRPr lang="ko-KR" altLang="en-US" b="1" dirty="0">
               <a:solidFill>
@@ -10463,402 +10464,6 @@
               <a:t> Games</a:t>
             </a:r>
             <a:endParaRPr lang="ko-KR" altLang="en-US" sz="2000" b="1" dirty="0"/>
-          </a:p>
-        </p:txBody>
-      </p:sp>
-      <p:sp>
-        <p:nvSpPr>
-          <p:cNvPr id="5" name="직사각형 4"/>
-          <p:cNvSpPr/>
-          <p:nvPr/>
-        </p:nvSpPr>
-        <p:spPr>
-          <a:xfrm>
-            <a:off x="6442399" y="4400233"/>
-            <a:ext cx="1807824" cy="501628"/>
-          </a:xfrm>
-          <a:prstGeom prst="rect">
-            <a:avLst/>
-          </a:prstGeom>
-        </p:spPr>
-        <p:style>
-          <a:lnRef idx="2">
-            <a:schemeClr val="accent1">
-              <a:shade val="50000"/>
-            </a:schemeClr>
-          </a:lnRef>
-          <a:fillRef idx="1">
-            <a:schemeClr val="accent1"/>
-          </a:fillRef>
-          <a:effectRef idx="0">
-            <a:schemeClr val="accent1"/>
-          </a:effectRef>
-          <a:fontRef idx="minor">
-            <a:schemeClr val="lt1"/>
-          </a:fontRef>
-        </p:style>
-        <p:txBody>
-          <a:bodyPr rtlCol="0" anchor="ctr"/>
-          <a:lstStyle/>
-          <a:p>
-            <a:pPr algn="ctr"/>
-            <a:r>
-              <a:rPr lang="ko-KR" altLang="en-US" sz="2000" dirty="0"/>
-              <a:t>잔인한  </a:t>
-            </a:r>
-            <a:r>
-              <a:rPr lang="en-US" altLang="ko-KR" sz="2000" dirty="0"/>
-              <a:t>x</a:t>
-            </a:r>
-            <a:endParaRPr lang="ko-KR" altLang="en-US" sz="2000" dirty="0"/>
-          </a:p>
-        </p:txBody>
-      </p:sp>
-      <p:sp>
-        <p:nvSpPr>
-          <p:cNvPr id="33" name="직사각형 32"/>
-          <p:cNvSpPr/>
-          <p:nvPr/>
-        </p:nvSpPr>
-        <p:spPr>
-          <a:xfrm>
-            <a:off x="8754553" y="4378800"/>
-            <a:ext cx="1807824" cy="501628"/>
-          </a:xfrm>
-          <a:prstGeom prst="rect">
-            <a:avLst/>
-          </a:prstGeom>
-        </p:spPr>
-        <p:style>
-          <a:lnRef idx="2">
-            <a:schemeClr val="accent1">
-              <a:shade val="50000"/>
-            </a:schemeClr>
-          </a:lnRef>
-          <a:fillRef idx="1">
-            <a:schemeClr val="accent1"/>
-          </a:fillRef>
-          <a:effectRef idx="0">
-            <a:schemeClr val="accent1"/>
-          </a:effectRef>
-          <a:fontRef idx="minor">
-            <a:schemeClr val="lt1"/>
-          </a:fontRef>
-        </p:style>
-        <p:txBody>
-          <a:bodyPr rtlCol="0" anchor="ctr"/>
-          <a:lstStyle/>
-          <a:p>
-            <a:pPr algn="ctr"/>
-            <a:r>
-              <a:rPr lang="ko-KR" altLang="en-US" sz="2000" dirty="0"/>
-              <a:t>액션  </a:t>
-            </a:r>
-            <a:r>
-              <a:rPr lang="en-US" altLang="ko-KR" sz="2000" dirty="0"/>
-              <a:t>x</a:t>
-            </a:r>
-            <a:endParaRPr lang="ko-KR" altLang="en-US" sz="2000" dirty="0"/>
-          </a:p>
-        </p:txBody>
-      </p:sp>
-      <p:sp>
-        <p:nvSpPr>
-          <p:cNvPr id="34" name="직사각형 33"/>
-          <p:cNvSpPr/>
-          <p:nvPr/>
-        </p:nvSpPr>
-        <p:spPr>
-          <a:xfrm>
-            <a:off x="6493889" y="5042769"/>
-            <a:ext cx="1807824" cy="501628"/>
-          </a:xfrm>
-          <a:prstGeom prst="rect">
-            <a:avLst/>
-          </a:prstGeom>
-        </p:spPr>
-        <p:style>
-          <a:lnRef idx="2">
-            <a:schemeClr val="accent1">
-              <a:shade val="50000"/>
-            </a:schemeClr>
-          </a:lnRef>
-          <a:fillRef idx="1">
-            <a:schemeClr val="accent1"/>
-          </a:fillRef>
-          <a:effectRef idx="0">
-            <a:schemeClr val="accent1"/>
-          </a:effectRef>
-          <a:fontRef idx="minor">
-            <a:schemeClr val="lt1"/>
-          </a:fontRef>
-        </p:style>
-        <p:txBody>
-          <a:bodyPr rtlCol="0" anchor="ctr"/>
-          <a:lstStyle/>
-          <a:p>
-            <a:pPr algn="ctr"/>
-            <a:r>
-              <a:rPr lang="ko-KR" altLang="en-US" sz="2000" dirty="0" err="1"/>
-              <a:t>어드벤쳐</a:t>
-            </a:r>
-            <a:r>
-              <a:rPr lang="ko-KR" altLang="en-US" sz="2000" dirty="0"/>
-              <a:t> </a:t>
-            </a:r>
-            <a:r>
-              <a:rPr lang="en-US" altLang="ko-KR" sz="2000" dirty="0"/>
-              <a:t>x</a:t>
-            </a:r>
-            <a:endParaRPr lang="ko-KR" altLang="en-US" sz="2000" dirty="0"/>
-          </a:p>
-        </p:txBody>
-      </p:sp>
-      <p:sp>
-        <p:nvSpPr>
-          <p:cNvPr id="35" name="직사각형 34"/>
-          <p:cNvSpPr/>
-          <p:nvPr/>
-        </p:nvSpPr>
-        <p:spPr>
-          <a:xfrm>
-            <a:off x="8731717" y="5015765"/>
-            <a:ext cx="1807824" cy="501628"/>
-          </a:xfrm>
-          <a:prstGeom prst="rect">
-            <a:avLst/>
-          </a:prstGeom>
-        </p:spPr>
-        <p:style>
-          <a:lnRef idx="2">
-            <a:schemeClr val="accent1">
-              <a:shade val="50000"/>
-            </a:schemeClr>
-          </a:lnRef>
-          <a:fillRef idx="1">
-            <a:schemeClr val="accent1"/>
-          </a:fillRef>
-          <a:effectRef idx="0">
-            <a:schemeClr val="accent1"/>
-          </a:effectRef>
-          <a:fontRef idx="minor">
-            <a:schemeClr val="lt1"/>
-          </a:fontRef>
-        </p:style>
-        <p:txBody>
-          <a:bodyPr rtlCol="0" anchor="ctr"/>
-          <a:lstStyle/>
-          <a:p>
-            <a:pPr algn="ctr"/>
-            <a:r>
-              <a:rPr lang="ko-KR" altLang="en-US" sz="2000" dirty="0"/>
-              <a:t>범죄  </a:t>
-            </a:r>
-            <a:r>
-              <a:rPr lang="en-US" altLang="ko-KR" sz="2000" dirty="0"/>
-              <a:t>x</a:t>
-            </a:r>
-            <a:endParaRPr lang="ko-KR" altLang="en-US" sz="2000" dirty="0"/>
-          </a:p>
-        </p:txBody>
-      </p:sp>
-      <p:sp>
-        <p:nvSpPr>
-          <p:cNvPr id="36" name="직사각형 35"/>
-          <p:cNvSpPr/>
-          <p:nvPr/>
-        </p:nvSpPr>
-        <p:spPr>
-          <a:xfrm>
-            <a:off x="6463432" y="5725253"/>
-            <a:ext cx="1807824" cy="501628"/>
-          </a:xfrm>
-          <a:prstGeom prst="rect">
-            <a:avLst/>
-          </a:prstGeom>
-        </p:spPr>
-        <p:style>
-          <a:lnRef idx="2">
-            <a:schemeClr val="accent1">
-              <a:shade val="50000"/>
-            </a:schemeClr>
-          </a:lnRef>
-          <a:fillRef idx="1">
-            <a:schemeClr val="accent1"/>
-          </a:fillRef>
-          <a:effectRef idx="0">
-            <a:schemeClr val="accent1"/>
-          </a:effectRef>
-          <a:fontRef idx="minor">
-            <a:schemeClr val="lt1"/>
-          </a:fontRef>
-        </p:style>
-        <p:txBody>
-          <a:bodyPr rtlCol="0" anchor="ctr"/>
-          <a:lstStyle/>
-          <a:p>
-            <a:pPr algn="ctr"/>
-            <a:r>
-              <a:rPr lang="en-US" altLang="ko-KR" sz="2000" dirty="0"/>
-              <a:t>TPS</a:t>
-            </a:r>
-            <a:r>
-              <a:rPr lang="ko-KR" altLang="en-US" sz="2000" dirty="0"/>
-              <a:t>  </a:t>
-            </a:r>
-            <a:r>
-              <a:rPr lang="en-US" altLang="ko-KR" sz="2000" dirty="0"/>
-              <a:t>x</a:t>
-            </a:r>
-            <a:endParaRPr lang="ko-KR" altLang="en-US" sz="2000" dirty="0"/>
-          </a:p>
-        </p:txBody>
-      </p:sp>
-      <p:sp>
-        <p:nvSpPr>
-          <p:cNvPr id="41" name="직사각형 40"/>
-          <p:cNvSpPr/>
-          <p:nvPr/>
-        </p:nvSpPr>
-        <p:spPr>
-          <a:xfrm>
-            <a:off x="8736068" y="5718749"/>
-            <a:ext cx="1807824" cy="501628"/>
-          </a:xfrm>
-          <a:prstGeom prst="rect">
-            <a:avLst/>
-          </a:prstGeom>
-        </p:spPr>
-        <p:style>
-          <a:lnRef idx="2">
-            <a:schemeClr val="accent1">
-              <a:shade val="50000"/>
-            </a:schemeClr>
-          </a:lnRef>
-          <a:fillRef idx="1">
-            <a:schemeClr val="accent1"/>
-          </a:fillRef>
-          <a:effectRef idx="0">
-            <a:schemeClr val="accent1"/>
-          </a:effectRef>
-          <a:fontRef idx="minor">
-            <a:schemeClr val="lt1"/>
-          </a:fontRef>
-        </p:style>
-        <p:txBody>
-          <a:bodyPr rtlCol="0" anchor="ctr"/>
-          <a:lstStyle/>
-          <a:p>
-            <a:pPr algn="ctr"/>
-            <a:r>
-              <a:rPr lang="ko-KR" altLang="en-US" sz="2000" dirty="0"/>
-              <a:t>슈팅  </a:t>
-            </a:r>
-            <a:r>
-              <a:rPr lang="en-US" altLang="ko-KR" sz="2000" dirty="0"/>
-              <a:t>x</a:t>
-            </a:r>
-            <a:endParaRPr lang="ko-KR" altLang="en-US" sz="2000" dirty="0"/>
-          </a:p>
-        </p:txBody>
-      </p:sp>
-      <p:sp>
-        <p:nvSpPr>
-          <p:cNvPr id="42" name="직사각형 41"/>
-          <p:cNvSpPr/>
-          <p:nvPr/>
-        </p:nvSpPr>
-        <p:spPr>
-          <a:xfrm>
-            <a:off x="6493889" y="6433755"/>
-            <a:ext cx="1807824" cy="501628"/>
-          </a:xfrm>
-          <a:prstGeom prst="rect">
-            <a:avLst/>
-          </a:prstGeom>
-        </p:spPr>
-        <p:style>
-          <a:lnRef idx="2">
-            <a:schemeClr val="accent1">
-              <a:shade val="50000"/>
-            </a:schemeClr>
-          </a:lnRef>
-          <a:fillRef idx="1">
-            <a:schemeClr val="accent1"/>
-          </a:fillRef>
-          <a:effectRef idx="0">
-            <a:schemeClr val="accent1"/>
-          </a:effectRef>
-          <a:fontRef idx="minor">
-            <a:schemeClr val="lt1"/>
-          </a:fontRef>
-        </p:style>
-        <p:txBody>
-          <a:bodyPr rtlCol="0" anchor="ctr"/>
-          <a:lstStyle/>
-          <a:p>
-            <a:pPr algn="ctr"/>
-            <a:r>
-              <a:rPr lang="ko-KR" altLang="en-US" sz="2000" dirty="0"/>
-              <a:t>레이싱  </a:t>
-            </a:r>
-            <a:r>
-              <a:rPr lang="en-US" altLang="ko-KR" sz="2000" dirty="0"/>
-              <a:t>x</a:t>
-            </a:r>
-            <a:endParaRPr lang="ko-KR" altLang="en-US" sz="2000" dirty="0"/>
-          </a:p>
-        </p:txBody>
-      </p:sp>
-      <p:sp>
-        <p:nvSpPr>
-          <p:cNvPr id="43" name="직사각형 42"/>
-          <p:cNvSpPr/>
-          <p:nvPr/>
-        </p:nvSpPr>
-        <p:spPr>
-          <a:xfrm>
-            <a:off x="8726812" y="6433755"/>
-            <a:ext cx="1807824" cy="501628"/>
-          </a:xfrm>
-          <a:prstGeom prst="rect">
-            <a:avLst/>
-          </a:prstGeom>
-        </p:spPr>
-        <p:style>
-          <a:lnRef idx="2">
-            <a:schemeClr val="accent1">
-              <a:shade val="50000"/>
-            </a:schemeClr>
-          </a:lnRef>
-          <a:fillRef idx="1">
-            <a:schemeClr val="accent1"/>
-          </a:fillRef>
-          <a:effectRef idx="0">
-            <a:schemeClr val="accent1"/>
-          </a:effectRef>
-          <a:fontRef idx="minor">
-            <a:schemeClr val="lt1"/>
-          </a:fontRef>
-        </p:style>
-        <p:txBody>
-          <a:bodyPr rtlCol="0" anchor="ctr"/>
-          <a:lstStyle/>
-          <a:p>
-            <a:pPr algn="ctr"/>
-            <a:r>
-              <a:rPr lang="ko-KR" altLang="en-US" sz="2000" dirty="0" err="1"/>
-              <a:t>샌드박스</a:t>
-            </a:r>
-            <a:r>
-              <a:rPr lang="ko-KR" altLang="en-US" sz="2000" dirty="0"/>
-              <a:t> </a:t>
-            </a:r>
-            <a:r>
-              <a:rPr lang="en-US" altLang="ko-KR" sz="2000" dirty="0"/>
-              <a:t>x</a:t>
-            </a:r>
-            <a:endParaRPr lang="ko-KR" altLang="en-US" sz="2000" dirty="0"/>
           </a:p>
         </p:txBody>
       </p:sp>
@@ -11089,11 +10694,7 @@
           <a:p>
             <a:pPr algn="ctr"/>
             <a:r>
-              <a:rPr lang="ko-KR" altLang="en-US" sz="2000" dirty="0"/>
-              <a:t> </a:t>
-            </a:r>
-            <a:r>
-              <a:rPr lang="en-US" altLang="ko-KR" sz="2000" dirty="0"/>
+              <a:rPr lang="en-US" altLang="ko-KR" sz="2000" dirty="0" smtClean="0"/>
               <a:t>x</a:t>
             </a:r>
             <a:endParaRPr lang="ko-KR" altLang="en-US" sz="2000" dirty="0"/>
@@ -11126,12 +10727,20 @@
           <a:p>
             <a:pPr algn="ctr"/>
             <a:r>
-              <a:rPr lang="en-US" altLang="ko-KR" b="1" dirty="0">
+              <a:rPr lang="ko-KR" altLang="en-US" b="1" dirty="0" smtClean="0">
                 <a:solidFill>
                   <a:schemeClr val="bg1"/>
                 </a:solidFill>
               </a:rPr>
-              <a:t>Total User</a:t>
+              <a:t>전체 </a:t>
+            </a:r>
+            <a:r>
+              <a:rPr lang="ko-KR" altLang="en-US" b="1" dirty="0" smtClean="0">
+                <a:solidFill>
+                  <a:schemeClr val="bg1"/>
+                </a:solidFill>
+              </a:rPr>
+              <a:t>평점</a:t>
             </a:r>
             <a:endParaRPr lang="ko-KR" altLang="en-US" b="1" dirty="0">
               <a:solidFill>
@@ -11141,6 +10750,375 @@
           </a:p>
         </p:txBody>
       </p:sp>
+      <p:grpSp>
+        <p:nvGrpSpPr>
+          <p:cNvPr id="51" name="그룹 50"/>
+          <p:cNvGrpSpPr/>
+          <p:nvPr/>
+        </p:nvGrpSpPr>
+        <p:grpSpPr>
+          <a:xfrm>
+            <a:off x="6617696" y="4370996"/>
+            <a:ext cx="4103725" cy="2535265"/>
+            <a:chOff x="6440251" y="4370996"/>
+            <a:chExt cx="4103725" cy="2535265"/>
+          </a:xfrm>
+        </p:grpSpPr>
+        <p:sp>
+          <p:nvSpPr>
+            <p:cNvPr id="52" name="직사각형 51"/>
+            <p:cNvSpPr/>
+            <p:nvPr/>
+          </p:nvSpPr>
+          <p:spPr>
+            <a:xfrm>
+              <a:off x="8733896" y="5716546"/>
+              <a:ext cx="1807824" cy="501628"/>
+            </a:xfrm>
+            <a:prstGeom prst="rect">
+              <a:avLst/>
+            </a:prstGeom>
+          </p:spPr>
+          <p:style>
+            <a:lnRef idx="2">
+              <a:schemeClr val="accent1">
+                <a:shade val="50000"/>
+              </a:schemeClr>
+            </a:lnRef>
+            <a:fillRef idx="1">
+              <a:schemeClr val="accent1"/>
+            </a:fillRef>
+            <a:effectRef idx="0">
+              <a:schemeClr val="accent1"/>
+            </a:effectRef>
+            <a:fontRef idx="minor">
+              <a:schemeClr val="lt1"/>
+            </a:fontRef>
+          </p:style>
+          <p:txBody>
+            <a:bodyPr rtlCol="0" anchor="ctr"/>
+            <a:lstStyle/>
+            <a:p>
+              <a:pPr algn="ctr"/>
+              <a:r>
+                <a:rPr lang="ko-KR" altLang="en-US" sz="2000" dirty="0" smtClean="0"/>
+                <a:t>슈팅</a:t>
+              </a:r>
+              <a:endParaRPr lang="ko-KR" altLang="en-US" sz="2000" dirty="0"/>
+            </a:p>
+          </p:txBody>
+        </p:sp>
+        <p:sp>
+          <p:nvSpPr>
+            <p:cNvPr id="55" name="직사각형 54"/>
+            <p:cNvSpPr/>
+            <p:nvPr/>
+          </p:nvSpPr>
+          <p:spPr>
+            <a:xfrm>
+              <a:off x="6440251" y="6404633"/>
+              <a:ext cx="1807824" cy="501628"/>
+            </a:xfrm>
+            <a:prstGeom prst="rect">
+              <a:avLst/>
+            </a:prstGeom>
+          </p:spPr>
+          <p:style>
+            <a:lnRef idx="2">
+              <a:schemeClr val="accent1">
+                <a:shade val="50000"/>
+              </a:schemeClr>
+            </a:lnRef>
+            <a:fillRef idx="1">
+              <a:schemeClr val="accent1"/>
+            </a:fillRef>
+            <a:effectRef idx="0">
+              <a:schemeClr val="accent1"/>
+            </a:effectRef>
+            <a:fontRef idx="minor">
+              <a:schemeClr val="lt1"/>
+            </a:fontRef>
+          </p:style>
+          <p:txBody>
+            <a:bodyPr rtlCol="0" anchor="ctr"/>
+            <a:lstStyle/>
+            <a:p>
+              <a:pPr algn="ctr"/>
+              <a:r>
+                <a:rPr lang="ko-KR" altLang="en-US" sz="2000" dirty="0" smtClean="0"/>
+                <a:t>레이싱</a:t>
+              </a:r>
+              <a:endParaRPr lang="ko-KR" altLang="en-US" sz="2000" dirty="0"/>
+            </a:p>
+          </p:txBody>
+        </p:sp>
+        <p:sp>
+          <p:nvSpPr>
+            <p:cNvPr id="56" name="직사각형 55"/>
+            <p:cNvSpPr/>
+            <p:nvPr/>
+          </p:nvSpPr>
+          <p:spPr>
+            <a:xfrm>
+              <a:off x="8733896" y="6397983"/>
+              <a:ext cx="1807824" cy="501628"/>
+            </a:xfrm>
+            <a:prstGeom prst="rect">
+              <a:avLst/>
+            </a:prstGeom>
+          </p:spPr>
+          <p:style>
+            <a:lnRef idx="2">
+              <a:schemeClr val="accent1">
+                <a:shade val="50000"/>
+              </a:schemeClr>
+            </a:lnRef>
+            <a:fillRef idx="1">
+              <a:schemeClr val="accent1"/>
+            </a:fillRef>
+            <a:effectRef idx="0">
+              <a:schemeClr val="accent1"/>
+            </a:effectRef>
+            <a:fontRef idx="minor">
+              <a:schemeClr val="lt1"/>
+            </a:fontRef>
+          </p:style>
+          <p:txBody>
+            <a:bodyPr rtlCol="0" anchor="ctr"/>
+            <a:lstStyle/>
+            <a:p>
+              <a:pPr algn="ctr"/>
+              <a:r>
+                <a:rPr lang="ko-KR" altLang="en-US" sz="2000" dirty="0" err="1" smtClean="0"/>
+                <a:t>샌드박스</a:t>
+              </a:r>
+              <a:endParaRPr lang="ko-KR" altLang="en-US" sz="2000" dirty="0"/>
+            </a:p>
+          </p:txBody>
+        </p:sp>
+        <p:sp>
+          <p:nvSpPr>
+            <p:cNvPr id="57" name="직사각형 56"/>
+            <p:cNvSpPr/>
+            <p:nvPr/>
+          </p:nvSpPr>
+          <p:spPr>
+            <a:xfrm>
+              <a:off x="6450796" y="4375118"/>
+              <a:ext cx="1807824" cy="501628"/>
+            </a:xfrm>
+            <a:prstGeom prst="rect">
+              <a:avLst/>
+            </a:prstGeom>
+          </p:spPr>
+          <p:style>
+            <a:lnRef idx="2">
+              <a:schemeClr val="accent1">
+                <a:shade val="50000"/>
+              </a:schemeClr>
+            </a:lnRef>
+            <a:fillRef idx="1">
+              <a:schemeClr val="accent1"/>
+            </a:fillRef>
+            <a:effectRef idx="0">
+              <a:schemeClr val="accent1"/>
+            </a:effectRef>
+            <a:fontRef idx="minor">
+              <a:schemeClr val="lt1"/>
+            </a:fontRef>
+          </p:style>
+          <p:txBody>
+            <a:bodyPr rtlCol="0" anchor="ctr"/>
+            <a:lstStyle/>
+            <a:p>
+              <a:pPr algn="ctr"/>
+              <a:r>
+                <a:rPr lang="ko-KR" altLang="en-US" sz="2000" dirty="0"/>
+                <a:t>잔인한 </a:t>
+              </a:r>
+            </a:p>
+          </p:txBody>
+        </p:sp>
+        <p:sp>
+          <p:nvSpPr>
+            <p:cNvPr id="59" name="직사각형 58"/>
+            <p:cNvSpPr/>
+            <p:nvPr/>
+          </p:nvSpPr>
+          <p:spPr>
+            <a:xfrm>
+              <a:off x="8736152" y="4370996"/>
+              <a:ext cx="1807824" cy="501628"/>
+            </a:xfrm>
+            <a:prstGeom prst="rect">
+              <a:avLst/>
+            </a:prstGeom>
+          </p:spPr>
+          <p:style>
+            <a:lnRef idx="2">
+              <a:schemeClr val="accent1">
+                <a:shade val="50000"/>
+              </a:schemeClr>
+            </a:lnRef>
+            <a:fillRef idx="1">
+              <a:schemeClr val="accent1"/>
+            </a:fillRef>
+            <a:effectRef idx="0">
+              <a:schemeClr val="accent1"/>
+            </a:effectRef>
+            <a:fontRef idx="minor">
+              <a:schemeClr val="lt1"/>
+            </a:fontRef>
+          </p:style>
+          <p:txBody>
+            <a:bodyPr rtlCol="0" anchor="ctr"/>
+            <a:lstStyle/>
+            <a:p>
+              <a:pPr algn="ctr"/>
+              <a:r>
+                <a:rPr lang="ko-KR" altLang="en-US" sz="2000" dirty="0" smtClean="0"/>
+                <a:t>액션</a:t>
+              </a:r>
+              <a:endParaRPr lang="ko-KR" altLang="en-US" sz="2000" dirty="0"/>
+            </a:p>
+          </p:txBody>
+        </p:sp>
+        <p:sp>
+          <p:nvSpPr>
+            <p:cNvPr id="60" name="직사각형 59"/>
+            <p:cNvSpPr/>
+            <p:nvPr/>
+          </p:nvSpPr>
+          <p:spPr>
+            <a:xfrm>
+              <a:off x="6440335" y="5017654"/>
+              <a:ext cx="1807824" cy="501628"/>
+            </a:xfrm>
+            <a:prstGeom prst="rect">
+              <a:avLst/>
+            </a:prstGeom>
+          </p:spPr>
+          <p:style>
+            <a:lnRef idx="2">
+              <a:schemeClr val="accent1">
+                <a:shade val="50000"/>
+              </a:schemeClr>
+            </a:lnRef>
+            <a:fillRef idx="1">
+              <a:schemeClr val="accent1"/>
+            </a:fillRef>
+            <a:effectRef idx="0">
+              <a:schemeClr val="accent1"/>
+            </a:effectRef>
+            <a:fontRef idx="minor">
+              <a:schemeClr val="lt1"/>
+            </a:fontRef>
+          </p:style>
+          <p:txBody>
+            <a:bodyPr rtlCol="0" anchor="ctr"/>
+            <a:lstStyle/>
+            <a:p>
+              <a:pPr algn="ctr"/>
+              <a:r>
+                <a:rPr lang="ko-KR" altLang="en-US" sz="2000" dirty="0" err="1"/>
+                <a:t>어드벤쳐</a:t>
+              </a:r>
+              <a:r>
+                <a:rPr lang="ko-KR" altLang="en-US" sz="2000" dirty="0"/>
+                <a:t> </a:t>
+              </a:r>
+            </a:p>
+          </p:txBody>
+        </p:sp>
+        <p:sp>
+          <p:nvSpPr>
+            <p:cNvPr id="61" name="직사각형 60"/>
+            <p:cNvSpPr/>
+            <p:nvPr/>
+          </p:nvSpPr>
+          <p:spPr>
+            <a:xfrm>
+              <a:off x="8733980" y="5017654"/>
+              <a:ext cx="1807824" cy="501628"/>
+            </a:xfrm>
+            <a:prstGeom prst="rect">
+              <a:avLst/>
+            </a:prstGeom>
+          </p:spPr>
+          <p:style>
+            <a:lnRef idx="2">
+              <a:schemeClr val="accent1">
+                <a:shade val="50000"/>
+              </a:schemeClr>
+            </a:lnRef>
+            <a:fillRef idx="1">
+              <a:schemeClr val="accent1"/>
+            </a:fillRef>
+            <a:effectRef idx="0">
+              <a:schemeClr val="accent1"/>
+            </a:effectRef>
+            <a:fontRef idx="minor">
+              <a:schemeClr val="lt1"/>
+            </a:fontRef>
+          </p:style>
+          <p:txBody>
+            <a:bodyPr rtlCol="0" anchor="ctr"/>
+            <a:lstStyle/>
+            <a:p>
+              <a:pPr algn="ctr"/>
+              <a:r>
+                <a:rPr lang="ko-KR" altLang="en-US" sz="2000" dirty="0" smtClean="0"/>
+                <a:t>범죄</a:t>
+              </a:r>
+              <a:endParaRPr lang="ko-KR" altLang="en-US" sz="2000" dirty="0"/>
+            </a:p>
+          </p:txBody>
+        </p:sp>
+        <p:sp>
+          <p:nvSpPr>
+            <p:cNvPr id="62" name="직사각형 61"/>
+            <p:cNvSpPr/>
+            <p:nvPr/>
+          </p:nvSpPr>
+          <p:spPr>
+            <a:xfrm>
+              <a:off x="6450796" y="5691431"/>
+              <a:ext cx="1807824" cy="501628"/>
+            </a:xfrm>
+            <a:prstGeom prst="rect">
+              <a:avLst/>
+            </a:prstGeom>
+          </p:spPr>
+          <p:style>
+            <a:lnRef idx="2">
+              <a:schemeClr val="accent1">
+                <a:shade val="50000"/>
+              </a:schemeClr>
+            </a:lnRef>
+            <a:fillRef idx="1">
+              <a:schemeClr val="accent1"/>
+            </a:fillRef>
+            <a:effectRef idx="0">
+              <a:schemeClr val="accent1"/>
+            </a:effectRef>
+            <a:fontRef idx="minor">
+              <a:schemeClr val="lt1"/>
+            </a:fontRef>
+          </p:style>
+          <p:txBody>
+            <a:bodyPr rtlCol="0" anchor="ctr"/>
+            <a:lstStyle/>
+            <a:p>
+              <a:pPr algn="ctr"/>
+              <a:r>
+                <a:rPr lang="en-US" altLang="ko-KR" sz="2000" dirty="0" smtClean="0"/>
+                <a:t>TPS</a:t>
+              </a:r>
+              <a:endParaRPr lang="ko-KR" altLang="en-US" sz="2000" dirty="0"/>
+            </a:p>
+          </p:txBody>
+        </p:sp>
+      </p:grpSp>
     </p:spTree>
     <p:extLst>
       <p:ext uri="{BB962C8B-B14F-4D97-AF65-F5344CB8AC3E}">
@@ -14991,6 +14969,1629 @@
     <p:extLst>
       <p:ext uri="{BB962C8B-B14F-4D97-AF65-F5344CB8AC3E}">
         <p14:creationId xmlns:p14="http://schemas.microsoft.com/office/powerpoint/2010/main" val="3656544263"/>
+      </p:ext>
+    </p:extLst>
+  </p:cSld>
+  <p:clrMapOvr>
+    <a:masterClrMapping/>
+  </p:clrMapOvr>
+</p:sld>
+</file>
+
+<file path=ppt/slides/slide6.xml><?xml version="1.0" encoding="utf-8"?>
+<p:sld xmlns:a="http://schemas.openxmlformats.org/drawingml/2006/main" xmlns:r="http://schemas.openxmlformats.org/officeDocument/2006/relationships" xmlns:p="http://schemas.openxmlformats.org/presentationml/2006/main">
+  <p:cSld>
+    <p:spTree>
+      <p:nvGrpSpPr>
+        <p:cNvPr id="1" name=""/>
+        <p:cNvGrpSpPr/>
+        <p:nvPr/>
+      </p:nvGrpSpPr>
+      <p:grpSpPr>
+        <a:xfrm>
+          <a:off x="0" y="0"/>
+          <a:ext cx="0" cy="0"/>
+          <a:chOff x="0" y="0"/>
+          <a:chExt cx="0" cy="0"/>
+        </a:xfrm>
+      </p:grpSpPr>
+      <p:sp>
+        <p:nvSpPr>
+          <p:cNvPr id="13" name="직사각형 12"/>
+          <p:cNvSpPr/>
+          <p:nvPr/>
+        </p:nvSpPr>
+        <p:spPr>
+          <a:xfrm>
+            <a:off x="6884" y="557383"/>
+            <a:ext cx="12192000" cy="6858000"/>
+          </a:xfrm>
+          <a:prstGeom prst="rect">
+            <a:avLst/>
+          </a:prstGeom>
+          <a:solidFill>
+            <a:srgbClr val="182D42"/>
+          </a:solidFill>
+        </p:spPr>
+        <p:style>
+          <a:lnRef idx="2">
+            <a:schemeClr val="accent1">
+              <a:shade val="50000"/>
+            </a:schemeClr>
+          </a:lnRef>
+          <a:fillRef idx="1">
+            <a:schemeClr val="accent1"/>
+          </a:fillRef>
+          <a:effectRef idx="0">
+            <a:schemeClr val="accent1"/>
+          </a:effectRef>
+          <a:fontRef idx="minor">
+            <a:schemeClr val="lt1"/>
+          </a:fontRef>
+        </p:style>
+        <p:txBody>
+          <a:bodyPr rtlCol="0" anchor="ctr"/>
+          <a:lstStyle/>
+          <a:p>
+            <a:pPr algn="ctr"/>
+            <a:endParaRPr lang="ko-KR" altLang="en-US"/>
+          </a:p>
+        </p:txBody>
+      </p:sp>
+      <p:sp>
+        <p:nvSpPr>
+          <p:cNvPr id="3" name="직사각형 2"/>
+          <p:cNvSpPr/>
+          <p:nvPr/>
+        </p:nvSpPr>
+        <p:spPr>
+          <a:xfrm>
+            <a:off x="353314" y="699951"/>
+            <a:ext cx="11499139" cy="6442306"/>
+          </a:xfrm>
+          <a:prstGeom prst="rect">
+            <a:avLst/>
+          </a:prstGeom>
+        </p:spPr>
+        <p:style>
+          <a:lnRef idx="2">
+            <a:schemeClr val="accent1">
+              <a:shade val="50000"/>
+            </a:schemeClr>
+          </a:lnRef>
+          <a:fillRef idx="1">
+            <a:schemeClr val="accent1"/>
+          </a:fillRef>
+          <a:effectRef idx="0">
+            <a:schemeClr val="accent1"/>
+          </a:effectRef>
+          <a:fontRef idx="minor">
+            <a:schemeClr val="lt1"/>
+          </a:fontRef>
+        </p:style>
+        <p:txBody>
+          <a:bodyPr rtlCol="0" anchor="ctr"/>
+          <a:lstStyle/>
+          <a:p>
+            <a:pPr algn="ctr"/>
+            <a:endParaRPr lang="ko-KR" altLang="en-US" dirty="0"/>
+          </a:p>
+        </p:txBody>
+      </p:sp>
+      <p:sp>
+        <p:nvSpPr>
+          <p:cNvPr id="6" name="직사각형 5"/>
+          <p:cNvSpPr/>
+          <p:nvPr/>
+        </p:nvSpPr>
+        <p:spPr>
+          <a:xfrm>
+            <a:off x="0" y="0"/>
+            <a:ext cx="12192000" cy="571499"/>
+          </a:xfrm>
+          <a:prstGeom prst="rect">
+            <a:avLst/>
+          </a:prstGeom>
+          <a:solidFill>
+            <a:srgbClr val="171A21"/>
+          </a:solidFill>
+        </p:spPr>
+        <p:style>
+          <a:lnRef idx="2">
+            <a:schemeClr val="accent1">
+              <a:shade val="50000"/>
+            </a:schemeClr>
+          </a:lnRef>
+          <a:fillRef idx="1">
+            <a:schemeClr val="accent1"/>
+          </a:fillRef>
+          <a:effectRef idx="0">
+            <a:schemeClr val="accent1"/>
+          </a:effectRef>
+          <a:fontRef idx="minor">
+            <a:schemeClr val="lt1"/>
+          </a:fontRef>
+        </p:style>
+        <p:txBody>
+          <a:bodyPr rtlCol="0" anchor="ctr"/>
+          <a:lstStyle/>
+          <a:p>
+            <a:pPr algn="ctr"/>
+            <a:endParaRPr lang="ko-KR" altLang="en-US"/>
+          </a:p>
+        </p:txBody>
+      </p:sp>
+      <p:sp>
+        <p:nvSpPr>
+          <p:cNvPr id="7" name="TextBox 6"/>
+          <p:cNvSpPr txBox="1"/>
+          <p:nvPr/>
+        </p:nvSpPr>
+        <p:spPr>
+          <a:xfrm>
+            <a:off x="95250" y="71437"/>
+            <a:ext cx="4219575" cy="369332"/>
+          </a:xfrm>
+          <a:prstGeom prst="rect">
+            <a:avLst/>
+          </a:prstGeom>
+          <a:noFill/>
+        </p:spPr>
+        <p:txBody>
+          <a:bodyPr wrap="square" rtlCol="0">
+            <a:spAutoFit/>
+          </a:bodyPr>
+          <a:lstStyle/>
+          <a:p>
+            <a:r>
+              <a:rPr lang="en-US" altLang="ko-KR" dirty="0" err="1">
+                <a:solidFill>
+                  <a:schemeClr val="bg1">
+                    <a:lumMod val="85000"/>
+                  </a:schemeClr>
+                </a:solidFill>
+              </a:rPr>
+              <a:t>SourGrape</a:t>
+            </a:r>
+            <a:endParaRPr lang="ko-KR" altLang="en-US" dirty="0">
+              <a:solidFill>
+                <a:schemeClr val="bg1">
+                  <a:lumMod val="85000"/>
+                </a:schemeClr>
+              </a:solidFill>
+            </a:endParaRPr>
+          </a:p>
+        </p:txBody>
+      </p:sp>
+      <p:sp>
+        <p:nvSpPr>
+          <p:cNvPr id="8" name="타원 7"/>
+          <p:cNvSpPr/>
+          <p:nvPr/>
+        </p:nvSpPr>
+        <p:spPr>
+          <a:xfrm>
+            <a:off x="10496550" y="101083"/>
+            <a:ext cx="369332" cy="369332"/>
+          </a:xfrm>
+          <a:prstGeom prst="ellipse">
+            <a:avLst/>
+          </a:prstGeom>
+          <a:solidFill>
+            <a:srgbClr val="FF0000"/>
+          </a:solidFill>
+          <a:ln>
+            <a:solidFill>
+              <a:schemeClr val="tx1"/>
+            </a:solidFill>
+          </a:ln>
+        </p:spPr>
+        <p:style>
+          <a:lnRef idx="2">
+            <a:schemeClr val="accent1">
+              <a:shade val="50000"/>
+            </a:schemeClr>
+          </a:lnRef>
+          <a:fillRef idx="1">
+            <a:schemeClr val="accent1"/>
+          </a:fillRef>
+          <a:effectRef idx="0">
+            <a:schemeClr val="accent1"/>
+          </a:effectRef>
+          <a:fontRef idx="minor">
+            <a:schemeClr val="lt1"/>
+          </a:fontRef>
+        </p:style>
+        <p:txBody>
+          <a:bodyPr rtlCol="0" anchor="ctr"/>
+          <a:lstStyle/>
+          <a:p>
+            <a:pPr algn="ctr"/>
+            <a:endParaRPr lang="ko-KR" altLang="en-US"/>
+          </a:p>
+        </p:txBody>
+      </p:sp>
+      <p:sp>
+        <p:nvSpPr>
+          <p:cNvPr id="9" name="TextBox 8"/>
+          <p:cNvSpPr txBox="1"/>
+          <p:nvPr/>
+        </p:nvSpPr>
+        <p:spPr>
+          <a:xfrm>
+            <a:off x="10951607" y="129658"/>
+            <a:ext cx="1107043" cy="292388"/>
+          </a:xfrm>
+          <a:prstGeom prst="rect">
+            <a:avLst/>
+          </a:prstGeom>
+          <a:noFill/>
+        </p:spPr>
+        <p:txBody>
+          <a:bodyPr wrap="square" rtlCol="0">
+            <a:spAutoFit/>
+          </a:bodyPr>
+          <a:lstStyle/>
+          <a:p>
+            <a:r>
+              <a:rPr lang="ko-KR" altLang="en-US" sz="1300" dirty="0">
+                <a:solidFill>
+                  <a:schemeClr val="bg1">
+                    <a:lumMod val="85000"/>
+                  </a:schemeClr>
+                </a:solidFill>
+              </a:rPr>
+              <a:t>홍길동</a:t>
+            </a:r>
+          </a:p>
+        </p:txBody>
+      </p:sp>
+      <p:pic>
+        <p:nvPicPr>
+          <p:cNvPr id="2" name="그림 1"/>
+          <p:cNvPicPr>
+            <a:picLocks noChangeAspect="1"/>
+          </p:cNvPicPr>
+          <p:nvPr/>
+        </p:nvPicPr>
+        <p:blipFill>
+          <a:blip r:embed="rId2"/>
+          <a:stretch>
+            <a:fillRect/>
+          </a:stretch>
+        </p:blipFill>
+        <p:spPr>
+          <a:xfrm>
+            <a:off x="561505" y="897946"/>
+            <a:ext cx="5801797" cy="3267585"/>
+          </a:xfrm>
+          <a:prstGeom prst="rect">
+            <a:avLst/>
+          </a:prstGeom>
+        </p:spPr>
+      </p:pic>
+      <p:sp>
+        <p:nvSpPr>
+          <p:cNvPr id="4" name="타원 3"/>
+          <p:cNvSpPr/>
+          <p:nvPr/>
+        </p:nvSpPr>
+        <p:spPr>
+          <a:xfrm>
+            <a:off x="6603872" y="948188"/>
+            <a:ext cx="611908" cy="562294"/>
+          </a:xfrm>
+          <a:prstGeom prst="ellipse">
+            <a:avLst/>
+          </a:prstGeom>
+          <a:solidFill>
+            <a:srgbClr val="62088A"/>
+          </a:solidFill>
+        </p:spPr>
+        <p:style>
+          <a:lnRef idx="2">
+            <a:schemeClr val="accent1">
+              <a:shade val="50000"/>
+            </a:schemeClr>
+          </a:lnRef>
+          <a:fillRef idx="1">
+            <a:schemeClr val="accent1"/>
+          </a:fillRef>
+          <a:effectRef idx="0">
+            <a:schemeClr val="accent1"/>
+          </a:effectRef>
+          <a:fontRef idx="minor">
+            <a:schemeClr val="lt1"/>
+          </a:fontRef>
+        </p:style>
+        <p:txBody>
+          <a:bodyPr rtlCol="0" anchor="ctr"/>
+          <a:lstStyle/>
+          <a:p>
+            <a:pPr algn="ctr"/>
+            <a:r>
+              <a:rPr lang="en-US" altLang="ko-KR" dirty="0"/>
+              <a:t>5</a:t>
+            </a:r>
+            <a:endParaRPr lang="ko-KR" altLang="en-US" dirty="0"/>
+          </a:p>
+        </p:txBody>
+      </p:sp>
+      <p:sp>
+        <p:nvSpPr>
+          <p:cNvPr id="37" name="타원 36"/>
+          <p:cNvSpPr/>
+          <p:nvPr/>
+        </p:nvSpPr>
+        <p:spPr>
+          <a:xfrm>
+            <a:off x="6614027" y="1606643"/>
+            <a:ext cx="611908" cy="562294"/>
+          </a:xfrm>
+          <a:prstGeom prst="ellipse">
+            <a:avLst/>
+          </a:prstGeom>
+          <a:solidFill>
+            <a:srgbClr val="532377"/>
+          </a:solidFill>
+        </p:spPr>
+        <p:style>
+          <a:lnRef idx="2">
+            <a:schemeClr val="accent1">
+              <a:shade val="50000"/>
+            </a:schemeClr>
+          </a:lnRef>
+          <a:fillRef idx="1">
+            <a:schemeClr val="accent1"/>
+          </a:fillRef>
+          <a:effectRef idx="0">
+            <a:schemeClr val="accent1"/>
+          </a:effectRef>
+          <a:fontRef idx="minor">
+            <a:schemeClr val="lt1"/>
+          </a:fontRef>
+        </p:style>
+        <p:txBody>
+          <a:bodyPr rtlCol="0" anchor="ctr"/>
+          <a:lstStyle/>
+          <a:p>
+            <a:pPr algn="ctr"/>
+            <a:r>
+              <a:rPr lang="en-US" altLang="ko-KR" dirty="0"/>
+              <a:t>4</a:t>
+            </a:r>
+            <a:endParaRPr lang="ko-KR" altLang="en-US" dirty="0"/>
+          </a:p>
+        </p:txBody>
+      </p:sp>
+      <p:sp>
+        <p:nvSpPr>
+          <p:cNvPr id="38" name="타원 37"/>
+          <p:cNvSpPr/>
+          <p:nvPr/>
+        </p:nvSpPr>
+        <p:spPr>
+          <a:xfrm>
+            <a:off x="6614027" y="2214065"/>
+            <a:ext cx="611908" cy="562294"/>
+          </a:xfrm>
+          <a:prstGeom prst="ellipse">
+            <a:avLst/>
+          </a:prstGeom>
+          <a:solidFill>
+            <a:srgbClr val="7030A0"/>
+          </a:solidFill>
+        </p:spPr>
+        <p:style>
+          <a:lnRef idx="2">
+            <a:schemeClr val="accent1">
+              <a:shade val="50000"/>
+            </a:schemeClr>
+          </a:lnRef>
+          <a:fillRef idx="1">
+            <a:schemeClr val="accent1"/>
+          </a:fillRef>
+          <a:effectRef idx="0">
+            <a:schemeClr val="accent1"/>
+          </a:effectRef>
+          <a:fontRef idx="minor">
+            <a:schemeClr val="lt1"/>
+          </a:fontRef>
+        </p:style>
+        <p:txBody>
+          <a:bodyPr rtlCol="0" anchor="ctr"/>
+          <a:lstStyle/>
+          <a:p>
+            <a:pPr algn="ctr"/>
+            <a:r>
+              <a:rPr lang="en-US" altLang="ko-KR" dirty="0"/>
+              <a:t>3</a:t>
+            </a:r>
+            <a:endParaRPr lang="ko-KR" altLang="en-US" dirty="0"/>
+          </a:p>
+        </p:txBody>
+      </p:sp>
+      <p:sp>
+        <p:nvSpPr>
+          <p:cNvPr id="39" name="타원 38"/>
+          <p:cNvSpPr/>
+          <p:nvPr/>
+        </p:nvSpPr>
+        <p:spPr>
+          <a:xfrm>
+            <a:off x="6618950" y="2866616"/>
+            <a:ext cx="611908" cy="562294"/>
+          </a:xfrm>
+          <a:prstGeom prst="ellipse">
+            <a:avLst/>
+          </a:prstGeom>
+          <a:solidFill>
+            <a:srgbClr val="9751CB"/>
+          </a:solidFill>
+        </p:spPr>
+        <p:style>
+          <a:lnRef idx="2">
+            <a:schemeClr val="accent1">
+              <a:shade val="50000"/>
+            </a:schemeClr>
+          </a:lnRef>
+          <a:fillRef idx="1">
+            <a:schemeClr val="accent1"/>
+          </a:fillRef>
+          <a:effectRef idx="0">
+            <a:schemeClr val="accent1"/>
+          </a:effectRef>
+          <a:fontRef idx="minor">
+            <a:schemeClr val="lt1"/>
+          </a:fontRef>
+        </p:style>
+        <p:txBody>
+          <a:bodyPr rtlCol="0" anchor="ctr"/>
+          <a:lstStyle/>
+          <a:p>
+            <a:pPr algn="ctr"/>
+            <a:r>
+              <a:rPr lang="en-US" altLang="ko-KR" dirty="0"/>
+              <a:t>2</a:t>
+            </a:r>
+            <a:endParaRPr lang="ko-KR" altLang="en-US" dirty="0"/>
+          </a:p>
+        </p:txBody>
+      </p:sp>
+      <p:sp>
+        <p:nvSpPr>
+          <p:cNvPr id="40" name="타원 39"/>
+          <p:cNvSpPr/>
+          <p:nvPr/>
+        </p:nvSpPr>
+        <p:spPr>
+          <a:xfrm>
+            <a:off x="6618950" y="3560927"/>
+            <a:ext cx="611908" cy="562294"/>
+          </a:xfrm>
+          <a:prstGeom prst="ellipse">
+            <a:avLst/>
+          </a:prstGeom>
+          <a:solidFill>
+            <a:srgbClr val="B686DA"/>
+          </a:solidFill>
+        </p:spPr>
+        <p:style>
+          <a:lnRef idx="2">
+            <a:schemeClr val="accent1">
+              <a:shade val="50000"/>
+            </a:schemeClr>
+          </a:lnRef>
+          <a:fillRef idx="1">
+            <a:schemeClr val="accent1"/>
+          </a:fillRef>
+          <a:effectRef idx="0">
+            <a:schemeClr val="accent1"/>
+          </a:effectRef>
+          <a:fontRef idx="minor">
+            <a:schemeClr val="lt1"/>
+          </a:fontRef>
+        </p:style>
+        <p:txBody>
+          <a:bodyPr rtlCol="0" anchor="ctr"/>
+          <a:lstStyle/>
+          <a:p>
+            <a:pPr algn="ctr"/>
+            <a:r>
+              <a:rPr lang="en-US" altLang="ko-KR" dirty="0"/>
+              <a:t>1</a:t>
+            </a:r>
+            <a:endParaRPr lang="ko-KR" altLang="en-US" dirty="0"/>
+          </a:p>
+        </p:txBody>
+      </p:sp>
+      <p:sp>
+        <p:nvSpPr>
+          <p:cNvPr id="10" name="TextBox 9"/>
+          <p:cNvSpPr txBox="1"/>
+          <p:nvPr/>
+        </p:nvSpPr>
+        <p:spPr>
+          <a:xfrm>
+            <a:off x="7328253" y="1042426"/>
+            <a:ext cx="1871764" cy="338554"/>
+          </a:xfrm>
+          <a:prstGeom prst="rect">
+            <a:avLst/>
+          </a:prstGeom>
+          <a:solidFill>
+            <a:schemeClr val="accent6">
+              <a:lumMod val="60000"/>
+              <a:lumOff val="40000"/>
+            </a:schemeClr>
+          </a:solidFill>
+        </p:spPr>
+        <p:txBody>
+          <a:bodyPr wrap="square" rtlCol="0">
+            <a:spAutoFit/>
+          </a:bodyPr>
+          <a:lstStyle/>
+          <a:p>
+            <a:r>
+              <a:rPr lang="en-US" altLang="ko-KR" sz="1600" dirty="0"/>
+              <a:t>106,012 </a:t>
+            </a:r>
+            <a:r>
+              <a:rPr lang="ko-KR" altLang="en-US" sz="1600" dirty="0"/>
+              <a:t>명</a:t>
+            </a:r>
+          </a:p>
+        </p:txBody>
+      </p:sp>
+      <p:sp>
+        <p:nvSpPr>
+          <p:cNvPr id="48" name="TextBox 47"/>
+          <p:cNvSpPr txBox="1"/>
+          <p:nvPr/>
+        </p:nvSpPr>
+        <p:spPr>
+          <a:xfrm>
+            <a:off x="7359988" y="1706395"/>
+            <a:ext cx="3522353" cy="338554"/>
+          </a:xfrm>
+          <a:prstGeom prst="rect">
+            <a:avLst/>
+          </a:prstGeom>
+          <a:solidFill>
+            <a:schemeClr val="accent6">
+              <a:lumMod val="60000"/>
+              <a:lumOff val="40000"/>
+            </a:schemeClr>
+          </a:solidFill>
+        </p:spPr>
+        <p:txBody>
+          <a:bodyPr wrap="square" rtlCol="0">
+            <a:spAutoFit/>
+          </a:bodyPr>
+          <a:lstStyle/>
+          <a:p>
+            <a:r>
+              <a:rPr lang="en-US" altLang="ko-KR" sz="1600" dirty="0"/>
+              <a:t>635,827 </a:t>
+            </a:r>
+            <a:r>
+              <a:rPr lang="ko-KR" altLang="en-US" sz="1600" dirty="0"/>
+              <a:t>명</a:t>
+            </a:r>
+          </a:p>
+        </p:txBody>
+      </p:sp>
+      <p:sp>
+        <p:nvSpPr>
+          <p:cNvPr id="53" name="TextBox 52"/>
+          <p:cNvSpPr txBox="1"/>
+          <p:nvPr/>
+        </p:nvSpPr>
+        <p:spPr>
+          <a:xfrm>
+            <a:off x="7354708" y="2348214"/>
+            <a:ext cx="2629703" cy="338554"/>
+          </a:xfrm>
+          <a:prstGeom prst="rect">
+            <a:avLst/>
+          </a:prstGeom>
+          <a:solidFill>
+            <a:schemeClr val="accent6">
+              <a:lumMod val="60000"/>
+              <a:lumOff val="40000"/>
+            </a:schemeClr>
+          </a:solidFill>
+        </p:spPr>
+        <p:txBody>
+          <a:bodyPr wrap="square" rtlCol="0">
+            <a:spAutoFit/>
+          </a:bodyPr>
+          <a:lstStyle/>
+          <a:p>
+            <a:r>
+              <a:rPr lang="en-US" altLang="ko-KR" sz="1600" dirty="0"/>
+              <a:t>348,980 </a:t>
+            </a:r>
+            <a:r>
+              <a:rPr lang="ko-KR" altLang="en-US" sz="1600" dirty="0"/>
+              <a:t>명</a:t>
+            </a:r>
+          </a:p>
+        </p:txBody>
+      </p:sp>
+      <p:sp>
+        <p:nvSpPr>
+          <p:cNvPr id="54" name="TextBox 53"/>
+          <p:cNvSpPr txBox="1"/>
+          <p:nvPr/>
+        </p:nvSpPr>
+        <p:spPr>
+          <a:xfrm>
+            <a:off x="7366903" y="2981425"/>
+            <a:ext cx="1871764" cy="338554"/>
+          </a:xfrm>
+          <a:prstGeom prst="rect">
+            <a:avLst/>
+          </a:prstGeom>
+          <a:solidFill>
+            <a:schemeClr val="accent6">
+              <a:lumMod val="60000"/>
+              <a:lumOff val="40000"/>
+            </a:schemeClr>
+          </a:solidFill>
+        </p:spPr>
+        <p:txBody>
+          <a:bodyPr wrap="square" rtlCol="0">
+            <a:spAutoFit/>
+          </a:bodyPr>
+          <a:lstStyle/>
+          <a:p>
+            <a:r>
+              <a:rPr lang="en-US" altLang="ko-KR" sz="1600" dirty="0"/>
+              <a:t>2,467 </a:t>
+            </a:r>
+            <a:r>
+              <a:rPr lang="ko-KR" altLang="en-US" sz="1600" dirty="0"/>
+              <a:t>명</a:t>
+            </a:r>
+          </a:p>
+        </p:txBody>
+      </p:sp>
+      <p:sp>
+        <p:nvSpPr>
+          <p:cNvPr id="58" name="TextBox 57"/>
+          <p:cNvSpPr txBox="1"/>
+          <p:nvPr/>
+        </p:nvSpPr>
+        <p:spPr>
+          <a:xfrm>
+            <a:off x="7388887" y="3677956"/>
+            <a:ext cx="1259858" cy="338554"/>
+          </a:xfrm>
+          <a:prstGeom prst="rect">
+            <a:avLst/>
+          </a:prstGeom>
+          <a:solidFill>
+            <a:schemeClr val="accent6">
+              <a:lumMod val="60000"/>
+              <a:lumOff val="40000"/>
+            </a:schemeClr>
+          </a:solidFill>
+        </p:spPr>
+        <p:txBody>
+          <a:bodyPr wrap="square" rtlCol="0">
+            <a:spAutoFit/>
+          </a:bodyPr>
+          <a:lstStyle/>
+          <a:p>
+            <a:r>
+              <a:rPr lang="en-US" altLang="ko-KR" sz="1600" dirty="0"/>
+              <a:t>459 </a:t>
+            </a:r>
+            <a:r>
+              <a:rPr lang="ko-KR" altLang="en-US" sz="1600" dirty="0"/>
+              <a:t>명</a:t>
+            </a:r>
+          </a:p>
+        </p:txBody>
+      </p:sp>
+      <p:sp>
+        <p:nvSpPr>
+          <p:cNvPr id="11" name="TextBox 10"/>
+          <p:cNvSpPr txBox="1"/>
+          <p:nvPr/>
+        </p:nvSpPr>
+        <p:spPr>
+          <a:xfrm>
+            <a:off x="809549" y="5776462"/>
+            <a:ext cx="1669142" cy="1323439"/>
+          </a:xfrm>
+          <a:prstGeom prst="rect">
+            <a:avLst/>
+          </a:prstGeom>
+          <a:noFill/>
+        </p:spPr>
+        <p:txBody>
+          <a:bodyPr wrap="square" rtlCol="0">
+            <a:spAutoFit/>
+          </a:bodyPr>
+          <a:lstStyle/>
+          <a:p>
+            <a:pPr algn="ctr"/>
+            <a:r>
+              <a:rPr lang="en-US" altLang="ko-KR" sz="8000" dirty="0"/>
+              <a:t>4</a:t>
+            </a:r>
+            <a:endParaRPr lang="ko-KR" altLang="en-US" sz="8000" dirty="0"/>
+          </a:p>
+        </p:txBody>
+      </p:sp>
+      <p:sp>
+        <p:nvSpPr>
+          <p:cNvPr id="64" name="TextBox 63"/>
+          <p:cNvSpPr txBox="1"/>
+          <p:nvPr/>
+        </p:nvSpPr>
+        <p:spPr>
+          <a:xfrm>
+            <a:off x="3042472" y="5776461"/>
+            <a:ext cx="1669142" cy="1323439"/>
+          </a:xfrm>
+          <a:prstGeom prst="rect">
+            <a:avLst/>
+          </a:prstGeom>
+          <a:noFill/>
+        </p:spPr>
+        <p:txBody>
+          <a:bodyPr wrap="square" rtlCol="0">
+            <a:spAutoFit/>
+          </a:bodyPr>
+          <a:lstStyle/>
+          <a:p>
+            <a:r>
+              <a:rPr lang="en-US" altLang="ko-KR" sz="8000" dirty="0"/>
+              <a:t>4.2</a:t>
+            </a:r>
+            <a:endParaRPr lang="ko-KR" altLang="en-US" sz="8000" dirty="0"/>
+          </a:p>
+        </p:txBody>
+      </p:sp>
+      <p:sp>
+        <p:nvSpPr>
+          <p:cNvPr id="14" name="TextBox 13"/>
+          <p:cNvSpPr txBox="1"/>
+          <p:nvPr/>
+        </p:nvSpPr>
+        <p:spPr>
+          <a:xfrm>
+            <a:off x="762244" y="5524128"/>
+            <a:ext cx="1704837" cy="369332"/>
+          </a:xfrm>
+          <a:prstGeom prst="rect">
+            <a:avLst/>
+          </a:prstGeom>
+          <a:solidFill>
+            <a:schemeClr val="tx1"/>
+          </a:solidFill>
+        </p:spPr>
+        <p:txBody>
+          <a:bodyPr wrap="square" rtlCol="0">
+            <a:spAutoFit/>
+          </a:bodyPr>
+          <a:lstStyle/>
+          <a:p>
+            <a:pPr algn="ctr"/>
+            <a:r>
+              <a:rPr lang="ko-KR" altLang="en-US" b="1" dirty="0" smtClean="0">
+                <a:solidFill>
+                  <a:schemeClr val="bg1"/>
+                </a:solidFill>
+              </a:rPr>
+              <a:t>내 평점</a:t>
+            </a:r>
+            <a:endParaRPr lang="ko-KR" altLang="en-US" b="1" dirty="0">
+              <a:solidFill>
+                <a:schemeClr val="bg1"/>
+              </a:solidFill>
+            </a:endParaRPr>
+          </a:p>
+        </p:txBody>
+      </p:sp>
+      <p:sp>
+        <p:nvSpPr>
+          <p:cNvPr id="28" name="TextBox 27"/>
+          <p:cNvSpPr txBox="1"/>
+          <p:nvPr/>
+        </p:nvSpPr>
+        <p:spPr>
+          <a:xfrm>
+            <a:off x="561505" y="4296658"/>
+            <a:ext cx="5368320" cy="1077218"/>
+          </a:xfrm>
+          <a:prstGeom prst="rect">
+            <a:avLst/>
+          </a:prstGeom>
+          <a:noFill/>
+        </p:spPr>
+        <p:txBody>
+          <a:bodyPr wrap="square" rtlCol="0">
+            <a:spAutoFit/>
+          </a:bodyPr>
+          <a:lstStyle/>
+          <a:p>
+            <a:r>
+              <a:rPr lang="ko-KR" altLang="en-US" sz="4400" b="1" dirty="0"/>
+              <a:t>작품 </a:t>
+            </a:r>
+            <a:r>
+              <a:rPr lang="en-US" altLang="ko-KR" sz="4400" b="1" dirty="0"/>
+              <a:t>: &lt; GTA 5 &gt;</a:t>
+            </a:r>
+          </a:p>
+          <a:p>
+            <a:r>
+              <a:rPr lang="ko-KR" altLang="en-US" sz="2000" b="1" dirty="0"/>
+              <a:t>제작사 </a:t>
+            </a:r>
+            <a:r>
+              <a:rPr lang="en-US" altLang="ko-KR" sz="2000" b="1" dirty="0"/>
+              <a:t>: </a:t>
+            </a:r>
+            <a:r>
+              <a:rPr lang="en-US" altLang="ko-KR" sz="2000" b="1" dirty="0" err="1"/>
+              <a:t>Rockstar</a:t>
+            </a:r>
+            <a:r>
+              <a:rPr lang="en-US" altLang="ko-KR" sz="2000" b="1" dirty="0"/>
+              <a:t> Games</a:t>
+            </a:r>
+            <a:endParaRPr lang="ko-KR" altLang="en-US" sz="2000" b="1" dirty="0"/>
+          </a:p>
+        </p:txBody>
+      </p:sp>
+      <p:sp>
+        <p:nvSpPr>
+          <p:cNvPr id="16" name="TextBox 15"/>
+          <p:cNvSpPr txBox="1"/>
+          <p:nvPr/>
+        </p:nvSpPr>
+        <p:spPr>
+          <a:xfrm>
+            <a:off x="9206901" y="1014988"/>
+            <a:ext cx="1566141" cy="381600"/>
+          </a:xfrm>
+          <a:prstGeom prst="rect">
+            <a:avLst/>
+          </a:prstGeom>
+          <a:noFill/>
+        </p:spPr>
+        <p:txBody>
+          <a:bodyPr wrap="square" rtlCol="0">
+            <a:spAutoFit/>
+          </a:bodyPr>
+          <a:lstStyle/>
+          <a:p>
+            <a:r>
+              <a:rPr lang="en-US" altLang="ko-KR" dirty="0"/>
+              <a:t>( 4 </a:t>
+            </a:r>
+            <a:r>
+              <a:rPr lang="ko-KR" altLang="en-US" dirty="0"/>
+              <a:t>명 </a:t>
+            </a:r>
+            <a:r>
+              <a:rPr lang="en-US" altLang="ko-KR" dirty="0"/>
+              <a:t>)</a:t>
+            </a:r>
+            <a:endParaRPr lang="ko-KR" altLang="en-US" dirty="0"/>
+          </a:p>
+        </p:txBody>
+      </p:sp>
+      <p:sp>
+        <p:nvSpPr>
+          <p:cNvPr id="69" name="TextBox 68"/>
+          <p:cNvSpPr txBox="1"/>
+          <p:nvPr/>
+        </p:nvSpPr>
+        <p:spPr>
+          <a:xfrm>
+            <a:off x="10979173" y="1696990"/>
+            <a:ext cx="1566141" cy="381600"/>
+          </a:xfrm>
+          <a:prstGeom prst="rect">
+            <a:avLst/>
+          </a:prstGeom>
+          <a:noFill/>
+        </p:spPr>
+        <p:txBody>
+          <a:bodyPr wrap="square" rtlCol="0">
+            <a:spAutoFit/>
+          </a:bodyPr>
+          <a:lstStyle/>
+          <a:p>
+            <a:r>
+              <a:rPr lang="en-US" altLang="ko-KR" dirty="0"/>
+              <a:t>( 8 </a:t>
+            </a:r>
+            <a:r>
+              <a:rPr lang="ko-KR" altLang="en-US" dirty="0"/>
+              <a:t>명 </a:t>
+            </a:r>
+            <a:r>
+              <a:rPr lang="en-US" altLang="ko-KR" dirty="0"/>
+              <a:t>)</a:t>
+            </a:r>
+            <a:endParaRPr lang="ko-KR" altLang="en-US" dirty="0"/>
+          </a:p>
+        </p:txBody>
+      </p:sp>
+      <p:sp>
+        <p:nvSpPr>
+          <p:cNvPr id="70" name="TextBox 69"/>
+          <p:cNvSpPr txBox="1"/>
+          <p:nvPr/>
+        </p:nvSpPr>
+        <p:spPr>
+          <a:xfrm>
+            <a:off x="10293196" y="2304412"/>
+            <a:ext cx="1566141" cy="381600"/>
+          </a:xfrm>
+          <a:prstGeom prst="rect">
+            <a:avLst/>
+          </a:prstGeom>
+          <a:noFill/>
+        </p:spPr>
+        <p:txBody>
+          <a:bodyPr wrap="square" rtlCol="0">
+            <a:spAutoFit/>
+          </a:bodyPr>
+          <a:lstStyle/>
+          <a:p>
+            <a:r>
+              <a:rPr lang="en-US" altLang="ko-KR" dirty="0"/>
+              <a:t>( 3 </a:t>
+            </a:r>
+            <a:r>
+              <a:rPr lang="ko-KR" altLang="en-US" dirty="0"/>
+              <a:t>명 </a:t>
+            </a:r>
+            <a:r>
+              <a:rPr lang="en-US" altLang="ko-KR" dirty="0"/>
+              <a:t>)</a:t>
+            </a:r>
+            <a:endParaRPr lang="ko-KR" altLang="en-US" dirty="0"/>
+          </a:p>
+        </p:txBody>
+      </p:sp>
+      <p:sp>
+        <p:nvSpPr>
+          <p:cNvPr id="73" name="TextBox 72"/>
+          <p:cNvSpPr txBox="1"/>
+          <p:nvPr/>
+        </p:nvSpPr>
+        <p:spPr>
+          <a:xfrm>
+            <a:off x="9356860" y="2956963"/>
+            <a:ext cx="1566141" cy="381600"/>
+          </a:xfrm>
+          <a:prstGeom prst="rect">
+            <a:avLst/>
+          </a:prstGeom>
+          <a:noFill/>
+        </p:spPr>
+        <p:txBody>
+          <a:bodyPr wrap="square" rtlCol="0">
+            <a:spAutoFit/>
+          </a:bodyPr>
+          <a:lstStyle/>
+          <a:p>
+            <a:r>
+              <a:rPr lang="en-US" altLang="ko-KR" dirty="0"/>
+              <a:t>( 2 </a:t>
+            </a:r>
+            <a:r>
+              <a:rPr lang="ko-KR" altLang="en-US" dirty="0"/>
+              <a:t>명 </a:t>
+            </a:r>
+            <a:r>
+              <a:rPr lang="en-US" altLang="ko-KR" dirty="0"/>
+              <a:t>)</a:t>
+            </a:r>
+            <a:endParaRPr lang="ko-KR" altLang="en-US" dirty="0"/>
+          </a:p>
+        </p:txBody>
+      </p:sp>
+      <p:sp>
+        <p:nvSpPr>
+          <p:cNvPr id="74" name="TextBox 73"/>
+          <p:cNvSpPr txBox="1"/>
+          <p:nvPr/>
+        </p:nvSpPr>
+        <p:spPr>
+          <a:xfrm>
+            <a:off x="8799004" y="3631419"/>
+            <a:ext cx="1566141" cy="381600"/>
+          </a:xfrm>
+          <a:prstGeom prst="rect">
+            <a:avLst/>
+          </a:prstGeom>
+          <a:noFill/>
+        </p:spPr>
+        <p:txBody>
+          <a:bodyPr wrap="square" rtlCol="0">
+            <a:spAutoFit/>
+          </a:bodyPr>
+          <a:lstStyle/>
+          <a:p>
+            <a:r>
+              <a:rPr lang="en-US" altLang="ko-KR" dirty="0"/>
+              <a:t>( 0 </a:t>
+            </a:r>
+            <a:r>
+              <a:rPr lang="ko-KR" altLang="en-US" dirty="0"/>
+              <a:t>명 </a:t>
+            </a:r>
+            <a:r>
+              <a:rPr lang="en-US" altLang="ko-KR" dirty="0"/>
+              <a:t>)</a:t>
+            </a:r>
+            <a:endParaRPr lang="ko-KR" altLang="en-US" dirty="0"/>
+          </a:p>
+        </p:txBody>
+      </p:sp>
+      <p:sp>
+        <p:nvSpPr>
+          <p:cNvPr id="75" name="직사각형 74"/>
+          <p:cNvSpPr/>
+          <p:nvPr/>
+        </p:nvSpPr>
+        <p:spPr>
+          <a:xfrm>
+            <a:off x="11190626" y="824410"/>
+            <a:ext cx="515892" cy="501628"/>
+          </a:xfrm>
+          <a:prstGeom prst="rect">
+            <a:avLst/>
+          </a:prstGeom>
+        </p:spPr>
+        <p:style>
+          <a:lnRef idx="2">
+            <a:schemeClr val="accent1">
+              <a:shade val="50000"/>
+            </a:schemeClr>
+          </a:lnRef>
+          <a:fillRef idx="1">
+            <a:schemeClr val="accent1"/>
+          </a:fillRef>
+          <a:effectRef idx="0">
+            <a:schemeClr val="accent1"/>
+          </a:effectRef>
+          <a:fontRef idx="minor">
+            <a:schemeClr val="lt1"/>
+          </a:fontRef>
+        </p:style>
+        <p:txBody>
+          <a:bodyPr rtlCol="0" anchor="ctr"/>
+          <a:lstStyle/>
+          <a:p>
+            <a:pPr algn="ctr"/>
+            <a:r>
+              <a:rPr lang="en-US" altLang="ko-KR" sz="2000" dirty="0" smtClean="0"/>
+              <a:t>x</a:t>
+            </a:r>
+            <a:endParaRPr lang="ko-KR" altLang="en-US" sz="2000" dirty="0"/>
+          </a:p>
+        </p:txBody>
+      </p:sp>
+      <p:sp>
+        <p:nvSpPr>
+          <p:cNvPr id="44" name="TextBox 43"/>
+          <p:cNvSpPr txBox="1"/>
+          <p:nvPr/>
+        </p:nvSpPr>
+        <p:spPr>
+          <a:xfrm>
+            <a:off x="3008685" y="5529823"/>
+            <a:ext cx="1635013" cy="369332"/>
+          </a:xfrm>
+          <a:prstGeom prst="rect">
+            <a:avLst/>
+          </a:prstGeom>
+          <a:solidFill>
+            <a:schemeClr val="tx1"/>
+          </a:solidFill>
+        </p:spPr>
+        <p:txBody>
+          <a:bodyPr wrap="square" rtlCol="0">
+            <a:spAutoFit/>
+          </a:bodyPr>
+          <a:lstStyle/>
+          <a:p>
+            <a:pPr algn="ctr"/>
+            <a:r>
+              <a:rPr lang="ko-KR" altLang="en-US" b="1" dirty="0" smtClean="0">
+                <a:solidFill>
+                  <a:schemeClr val="bg1"/>
+                </a:solidFill>
+              </a:rPr>
+              <a:t>전체 평점</a:t>
+            </a:r>
+            <a:endParaRPr lang="ko-KR" altLang="en-US" b="1" dirty="0">
+              <a:solidFill>
+                <a:schemeClr val="bg1"/>
+              </a:solidFill>
+            </a:endParaRPr>
+          </a:p>
+        </p:txBody>
+      </p:sp>
+      <p:grpSp>
+        <p:nvGrpSpPr>
+          <p:cNvPr id="15" name="그룹 14"/>
+          <p:cNvGrpSpPr/>
+          <p:nvPr/>
+        </p:nvGrpSpPr>
+        <p:grpSpPr>
+          <a:xfrm>
+            <a:off x="6666130" y="5035937"/>
+            <a:ext cx="4109087" cy="1822063"/>
+            <a:chOff x="6666130" y="4396111"/>
+            <a:chExt cx="4103641" cy="1822063"/>
+          </a:xfrm>
+        </p:grpSpPr>
+        <p:sp>
+          <p:nvSpPr>
+            <p:cNvPr id="45" name="직사각형 44"/>
+            <p:cNvSpPr/>
+            <p:nvPr/>
+          </p:nvSpPr>
+          <p:spPr>
+            <a:xfrm>
+              <a:off x="6676591" y="4400233"/>
+              <a:ext cx="1807824" cy="501628"/>
+            </a:xfrm>
+            <a:prstGeom prst="rect">
+              <a:avLst/>
+            </a:prstGeom>
+          </p:spPr>
+          <p:style>
+            <a:lnRef idx="2">
+              <a:schemeClr val="accent1">
+                <a:shade val="50000"/>
+              </a:schemeClr>
+            </a:lnRef>
+            <a:fillRef idx="1">
+              <a:schemeClr val="accent1"/>
+            </a:fillRef>
+            <a:effectRef idx="0">
+              <a:schemeClr val="accent1"/>
+            </a:effectRef>
+            <a:fontRef idx="minor">
+              <a:schemeClr val="lt1"/>
+            </a:fontRef>
+          </p:style>
+          <p:txBody>
+            <a:bodyPr rtlCol="0" anchor="ctr"/>
+            <a:lstStyle/>
+            <a:p>
+              <a:pPr algn="ctr"/>
+              <a:r>
+                <a:rPr lang="ko-KR" altLang="en-US" sz="2000" b="1" dirty="0"/>
+                <a:t>잔인한 </a:t>
+              </a:r>
+            </a:p>
+          </p:txBody>
+        </p:sp>
+        <p:sp>
+          <p:nvSpPr>
+            <p:cNvPr id="46" name="직사각형 45"/>
+            <p:cNvSpPr/>
+            <p:nvPr/>
+          </p:nvSpPr>
+          <p:spPr>
+            <a:xfrm>
+              <a:off x="8961947" y="4396111"/>
+              <a:ext cx="1807824" cy="501628"/>
+            </a:xfrm>
+            <a:prstGeom prst="rect">
+              <a:avLst/>
+            </a:prstGeom>
+          </p:spPr>
+          <p:style>
+            <a:lnRef idx="2">
+              <a:schemeClr val="accent1">
+                <a:shade val="50000"/>
+              </a:schemeClr>
+            </a:lnRef>
+            <a:fillRef idx="1">
+              <a:schemeClr val="accent1"/>
+            </a:fillRef>
+            <a:effectRef idx="0">
+              <a:schemeClr val="accent1"/>
+            </a:effectRef>
+            <a:fontRef idx="minor">
+              <a:schemeClr val="lt1"/>
+            </a:fontRef>
+          </p:style>
+          <p:txBody>
+            <a:bodyPr rtlCol="0" anchor="ctr"/>
+            <a:lstStyle/>
+            <a:p>
+              <a:pPr algn="ctr"/>
+              <a:r>
+                <a:rPr lang="ko-KR" altLang="en-US" sz="2000" b="1" dirty="0" smtClean="0"/>
+                <a:t>액션</a:t>
+              </a:r>
+              <a:endParaRPr lang="ko-KR" altLang="en-US" sz="2000" b="1" dirty="0"/>
+            </a:p>
+          </p:txBody>
+        </p:sp>
+        <p:sp>
+          <p:nvSpPr>
+            <p:cNvPr id="47" name="직사각형 46"/>
+            <p:cNvSpPr/>
+            <p:nvPr/>
+          </p:nvSpPr>
+          <p:spPr>
+            <a:xfrm>
+              <a:off x="6666130" y="5042769"/>
+              <a:ext cx="1807824" cy="501628"/>
+            </a:xfrm>
+            <a:prstGeom prst="rect">
+              <a:avLst/>
+            </a:prstGeom>
+          </p:spPr>
+          <p:style>
+            <a:lnRef idx="2">
+              <a:schemeClr val="accent1">
+                <a:shade val="50000"/>
+              </a:schemeClr>
+            </a:lnRef>
+            <a:fillRef idx="1">
+              <a:schemeClr val="accent1"/>
+            </a:fillRef>
+            <a:effectRef idx="0">
+              <a:schemeClr val="accent1"/>
+            </a:effectRef>
+            <a:fontRef idx="minor">
+              <a:schemeClr val="lt1"/>
+            </a:fontRef>
+          </p:style>
+          <p:txBody>
+            <a:bodyPr rtlCol="0" anchor="ctr"/>
+            <a:lstStyle/>
+            <a:p>
+              <a:pPr algn="ctr"/>
+              <a:r>
+                <a:rPr lang="ko-KR" altLang="en-US" sz="2000" b="1" dirty="0" err="1"/>
+                <a:t>어드벤쳐</a:t>
+              </a:r>
+              <a:r>
+                <a:rPr lang="ko-KR" altLang="en-US" sz="2000" b="1" dirty="0"/>
+                <a:t> </a:t>
+              </a:r>
+            </a:p>
+          </p:txBody>
+        </p:sp>
+        <p:sp>
+          <p:nvSpPr>
+            <p:cNvPr id="49" name="직사각형 48"/>
+            <p:cNvSpPr/>
+            <p:nvPr/>
+          </p:nvSpPr>
+          <p:spPr>
+            <a:xfrm>
+              <a:off x="8959775" y="5042769"/>
+              <a:ext cx="1807824" cy="501628"/>
+            </a:xfrm>
+            <a:prstGeom prst="rect">
+              <a:avLst/>
+            </a:prstGeom>
+          </p:spPr>
+          <p:style>
+            <a:lnRef idx="2">
+              <a:schemeClr val="accent1">
+                <a:shade val="50000"/>
+              </a:schemeClr>
+            </a:lnRef>
+            <a:fillRef idx="1">
+              <a:schemeClr val="accent1"/>
+            </a:fillRef>
+            <a:effectRef idx="0">
+              <a:schemeClr val="accent1"/>
+            </a:effectRef>
+            <a:fontRef idx="minor">
+              <a:schemeClr val="lt1"/>
+            </a:fontRef>
+          </p:style>
+          <p:txBody>
+            <a:bodyPr rtlCol="0" anchor="ctr"/>
+            <a:lstStyle/>
+            <a:p>
+              <a:pPr algn="ctr"/>
+              <a:r>
+                <a:rPr lang="ko-KR" altLang="en-US" sz="2000" b="1" dirty="0" smtClean="0"/>
+                <a:t>범죄</a:t>
+              </a:r>
+              <a:endParaRPr lang="ko-KR" altLang="en-US" sz="2000" b="1" dirty="0"/>
+            </a:p>
+          </p:txBody>
+        </p:sp>
+        <p:sp>
+          <p:nvSpPr>
+            <p:cNvPr id="50" name="직사각형 49"/>
+            <p:cNvSpPr/>
+            <p:nvPr/>
+          </p:nvSpPr>
+          <p:spPr>
+            <a:xfrm>
+              <a:off x="6676591" y="5716546"/>
+              <a:ext cx="1807824" cy="501628"/>
+            </a:xfrm>
+            <a:prstGeom prst="rect">
+              <a:avLst/>
+            </a:prstGeom>
+          </p:spPr>
+          <p:style>
+            <a:lnRef idx="2">
+              <a:schemeClr val="accent1">
+                <a:shade val="50000"/>
+              </a:schemeClr>
+            </a:lnRef>
+            <a:fillRef idx="1">
+              <a:schemeClr val="accent1"/>
+            </a:fillRef>
+            <a:effectRef idx="0">
+              <a:schemeClr val="accent1"/>
+            </a:effectRef>
+            <a:fontRef idx="minor">
+              <a:schemeClr val="lt1"/>
+            </a:fontRef>
+          </p:style>
+          <p:txBody>
+            <a:bodyPr rtlCol="0" anchor="ctr"/>
+            <a:lstStyle/>
+            <a:p>
+              <a:pPr algn="ctr"/>
+              <a:r>
+                <a:rPr lang="en-US" altLang="ko-KR" sz="2000" b="1" dirty="0" smtClean="0"/>
+                <a:t>TPS</a:t>
+              </a:r>
+              <a:endParaRPr lang="ko-KR" altLang="en-US" sz="2000" b="1" dirty="0"/>
+            </a:p>
+          </p:txBody>
+        </p:sp>
+        <p:sp>
+          <p:nvSpPr>
+            <p:cNvPr id="51" name="직사각형 50"/>
+            <p:cNvSpPr/>
+            <p:nvPr/>
+          </p:nvSpPr>
+          <p:spPr>
+            <a:xfrm>
+              <a:off x="8959775" y="5716546"/>
+              <a:ext cx="1807824" cy="501628"/>
+            </a:xfrm>
+            <a:prstGeom prst="rect">
+              <a:avLst/>
+            </a:prstGeom>
+          </p:spPr>
+          <p:style>
+            <a:lnRef idx="2">
+              <a:schemeClr val="accent1">
+                <a:shade val="50000"/>
+              </a:schemeClr>
+            </a:lnRef>
+            <a:fillRef idx="1">
+              <a:schemeClr val="accent1"/>
+            </a:fillRef>
+            <a:effectRef idx="0">
+              <a:schemeClr val="accent1"/>
+            </a:effectRef>
+            <a:fontRef idx="minor">
+              <a:schemeClr val="lt1"/>
+            </a:fontRef>
+          </p:style>
+          <p:txBody>
+            <a:bodyPr rtlCol="0" anchor="ctr"/>
+            <a:lstStyle/>
+            <a:p>
+              <a:pPr algn="ctr"/>
+              <a:r>
+                <a:rPr lang="ko-KR" altLang="en-US" sz="2000" b="1" dirty="0" smtClean="0"/>
+                <a:t>슈팅</a:t>
+              </a:r>
+              <a:endParaRPr lang="ko-KR" altLang="en-US" sz="2000" b="1" dirty="0"/>
+            </a:p>
+          </p:txBody>
+        </p:sp>
+        <p:grpSp>
+          <p:nvGrpSpPr>
+            <p:cNvPr id="12" name="그룹 11"/>
+            <p:cNvGrpSpPr/>
+            <p:nvPr/>
+          </p:nvGrpSpPr>
+          <p:grpSpPr>
+            <a:xfrm>
+              <a:off x="8134480" y="4517143"/>
+              <a:ext cx="592438" cy="466278"/>
+              <a:chOff x="8134480" y="4517143"/>
+              <a:chExt cx="592438" cy="466278"/>
+            </a:xfrm>
+          </p:grpSpPr>
+          <p:pic>
+            <p:nvPicPr>
+              <p:cNvPr id="25" name="그림 24"/>
+              <p:cNvPicPr>
+                <a:picLocks noChangeAspect="1"/>
+              </p:cNvPicPr>
+              <p:nvPr/>
+            </p:nvPicPr>
+            <p:blipFill>
+              <a:blip r:embed="rId3"/>
+              <a:stretch>
+                <a:fillRect/>
+              </a:stretch>
+            </p:blipFill>
+            <p:spPr>
+              <a:xfrm rot="10800000">
+                <a:off x="8134480" y="4517143"/>
+                <a:ext cx="275320" cy="275320"/>
+              </a:xfrm>
+              <a:prstGeom prst="rect">
+                <a:avLst/>
+              </a:prstGeom>
+            </p:spPr>
+          </p:pic>
+          <p:sp>
+            <p:nvSpPr>
+              <p:cNvPr id="26" name="오른쪽 화살표 25"/>
+              <p:cNvSpPr/>
+              <p:nvPr/>
+            </p:nvSpPr>
+            <p:spPr>
+              <a:xfrm rot="13381923">
+                <a:off x="8255679" y="4729198"/>
+                <a:ext cx="471239" cy="254223"/>
+              </a:xfrm>
+              <a:prstGeom prst="rightArrow">
+                <a:avLst>
+                  <a:gd name="adj1" fmla="val 50000"/>
+                  <a:gd name="adj2" fmla="val 79947"/>
+                </a:avLst>
+              </a:prstGeom>
+              <a:solidFill>
+                <a:schemeClr val="bg1"/>
+              </a:solidFill>
+              <a:ln>
+                <a:solidFill>
+                  <a:schemeClr val="tx1"/>
+                </a:solidFill>
+              </a:ln>
+            </p:spPr>
+            <p:style>
+              <a:lnRef idx="2">
+                <a:schemeClr val="accent1">
+                  <a:shade val="50000"/>
+                </a:schemeClr>
+              </a:lnRef>
+              <a:fillRef idx="1">
+                <a:schemeClr val="accent1"/>
+              </a:fillRef>
+              <a:effectRef idx="0">
+                <a:schemeClr val="accent1"/>
+              </a:effectRef>
+              <a:fontRef idx="minor">
+                <a:schemeClr val="lt1"/>
+              </a:fontRef>
+            </p:style>
+            <p:txBody>
+              <a:bodyPr rtlCol="0" anchor="ctr"/>
+              <a:lstStyle/>
+              <a:p>
+                <a:pPr algn="ctr"/>
+                <a:endParaRPr lang="ko-KR" altLang="en-US" b="1"/>
+              </a:p>
+            </p:txBody>
+          </p:sp>
+        </p:grpSp>
+      </p:grpSp>
+      <p:sp>
+        <p:nvSpPr>
+          <p:cNvPr id="56" name="직사각형 55"/>
+          <p:cNvSpPr/>
+          <p:nvPr/>
+        </p:nvSpPr>
+        <p:spPr>
+          <a:xfrm>
+            <a:off x="6666130" y="4457638"/>
+            <a:ext cx="3087470" cy="501628"/>
+          </a:xfrm>
+          <a:prstGeom prst="rect">
+            <a:avLst/>
+          </a:prstGeom>
+          <a:solidFill>
+            <a:srgbClr val="182D42"/>
+          </a:solidFill>
+        </p:spPr>
+        <p:style>
+          <a:lnRef idx="2">
+            <a:schemeClr val="accent1">
+              <a:shade val="50000"/>
+            </a:schemeClr>
+          </a:lnRef>
+          <a:fillRef idx="1">
+            <a:schemeClr val="accent1"/>
+          </a:fillRef>
+          <a:effectRef idx="0">
+            <a:schemeClr val="accent1"/>
+          </a:effectRef>
+          <a:fontRef idx="minor">
+            <a:schemeClr val="lt1"/>
+          </a:fontRef>
+        </p:style>
+        <p:txBody>
+          <a:bodyPr rtlCol="0" anchor="ctr"/>
+          <a:lstStyle/>
+          <a:p>
+            <a:r>
+              <a:rPr lang="ko-KR" altLang="en-US" sz="2000" i="1" dirty="0" smtClean="0"/>
+              <a:t>태그 추가</a:t>
+            </a:r>
+            <a:endParaRPr lang="ko-KR" altLang="en-US" sz="2000" i="1" dirty="0"/>
+          </a:p>
+        </p:txBody>
+      </p:sp>
+      <p:sp>
+        <p:nvSpPr>
+          <p:cNvPr id="18" name="직사각형 17"/>
+          <p:cNvSpPr/>
+          <p:nvPr/>
+        </p:nvSpPr>
+        <p:spPr>
+          <a:xfrm>
+            <a:off x="9858375" y="4457638"/>
+            <a:ext cx="914667" cy="500032"/>
+          </a:xfrm>
+          <a:prstGeom prst="rect">
+            <a:avLst/>
+          </a:prstGeom>
+          <a:solidFill>
+            <a:srgbClr val="1E324A"/>
+          </a:solidFill>
+        </p:spPr>
+        <p:style>
+          <a:lnRef idx="2">
+            <a:schemeClr val="accent1">
+              <a:shade val="50000"/>
+            </a:schemeClr>
+          </a:lnRef>
+          <a:fillRef idx="1">
+            <a:schemeClr val="accent1"/>
+          </a:fillRef>
+          <a:effectRef idx="0">
+            <a:schemeClr val="accent1"/>
+          </a:effectRef>
+          <a:fontRef idx="minor">
+            <a:schemeClr val="lt1"/>
+          </a:fontRef>
+        </p:style>
+        <p:txBody>
+          <a:bodyPr rtlCol="0" anchor="ctr"/>
+          <a:lstStyle/>
+          <a:p>
+            <a:pPr algn="ctr"/>
+            <a:r>
+              <a:rPr lang="ko-KR" altLang="en-US" b="1" dirty="0" smtClean="0"/>
+              <a:t>등록</a:t>
+            </a:r>
+            <a:endParaRPr lang="ko-KR" altLang="en-US" b="1" dirty="0"/>
+          </a:p>
+        </p:txBody>
+      </p:sp>
+    </p:spTree>
+    <p:extLst>
+      <p:ext uri="{BB962C8B-B14F-4D97-AF65-F5344CB8AC3E}">
+        <p14:creationId xmlns:p14="http://schemas.microsoft.com/office/powerpoint/2010/main" val="2002299406"/>
       </p:ext>
     </p:extLst>
   </p:cSld>
